--- a/trunk/slides/Intro to IPC.pptx
+++ b/trunk/slides/Intro to IPC.pptx
@@ -5,30 +5,31 @@
     <p:sldMasterId id="2147483660" r:id="rId1"/>
   </p:sldMasterIdLst>
   <p:notesMasterIdLst>
-    <p:notesMasterId r:id="rId23"/>
+    <p:notesMasterId r:id="rId24"/>
   </p:notesMasterIdLst>
   <p:sldIdLst>
     <p:sldId id="256" r:id="rId2"/>
     <p:sldId id="257" r:id="rId3"/>
-    <p:sldId id="258" r:id="rId4"/>
-    <p:sldId id="259" r:id="rId5"/>
-    <p:sldId id="260" r:id="rId6"/>
-    <p:sldId id="261" r:id="rId7"/>
-    <p:sldId id="262" r:id="rId8"/>
-    <p:sldId id="263" r:id="rId9"/>
-    <p:sldId id="264" r:id="rId10"/>
-    <p:sldId id="265" r:id="rId11"/>
-    <p:sldId id="266" r:id="rId12"/>
-    <p:sldId id="267" r:id="rId13"/>
-    <p:sldId id="268" r:id="rId14"/>
-    <p:sldId id="269" r:id="rId15"/>
-    <p:sldId id="270" r:id="rId16"/>
-    <p:sldId id="271" r:id="rId17"/>
-    <p:sldId id="272" r:id="rId18"/>
-    <p:sldId id="273" r:id="rId19"/>
-    <p:sldId id="274" r:id="rId20"/>
-    <p:sldId id="275" r:id="rId21"/>
-    <p:sldId id="276" r:id="rId22"/>
+    <p:sldId id="277" r:id="rId4"/>
+    <p:sldId id="258" r:id="rId5"/>
+    <p:sldId id="259" r:id="rId6"/>
+    <p:sldId id="260" r:id="rId7"/>
+    <p:sldId id="278" r:id="rId8"/>
+    <p:sldId id="261" r:id="rId9"/>
+    <p:sldId id="262" r:id="rId10"/>
+    <p:sldId id="263" r:id="rId11"/>
+    <p:sldId id="264" r:id="rId12"/>
+    <p:sldId id="265" r:id="rId13"/>
+    <p:sldId id="279" r:id="rId14"/>
+    <p:sldId id="266" r:id="rId15"/>
+    <p:sldId id="267" r:id="rId16"/>
+    <p:sldId id="268" r:id="rId17"/>
+    <p:sldId id="269" r:id="rId18"/>
+    <p:sldId id="270" r:id="rId19"/>
+    <p:sldId id="271" r:id="rId20"/>
+    <p:sldId id="272" r:id="rId21"/>
+    <p:sldId id="273" r:id="rId22"/>
+    <p:sldId id="274" r:id="rId23"/>
   </p:sldIdLst>
   <p:sldSz cx="9144000" cy="6858000" type="screen4x3"/>
   <p:notesSz cx="6858000" cy="9144000"/>
@@ -1614,6 +1615,88 @@
               <a:rPr lang="en-US" smtClean="0"/>
               <a:pPr/>
               <a:t>21</a:t>
+            </a:fld>
+            <a:endParaRPr lang="en-US"/>
+          </a:p>
+        </p:txBody>
+      </p:sp>
+    </p:spTree>
+  </p:cSld>
+  <p:clrMapOvr>
+    <a:masterClrMapping/>
+  </p:clrMapOvr>
+</p:notes>
+</file>
+
+<file path=ppt/notesSlides/notesSlide22.xml><?xml version="1.0" encoding="utf-8"?>
+<p:notes xmlns:a="http://schemas.openxmlformats.org/drawingml/2006/main" xmlns:r="http://schemas.openxmlformats.org/officeDocument/2006/relationships" xmlns:p="http://schemas.openxmlformats.org/presentationml/2006/main">
+  <p:cSld>
+    <p:spTree>
+      <p:nvGrpSpPr>
+        <p:cNvPr id="1" name=""/>
+        <p:cNvGrpSpPr/>
+        <p:nvPr/>
+      </p:nvGrpSpPr>
+      <p:grpSpPr>
+        <a:xfrm>
+          <a:off x="0" y="0"/>
+          <a:ext cx="0" cy="0"/>
+          <a:chOff x="0" y="0"/>
+          <a:chExt cx="0" cy="0"/>
+        </a:xfrm>
+      </p:grpSpPr>
+      <p:sp>
+        <p:nvSpPr>
+          <p:cNvPr id="2" name="Slide Image Placeholder 1"/>
+          <p:cNvSpPr>
+            <a:spLocks noGrp="1" noRot="1" noChangeAspect="1"/>
+          </p:cNvSpPr>
+          <p:nvPr>
+            <p:ph type="sldImg"/>
+          </p:nvPr>
+        </p:nvSpPr>
+        <p:spPr/>
+      </p:sp>
+      <p:sp>
+        <p:nvSpPr>
+          <p:cNvPr id="3" name="Notes Placeholder 2"/>
+          <p:cNvSpPr>
+            <a:spLocks noGrp="1"/>
+          </p:cNvSpPr>
+          <p:nvPr>
+            <p:ph type="body" idx="1"/>
+          </p:nvPr>
+        </p:nvSpPr>
+        <p:spPr/>
+        <p:txBody>
+          <a:bodyPr>
+            <a:normAutofit/>
+          </a:bodyPr>
+          <a:lstStyle/>
+          <a:p>
+            <a:endParaRPr lang="en-US"/>
+          </a:p>
+        </p:txBody>
+      </p:sp>
+      <p:sp>
+        <p:nvSpPr>
+          <p:cNvPr id="4" name="Slide Number Placeholder 3"/>
+          <p:cNvSpPr>
+            <a:spLocks noGrp="1"/>
+          </p:cNvSpPr>
+          <p:nvPr>
+            <p:ph type="sldNum" sz="quarter" idx="10"/>
+          </p:nvPr>
+        </p:nvSpPr>
+        <p:spPr/>
+        <p:txBody>
+          <a:bodyPr/>
+          <a:lstStyle/>
+          <a:p>
+            <a:fld id="{7B8B1DFA-B3AC-48C4-A020-6903E38D181E}" type="slidenum">
+              <a:rPr lang="en-US" smtClean="0"/>
+              <a:pPr/>
+              <a:t>22</a:t>
             </a:fld>
             <a:endParaRPr lang="en-US"/>
           </a:p>
@@ -3326,6 +3409,2733 @@
 </file>
 
 <file path=ppt/slides/slide10.xml><?xml version="1.0" encoding="utf-8"?>
+<p:sld xmlns:a="http://schemas.openxmlformats.org/drawingml/2006/main" xmlns:r="http://schemas.openxmlformats.org/officeDocument/2006/relationships" xmlns:p="http://schemas.openxmlformats.org/presentationml/2006/main">
+  <p:cSld>
+    <p:spTree>
+      <p:nvGrpSpPr>
+        <p:cNvPr id="1" name=""/>
+        <p:cNvGrpSpPr/>
+        <p:nvPr/>
+      </p:nvGrpSpPr>
+      <p:grpSpPr>
+        <a:xfrm>
+          <a:off x="0" y="0"/>
+          <a:ext cx="0" cy="0"/>
+          <a:chOff x="0" y="0"/>
+          <a:chExt cx="0" cy="0"/>
+        </a:xfrm>
+      </p:grpSpPr>
+      <p:sp>
+        <p:nvSpPr>
+          <p:cNvPr id="2" name="Title 1"/>
+          <p:cNvSpPr>
+            <a:spLocks noGrp="1"/>
+          </p:cNvSpPr>
+          <p:nvPr>
+            <p:ph type="title"/>
+          </p:nvPr>
+        </p:nvSpPr>
+        <p:spPr/>
+        <p:txBody>
+          <a:bodyPr/>
+          <a:lstStyle/>
+          <a:p>
+            <a:r>
+              <a:rPr lang="en-US" dirty="0" smtClean="0"/>
+              <a:t>Data Passing</a:t>
+            </a:r>
+            <a:endParaRPr lang="en-US" dirty="0"/>
+          </a:p>
+        </p:txBody>
+      </p:sp>
+      <p:sp>
+        <p:nvSpPr>
+          <p:cNvPr id="5" name="Rectangle 4"/>
+          <p:cNvSpPr/>
+          <p:nvPr/>
+        </p:nvSpPr>
+        <p:spPr bwMode="auto">
+          <a:xfrm>
+            <a:off x="685800" y="762000"/>
+            <a:ext cx="838200" cy="381000"/>
+          </a:xfrm>
+          <a:prstGeom prst="rect">
+            <a:avLst/>
+          </a:prstGeom>
+          <a:solidFill>
+            <a:srgbClr val="0070C0"/>
+          </a:solidFill>
+          <a:ln w="9525" cap="flat" cmpd="sng" algn="ctr">
+            <a:solidFill>
+              <a:schemeClr val="tx1"/>
+            </a:solidFill>
+            <a:prstDash val="solid"/>
+            <a:round/>
+            <a:headEnd type="none" w="med" len="med"/>
+            <a:tailEnd type="none" w="med" len="med"/>
+          </a:ln>
+          <a:effectLst/>
+        </p:spPr>
+        <p:txBody>
+          <a:bodyPr vert="horz" wrap="square" lIns="91440" tIns="45720" rIns="91440" bIns="45720" numCol="1" rtlCol="0" anchor="t" anchorCtr="0" compatLnSpc="1">
+            <a:prstTxWarp prst="textNoShape">
+              <a:avLst/>
+            </a:prstTxWarp>
+          </a:bodyPr>
+          <a:lstStyle/>
+          <a:p>
+            <a:pPr marL="0" marR="0" indent="0" algn="ctr" defTabSz="914400" rtl="0" eaLnBrk="0" fontAlgn="base" latinLnBrk="0" hangingPunct="0">
+              <a:lnSpc>
+                <a:spcPct val="100000"/>
+              </a:lnSpc>
+              <a:spcBef>
+                <a:spcPct val="0"/>
+              </a:spcBef>
+              <a:spcAft>
+                <a:spcPct val="0"/>
+              </a:spcAft>
+              <a:buClrTx/>
+              <a:buSzTx/>
+              <a:buFontTx/>
+              <a:buNone/>
+              <a:tabLst/>
+            </a:pPr>
+            <a:r>
+              <a:rPr kumimoji="0" lang="en-US" sz="1800" b="0" i="0" u="none" strike="noStrike" cap="none" normalizeH="0" baseline="0" dirty="0" smtClean="0">
+                <a:ln>
+                  <a:noFill/>
+                </a:ln>
+                <a:solidFill>
+                  <a:schemeClr val="bg1"/>
+                </a:solidFill>
+                <a:effectLst/>
+                <a:latin typeface="Arial" pitchFamily="34" charset="0"/>
+              </a:rPr>
+              <a:t>Notify</a:t>
+            </a:r>
+          </a:p>
+        </p:txBody>
+      </p:sp>
+      <p:sp>
+        <p:nvSpPr>
+          <p:cNvPr id="6" name="Rectangle 5"/>
+          <p:cNvSpPr/>
+          <p:nvPr/>
+        </p:nvSpPr>
+        <p:spPr bwMode="auto">
+          <a:xfrm>
+            <a:off x="1981200" y="1752600"/>
+            <a:ext cx="1143000" cy="369332"/>
+          </a:xfrm>
+          <a:prstGeom prst="rect">
+            <a:avLst/>
+          </a:prstGeom>
+          <a:solidFill>
+            <a:srgbClr val="FF0000"/>
+          </a:solidFill>
+          <a:ln w="9525" cap="flat" cmpd="sng" algn="ctr">
+            <a:solidFill>
+              <a:schemeClr val="tx1"/>
+            </a:solidFill>
+            <a:prstDash val="solid"/>
+            <a:round/>
+            <a:headEnd type="none" w="med" len="med"/>
+            <a:tailEnd type="none" w="med" len="med"/>
+          </a:ln>
+          <a:effectLst/>
+        </p:spPr>
+        <p:txBody>
+          <a:bodyPr vert="horz" wrap="square" lIns="91440" tIns="45720" rIns="91440" bIns="45720" numCol="1" rtlCol="0" anchor="t" anchorCtr="0" compatLnSpc="1">
+            <a:prstTxWarp prst="textNoShape">
+              <a:avLst/>
+            </a:prstTxWarp>
+            <a:spAutoFit/>
+          </a:bodyPr>
+          <a:lstStyle/>
+          <a:p>
+            <a:pPr marL="0" marR="0" indent="0" algn="ctr" defTabSz="914400" rtl="0" eaLnBrk="0" fontAlgn="base" latinLnBrk="0" hangingPunct="0">
+              <a:lnSpc>
+                <a:spcPct val="100000"/>
+              </a:lnSpc>
+              <a:spcBef>
+                <a:spcPct val="0"/>
+              </a:spcBef>
+              <a:spcAft>
+                <a:spcPct val="0"/>
+              </a:spcAft>
+              <a:buClrTx/>
+              <a:buSzTx/>
+              <a:buFontTx/>
+              <a:buNone/>
+              <a:tabLst/>
+            </a:pPr>
+            <a:r>
+              <a:rPr kumimoji="0" lang="en-US" sz="1800" b="0" i="0" u="none" strike="noStrike" cap="none" normalizeH="0" baseline="0" dirty="0" err="1" smtClean="0">
+                <a:ln>
+                  <a:noFill/>
+                </a:ln>
+                <a:solidFill>
+                  <a:schemeClr val="bg1"/>
+                </a:solidFill>
+                <a:effectLst/>
+                <a:latin typeface="Arial" pitchFamily="34" charset="0"/>
+              </a:rPr>
+              <a:t>MultiProc</a:t>
+            </a:r>
+            <a:endParaRPr kumimoji="0" lang="en-US" sz="1800" b="0" i="0" u="none" strike="noStrike" cap="none" normalizeH="0" baseline="0" dirty="0" smtClean="0">
+              <a:ln>
+                <a:noFill/>
+              </a:ln>
+              <a:solidFill>
+                <a:schemeClr val="bg1"/>
+              </a:solidFill>
+              <a:effectLst/>
+              <a:latin typeface="Arial" pitchFamily="34" charset="0"/>
+            </a:endParaRPr>
+          </a:p>
+        </p:txBody>
+      </p:sp>
+      <p:cxnSp>
+        <p:nvCxnSpPr>
+          <p:cNvPr id="7" name="Shape 6"/>
+          <p:cNvCxnSpPr>
+            <a:stCxn id="5" idx="2"/>
+            <a:endCxn id="6" idx="1"/>
+          </p:cNvCxnSpPr>
+          <p:nvPr/>
+        </p:nvCxnSpPr>
+        <p:spPr bwMode="auto">
+          <a:xfrm rot="16200000" flipH="1">
+            <a:off x="1145917" y="1101983"/>
+            <a:ext cx="794266" cy="876300"/>
+          </a:xfrm>
+          <a:prstGeom prst="bentConnector2">
+            <a:avLst/>
+          </a:prstGeom>
+          <a:solidFill>
+            <a:schemeClr val="accent1"/>
+          </a:solidFill>
+          <a:ln w="9525" cap="flat" cmpd="sng" algn="ctr">
+            <a:solidFill>
+              <a:schemeClr val="tx1"/>
+            </a:solidFill>
+            <a:prstDash val="solid"/>
+            <a:round/>
+            <a:headEnd type="none" w="med" len="med"/>
+            <a:tailEnd type="arrow"/>
+          </a:ln>
+          <a:effectLst/>
+        </p:spPr>
+      </p:cxnSp>
+      <p:sp>
+        <p:nvSpPr>
+          <p:cNvPr id="8" name="TextBox 7"/>
+          <p:cNvSpPr txBox="1"/>
+          <p:nvPr/>
+        </p:nvSpPr>
+        <p:spPr>
+          <a:xfrm>
+            <a:off x="1143000" y="1600200"/>
+            <a:ext cx="627095" cy="369332"/>
+          </a:xfrm>
+          <a:prstGeom prst="rect">
+            <a:avLst/>
+          </a:prstGeom>
+          <a:noFill/>
+        </p:spPr>
+        <p:txBody>
+          <a:bodyPr wrap="none" rtlCol="0">
+            <a:spAutoFit/>
+          </a:bodyPr>
+          <a:lstStyle/>
+          <a:p>
+            <a:r>
+              <a:rPr lang="en-US" dirty="0" smtClean="0"/>
+              <a:t>Uses</a:t>
+            </a:r>
+            <a:endParaRPr lang="en-US" dirty="0"/>
+          </a:p>
+        </p:txBody>
+      </p:sp>
+      <p:sp>
+        <p:nvSpPr>
+          <p:cNvPr id="13" name="Rectangle 12"/>
+          <p:cNvSpPr/>
+          <p:nvPr/>
+        </p:nvSpPr>
+        <p:spPr bwMode="auto">
+          <a:xfrm>
+            <a:off x="4191000" y="762000"/>
+            <a:ext cx="914400" cy="381000"/>
+          </a:xfrm>
+          <a:prstGeom prst="rect">
+            <a:avLst/>
+          </a:prstGeom>
+          <a:solidFill>
+            <a:srgbClr val="0070C0"/>
+          </a:solidFill>
+          <a:ln w="9525" cap="flat" cmpd="sng" algn="ctr">
+            <a:solidFill>
+              <a:schemeClr val="tx1"/>
+            </a:solidFill>
+            <a:prstDash val="solid"/>
+            <a:round/>
+            <a:headEnd type="none" w="med" len="med"/>
+            <a:tailEnd type="none" w="med" len="med"/>
+          </a:ln>
+          <a:effectLst/>
+        </p:spPr>
+        <p:txBody>
+          <a:bodyPr vert="horz" wrap="square" lIns="91440" tIns="45720" rIns="91440" bIns="45720" numCol="1" rtlCol="0" anchor="t" anchorCtr="0" compatLnSpc="1">
+            <a:prstTxWarp prst="textNoShape">
+              <a:avLst/>
+            </a:prstTxWarp>
+          </a:bodyPr>
+          <a:lstStyle/>
+          <a:p>
+            <a:pPr marL="0" marR="0" indent="0" algn="ctr" defTabSz="914400" rtl="0" eaLnBrk="0" fontAlgn="base" latinLnBrk="0" hangingPunct="0">
+              <a:lnSpc>
+                <a:spcPct val="100000"/>
+              </a:lnSpc>
+              <a:spcBef>
+                <a:spcPct val="0"/>
+              </a:spcBef>
+              <a:spcAft>
+                <a:spcPct val="0"/>
+              </a:spcAft>
+              <a:buClrTx/>
+              <a:buSzTx/>
+              <a:buFontTx/>
+              <a:buNone/>
+              <a:tabLst/>
+            </a:pPr>
+            <a:r>
+              <a:rPr kumimoji="0" lang="en-US" sz="1800" b="0" i="0" u="none" strike="noStrike" cap="none" normalizeH="0" baseline="0" dirty="0" err="1" smtClean="0">
+                <a:ln>
+                  <a:noFill/>
+                </a:ln>
+                <a:solidFill>
+                  <a:schemeClr val="bg1"/>
+                </a:solidFill>
+                <a:effectLst/>
+                <a:latin typeface="Arial" pitchFamily="34" charset="0"/>
+              </a:rPr>
+              <a:t>ListMP</a:t>
+            </a:r>
+            <a:endParaRPr kumimoji="0" lang="en-US" sz="1800" b="0" i="0" u="none" strike="noStrike" cap="none" normalizeH="0" baseline="0" dirty="0" smtClean="0">
+              <a:ln>
+                <a:noFill/>
+              </a:ln>
+              <a:solidFill>
+                <a:schemeClr val="bg1"/>
+              </a:solidFill>
+              <a:effectLst/>
+              <a:latin typeface="Arial" pitchFamily="34" charset="0"/>
+            </a:endParaRPr>
+          </a:p>
+        </p:txBody>
+      </p:sp>
+      <p:sp>
+        <p:nvSpPr>
+          <p:cNvPr id="28" name="Rectangle 27"/>
+          <p:cNvSpPr/>
+          <p:nvPr/>
+        </p:nvSpPr>
+        <p:spPr bwMode="auto">
+          <a:xfrm>
+            <a:off x="5181600" y="1752600"/>
+            <a:ext cx="1676400" cy="369332"/>
+          </a:xfrm>
+          <a:prstGeom prst="rect">
+            <a:avLst/>
+          </a:prstGeom>
+          <a:solidFill>
+            <a:srgbClr val="FF0000"/>
+          </a:solidFill>
+          <a:ln w="9525" cap="flat" cmpd="sng" algn="ctr">
+            <a:solidFill>
+              <a:schemeClr val="tx1"/>
+            </a:solidFill>
+            <a:prstDash val="solid"/>
+            <a:round/>
+            <a:headEnd type="none" w="med" len="med"/>
+            <a:tailEnd type="none" w="med" len="med"/>
+          </a:ln>
+          <a:effectLst/>
+        </p:spPr>
+        <p:txBody>
+          <a:bodyPr vert="horz" wrap="square" lIns="91440" tIns="45720" rIns="91440" bIns="45720" numCol="1" rtlCol="0" anchor="t" anchorCtr="0" compatLnSpc="1">
+            <a:prstTxWarp prst="textNoShape">
+              <a:avLst/>
+            </a:prstTxWarp>
+            <a:spAutoFit/>
+          </a:bodyPr>
+          <a:lstStyle/>
+          <a:p>
+            <a:pPr marL="0" marR="0" indent="0" algn="ctr" defTabSz="914400" rtl="0" eaLnBrk="0" fontAlgn="base" latinLnBrk="0" hangingPunct="0">
+              <a:lnSpc>
+                <a:spcPct val="100000"/>
+              </a:lnSpc>
+              <a:spcBef>
+                <a:spcPct val="0"/>
+              </a:spcBef>
+              <a:spcAft>
+                <a:spcPct val="0"/>
+              </a:spcAft>
+              <a:buClrTx/>
+              <a:buSzTx/>
+              <a:buFontTx/>
+              <a:buNone/>
+              <a:tabLst/>
+            </a:pPr>
+            <a:r>
+              <a:rPr kumimoji="0" lang="en-US" sz="1800" b="0" i="0" u="none" strike="noStrike" cap="none" normalizeH="0" baseline="0" dirty="0" err="1" smtClean="0">
+                <a:ln>
+                  <a:noFill/>
+                </a:ln>
+                <a:solidFill>
+                  <a:schemeClr val="bg1"/>
+                </a:solidFill>
+                <a:effectLst/>
+                <a:latin typeface="Arial" pitchFamily="34" charset="0"/>
+              </a:rPr>
+              <a:t>SharedRegion</a:t>
+            </a:r>
+            <a:endParaRPr kumimoji="0" lang="en-US" sz="1800" b="0" i="0" u="none" strike="noStrike" cap="none" normalizeH="0" baseline="0" dirty="0" smtClean="0">
+              <a:ln>
+                <a:noFill/>
+              </a:ln>
+              <a:solidFill>
+                <a:schemeClr val="bg1"/>
+              </a:solidFill>
+              <a:effectLst/>
+              <a:latin typeface="Arial" pitchFamily="34" charset="0"/>
+            </a:endParaRPr>
+          </a:p>
+        </p:txBody>
+      </p:sp>
+      <p:sp>
+        <p:nvSpPr>
+          <p:cNvPr id="30" name="Rectangle 29"/>
+          <p:cNvSpPr/>
+          <p:nvPr/>
+        </p:nvSpPr>
+        <p:spPr bwMode="auto">
+          <a:xfrm>
+            <a:off x="5181600" y="2221468"/>
+            <a:ext cx="1676400" cy="369332"/>
+          </a:xfrm>
+          <a:prstGeom prst="rect">
+            <a:avLst/>
+          </a:prstGeom>
+          <a:solidFill>
+            <a:schemeClr val="accent4">
+              <a:lumMod val="50000"/>
+              <a:lumOff val="50000"/>
+            </a:schemeClr>
+          </a:solidFill>
+          <a:ln w="9525" cap="flat" cmpd="sng" algn="ctr">
+            <a:solidFill>
+              <a:schemeClr val="tx1"/>
+            </a:solidFill>
+            <a:prstDash val="solid"/>
+            <a:round/>
+            <a:headEnd type="none" w="med" len="med"/>
+            <a:tailEnd type="none" w="med" len="med"/>
+          </a:ln>
+          <a:effectLst/>
+        </p:spPr>
+        <p:txBody>
+          <a:bodyPr vert="horz" wrap="square" lIns="91440" tIns="45720" rIns="91440" bIns="45720" numCol="1" rtlCol="0" anchor="t" anchorCtr="0" compatLnSpc="1">
+            <a:prstTxWarp prst="textNoShape">
+              <a:avLst/>
+            </a:prstTxWarp>
+            <a:spAutoFit/>
+          </a:bodyPr>
+          <a:lstStyle/>
+          <a:p>
+            <a:pPr marL="0" marR="0" indent="0" algn="ctr" defTabSz="914400" rtl="0" eaLnBrk="0" fontAlgn="base" latinLnBrk="0" hangingPunct="0">
+              <a:lnSpc>
+                <a:spcPct val="100000"/>
+              </a:lnSpc>
+              <a:spcBef>
+                <a:spcPct val="0"/>
+              </a:spcBef>
+              <a:spcAft>
+                <a:spcPct val="0"/>
+              </a:spcAft>
+              <a:buClrTx/>
+              <a:buSzTx/>
+              <a:buFontTx/>
+              <a:buNone/>
+              <a:tabLst/>
+            </a:pPr>
+            <a:r>
+              <a:rPr kumimoji="0" lang="en-US" sz="1800" b="0" i="0" u="none" strike="noStrike" cap="none" normalizeH="0" baseline="0" dirty="0" err="1" smtClean="0">
+                <a:ln>
+                  <a:noFill/>
+                </a:ln>
+                <a:solidFill>
+                  <a:schemeClr val="bg1"/>
+                </a:solidFill>
+                <a:effectLst/>
+                <a:latin typeface="Arial" pitchFamily="34" charset="0"/>
+              </a:rPr>
+              <a:t>NameServer</a:t>
+            </a:r>
+            <a:endParaRPr kumimoji="0" lang="en-US" sz="1800" b="0" i="0" u="none" strike="noStrike" cap="none" normalizeH="0" baseline="0" dirty="0" smtClean="0">
+              <a:ln>
+                <a:noFill/>
+              </a:ln>
+              <a:solidFill>
+                <a:schemeClr val="bg1"/>
+              </a:solidFill>
+              <a:effectLst/>
+              <a:latin typeface="Arial" pitchFamily="34" charset="0"/>
+            </a:endParaRPr>
+          </a:p>
+        </p:txBody>
+      </p:sp>
+      <p:sp>
+        <p:nvSpPr>
+          <p:cNvPr id="31" name="Rectangle 30"/>
+          <p:cNvSpPr/>
+          <p:nvPr/>
+        </p:nvSpPr>
+        <p:spPr bwMode="auto">
+          <a:xfrm>
+            <a:off x="5181600" y="2743200"/>
+            <a:ext cx="1676400" cy="369332"/>
+          </a:xfrm>
+          <a:prstGeom prst="rect">
+            <a:avLst/>
+          </a:prstGeom>
+          <a:solidFill>
+            <a:srgbClr val="FF0000"/>
+          </a:solidFill>
+          <a:ln w="9525" cap="flat" cmpd="sng" algn="ctr">
+            <a:solidFill>
+              <a:schemeClr val="tx1"/>
+            </a:solidFill>
+            <a:prstDash val="solid"/>
+            <a:round/>
+            <a:headEnd type="none" w="med" len="med"/>
+            <a:tailEnd type="none" w="med" len="med"/>
+          </a:ln>
+          <a:effectLst/>
+        </p:spPr>
+        <p:txBody>
+          <a:bodyPr vert="horz" wrap="square" lIns="91440" tIns="45720" rIns="91440" bIns="45720" numCol="1" rtlCol="0" anchor="t" anchorCtr="0" compatLnSpc="1">
+            <a:prstTxWarp prst="textNoShape">
+              <a:avLst/>
+            </a:prstTxWarp>
+            <a:spAutoFit/>
+          </a:bodyPr>
+          <a:lstStyle/>
+          <a:p>
+            <a:pPr marL="0" marR="0" indent="0" algn="ctr" defTabSz="914400" rtl="0" eaLnBrk="0" fontAlgn="base" latinLnBrk="0" hangingPunct="0">
+              <a:lnSpc>
+                <a:spcPct val="100000"/>
+              </a:lnSpc>
+              <a:spcBef>
+                <a:spcPct val="0"/>
+              </a:spcBef>
+              <a:spcAft>
+                <a:spcPct val="0"/>
+              </a:spcAft>
+              <a:buClrTx/>
+              <a:buSzTx/>
+              <a:buFontTx/>
+              <a:buNone/>
+              <a:tabLst/>
+            </a:pPr>
+            <a:r>
+              <a:rPr kumimoji="0" lang="en-US" sz="1800" b="0" i="0" u="none" strike="noStrike" cap="none" normalizeH="0" baseline="0" dirty="0" err="1" smtClean="0">
+                <a:ln>
+                  <a:noFill/>
+                </a:ln>
+                <a:solidFill>
+                  <a:schemeClr val="bg1"/>
+                </a:solidFill>
+                <a:effectLst/>
+                <a:latin typeface="Arial" pitchFamily="34" charset="0"/>
+              </a:rPr>
+              <a:t>GateMP</a:t>
+            </a:r>
+            <a:endParaRPr kumimoji="0" lang="en-US" sz="1800" b="0" i="0" u="none" strike="noStrike" cap="none" normalizeH="0" baseline="0" dirty="0" smtClean="0">
+              <a:ln>
+                <a:noFill/>
+              </a:ln>
+              <a:solidFill>
+                <a:schemeClr val="bg1"/>
+              </a:solidFill>
+              <a:effectLst/>
+              <a:latin typeface="Arial" pitchFamily="34" charset="0"/>
+            </a:endParaRPr>
+          </a:p>
+        </p:txBody>
+      </p:sp>
+      <p:cxnSp>
+        <p:nvCxnSpPr>
+          <p:cNvPr id="33" name="Straight Arrow Connector 32"/>
+          <p:cNvCxnSpPr>
+            <a:stCxn id="6" idx="3"/>
+            <a:endCxn id="28" idx="1"/>
+          </p:cNvCxnSpPr>
+          <p:nvPr/>
+        </p:nvCxnSpPr>
+        <p:spPr bwMode="auto">
+          <a:xfrm>
+            <a:off x="3124200" y="1937266"/>
+            <a:ext cx="2057400" cy="0"/>
+          </a:xfrm>
+          <a:prstGeom prst="straightConnector1">
+            <a:avLst/>
+          </a:prstGeom>
+          <a:solidFill>
+            <a:schemeClr val="accent1"/>
+          </a:solidFill>
+          <a:ln w="9525" cap="flat" cmpd="sng" algn="ctr">
+            <a:solidFill>
+              <a:schemeClr val="tx1"/>
+            </a:solidFill>
+            <a:prstDash val="solid"/>
+            <a:round/>
+            <a:headEnd type="arrow"/>
+            <a:tailEnd type="arrow"/>
+          </a:ln>
+          <a:effectLst/>
+        </p:spPr>
+      </p:cxnSp>
+      <p:cxnSp>
+        <p:nvCxnSpPr>
+          <p:cNvPr id="35" name="Shape 34"/>
+          <p:cNvCxnSpPr>
+            <a:stCxn id="13" idx="2"/>
+            <a:endCxn id="30" idx="1"/>
+          </p:cNvCxnSpPr>
+          <p:nvPr/>
+        </p:nvCxnSpPr>
+        <p:spPr bwMode="auto">
+          <a:xfrm rot="16200000" flipH="1">
+            <a:off x="4283333" y="1507867"/>
+            <a:ext cx="1263134" cy="533400"/>
+          </a:xfrm>
+          <a:prstGeom prst="bentConnector2">
+            <a:avLst/>
+          </a:prstGeom>
+          <a:solidFill>
+            <a:schemeClr val="accent1"/>
+          </a:solidFill>
+          <a:ln w="9525" cap="flat" cmpd="sng" algn="ctr">
+            <a:solidFill>
+              <a:schemeClr val="tx1"/>
+            </a:solidFill>
+            <a:prstDash val="solid"/>
+            <a:round/>
+            <a:headEnd type="none" w="med" len="med"/>
+            <a:tailEnd type="arrow"/>
+          </a:ln>
+          <a:effectLst/>
+        </p:spPr>
+      </p:cxnSp>
+      <p:cxnSp>
+        <p:nvCxnSpPr>
+          <p:cNvPr id="39" name="Shape 38"/>
+          <p:cNvCxnSpPr>
+            <a:stCxn id="13" idx="2"/>
+            <a:endCxn id="31" idx="1"/>
+          </p:cNvCxnSpPr>
+          <p:nvPr/>
+        </p:nvCxnSpPr>
+        <p:spPr bwMode="auto">
+          <a:xfrm rot="16200000" flipH="1">
+            <a:off x="4022467" y="1768733"/>
+            <a:ext cx="1784866" cy="533400"/>
+          </a:xfrm>
+          <a:prstGeom prst="bentConnector2">
+            <a:avLst/>
+          </a:prstGeom>
+          <a:solidFill>
+            <a:schemeClr val="accent1"/>
+          </a:solidFill>
+          <a:ln w="9525" cap="flat" cmpd="sng" algn="ctr">
+            <a:solidFill>
+              <a:schemeClr val="tx1"/>
+            </a:solidFill>
+            <a:prstDash val="solid"/>
+            <a:round/>
+            <a:headEnd type="none" w="med" len="med"/>
+            <a:tailEnd type="arrow"/>
+          </a:ln>
+          <a:effectLst/>
+        </p:spPr>
+      </p:cxnSp>
+      <p:sp>
+        <p:nvSpPr>
+          <p:cNvPr id="41" name="TextBox 40"/>
+          <p:cNvSpPr txBox="1"/>
+          <p:nvPr/>
+        </p:nvSpPr>
+        <p:spPr>
+          <a:xfrm>
+            <a:off x="4343400" y="1611868"/>
+            <a:ext cx="627095" cy="369332"/>
+          </a:xfrm>
+          <a:prstGeom prst="rect">
+            <a:avLst/>
+          </a:prstGeom>
+          <a:noFill/>
+        </p:spPr>
+        <p:txBody>
+          <a:bodyPr wrap="none" rtlCol="0">
+            <a:spAutoFit/>
+          </a:bodyPr>
+          <a:lstStyle/>
+          <a:p>
+            <a:r>
+              <a:rPr lang="en-US" dirty="0" smtClean="0"/>
+              <a:t>Uses</a:t>
+            </a:r>
+            <a:endParaRPr lang="en-US" dirty="0"/>
+          </a:p>
+        </p:txBody>
+      </p:sp>
+      <p:sp>
+        <p:nvSpPr>
+          <p:cNvPr id="43" name="TextBox 42"/>
+          <p:cNvSpPr txBox="1"/>
+          <p:nvPr/>
+        </p:nvSpPr>
+        <p:spPr>
+          <a:xfrm>
+            <a:off x="381000" y="3657600"/>
+            <a:ext cx="4191000" cy="2308324"/>
+          </a:xfrm>
+          <a:prstGeom prst="rect">
+            <a:avLst/>
+          </a:prstGeom>
+          <a:noFill/>
+        </p:spPr>
+        <p:txBody>
+          <a:bodyPr wrap="square" rtlCol="0">
+            <a:spAutoFit/>
+          </a:bodyPr>
+          <a:lstStyle/>
+          <a:p>
+            <a:pPr>
+              <a:buFont typeface="Arial" pitchFamily="34" charset="0"/>
+              <a:buChar char="•"/>
+            </a:pPr>
+            <a:r>
+              <a:rPr lang="en-US" dirty="0" err="1" smtClean="0"/>
+              <a:t>ListMP</a:t>
+            </a:r>
+            <a:r>
+              <a:rPr lang="en-US" dirty="0" smtClean="0"/>
+              <a:t> – doubly linked list designed to be shared by multiple processors</a:t>
+            </a:r>
+          </a:p>
+          <a:p>
+            <a:pPr lvl="1">
+              <a:buFont typeface="Arial" pitchFamily="34" charset="0"/>
+              <a:buChar char="•"/>
+            </a:pPr>
+            <a:r>
+              <a:rPr lang="en-US" dirty="0" smtClean="0"/>
+              <a:t>Address Translation performed internally</a:t>
+            </a:r>
+          </a:p>
+          <a:p>
+            <a:pPr lvl="1">
+              <a:buFont typeface="Arial" pitchFamily="34" charset="0"/>
+              <a:buChar char="•"/>
+            </a:pPr>
+            <a:r>
+              <a:rPr lang="en-US" dirty="0" smtClean="0"/>
+              <a:t>Cache coherency maintained when cacheable shared memory used</a:t>
+            </a:r>
+          </a:p>
+          <a:p>
+            <a:pPr lvl="1">
+              <a:buFont typeface="Arial" pitchFamily="34" charset="0"/>
+              <a:buChar char="•"/>
+            </a:pPr>
+            <a:r>
+              <a:rPr lang="en-US" dirty="0" err="1" smtClean="0"/>
+              <a:t>GateMP</a:t>
+            </a:r>
+            <a:r>
+              <a:rPr lang="en-US" dirty="0" smtClean="0"/>
+              <a:t> used to protect read/write accesses</a:t>
+            </a:r>
+            <a:endParaRPr lang="en-US" dirty="0"/>
+          </a:p>
+        </p:txBody>
+      </p:sp>
+      <p:grpSp>
+        <p:nvGrpSpPr>
+          <p:cNvPr id="50" name="Group 49"/>
+          <p:cNvGrpSpPr/>
+          <p:nvPr/>
+        </p:nvGrpSpPr>
+        <p:grpSpPr>
+          <a:xfrm>
+            <a:off x="6019800" y="5638800"/>
+            <a:ext cx="2743200" cy="762000"/>
+            <a:chOff x="6019800" y="5638800"/>
+            <a:chExt cx="2743200" cy="762000"/>
+          </a:xfrm>
+        </p:grpSpPr>
+        <p:sp>
+          <p:nvSpPr>
+            <p:cNvPr id="51" name="Rectangle 50"/>
+            <p:cNvSpPr/>
+            <p:nvPr/>
+          </p:nvSpPr>
+          <p:spPr bwMode="auto">
+            <a:xfrm>
+              <a:off x="6019800" y="5638800"/>
+              <a:ext cx="2743200" cy="762000"/>
+            </a:xfrm>
+            <a:prstGeom prst="rect">
+              <a:avLst/>
+            </a:prstGeom>
+            <a:solidFill>
+              <a:schemeClr val="bg1"/>
+            </a:solidFill>
+            <a:ln w="9525" cap="flat" cmpd="sng" algn="ctr">
+              <a:solidFill>
+                <a:schemeClr val="tx1"/>
+              </a:solidFill>
+              <a:prstDash val="solid"/>
+              <a:round/>
+              <a:headEnd type="none" w="med" len="med"/>
+              <a:tailEnd type="none" w="med" len="med"/>
+            </a:ln>
+            <a:effectLst/>
+          </p:spPr>
+          <p:txBody>
+            <a:bodyPr vert="horz" wrap="square" lIns="91440" tIns="45720" rIns="91440" bIns="45720" numCol="1" rtlCol="0" anchor="t" anchorCtr="0" compatLnSpc="1">
+              <a:prstTxWarp prst="textNoShape">
+                <a:avLst/>
+              </a:prstTxWarp>
+            </a:bodyPr>
+            <a:lstStyle/>
+            <a:p>
+              <a:pPr marL="0" marR="0" indent="0" algn="l" defTabSz="914400" rtl="0" eaLnBrk="0" fontAlgn="base" latinLnBrk="0" hangingPunct="0">
+                <a:lnSpc>
+                  <a:spcPct val="100000"/>
+                </a:lnSpc>
+                <a:spcBef>
+                  <a:spcPct val="0"/>
+                </a:spcBef>
+                <a:spcAft>
+                  <a:spcPct val="0"/>
+                </a:spcAft>
+                <a:buClrTx/>
+                <a:buSzTx/>
+                <a:buFontTx/>
+                <a:buNone/>
+                <a:tabLst/>
+              </a:pPr>
+              <a:endParaRPr kumimoji="0" lang="en-US" sz="1800" b="0" i="0" u="none" strike="noStrike" cap="none" normalizeH="0" baseline="0" smtClean="0">
+                <a:ln>
+                  <a:noFill/>
+                </a:ln>
+                <a:solidFill>
+                  <a:schemeClr val="tx1"/>
+                </a:solidFill>
+                <a:effectLst/>
+                <a:latin typeface="Arial" pitchFamily="34" charset="0"/>
+              </a:endParaRPr>
+            </a:p>
+          </p:txBody>
+        </p:sp>
+        <p:sp>
+          <p:nvSpPr>
+            <p:cNvPr id="52" name="Rectangle 51"/>
+            <p:cNvSpPr/>
+            <p:nvPr/>
+          </p:nvSpPr>
+          <p:spPr bwMode="auto">
+            <a:xfrm>
+              <a:off x="6096000" y="5715000"/>
+              <a:ext cx="152400" cy="152400"/>
+            </a:xfrm>
+            <a:prstGeom prst="rect">
+              <a:avLst/>
+            </a:prstGeom>
+            <a:solidFill>
+              <a:srgbClr val="0070C0"/>
+            </a:solidFill>
+            <a:ln w="9525" cap="flat" cmpd="sng" algn="ctr">
+              <a:solidFill>
+                <a:schemeClr val="tx1"/>
+              </a:solidFill>
+              <a:prstDash val="solid"/>
+              <a:round/>
+              <a:headEnd type="none" w="med" len="med"/>
+              <a:tailEnd type="none" w="med" len="med"/>
+            </a:ln>
+            <a:effectLst/>
+          </p:spPr>
+          <p:txBody>
+            <a:bodyPr vert="horz" wrap="square" lIns="91440" tIns="45720" rIns="91440" bIns="45720" numCol="1" rtlCol="0" anchor="t" anchorCtr="0" compatLnSpc="1">
+              <a:prstTxWarp prst="textNoShape">
+                <a:avLst/>
+              </a:prstTxWarp>
+            </a:bodyPr>
+            <a:lstStyle/>
+            <a:p>
+              <a:pPr marL="0" marR="0" indent="0" algn="l" defTabSz="914400" rtl="0" eaLnBrk="0" fontAlgn="base" latinLnBrk="0" hangingPunct="0">
+                <a:lnSpc>
+                  <a:spcPct val="100000"/>
+                </a:lnSpc>
+                <a:spcBef>
+                  <a:spcPct val="0"/>
+                </a:spcBef>
+                <a:spcAft>
+                  <a:spcPct val="0"/>
+                </a:spcAft>
+                <a:buClrTx/>
+                <a:buSzTx/>
+                <a:buFontTx/>
+                <a:buNone/>
+                <a:tabLst/>
+              </a:pPr>
+              <a:endParaRPr kumimoji="0" lang="en-US" sz="1800" b="0" i="0" u="none" strike="noStrike" cap="none" normalizeH="0" baseline="0" smtClean="0">
+                <a:ln>
+                  <a:noFill/>
+                </a:ln>
+                <a:solidFill>
+                  <a:schemeClr val="tx1"/>
+                </a:solidFill>
+                <a:effectLst/>
+                <a:latin typeface="Arial" pitchFamily="34" charset="0"/>
+              </a:endParaRPr>
+            </a:p>
+          </p:txBody>
+        </p:sp>
+        <p:sp>
+          <p:nvSpPr>
+            <p:cNvPr id="53" name="Rectangle 52"/>
+            <p:cNvSpPr/>
+            <p:nvPr/>
+          </p:nvSpPr>
+          <p:spPr bwMode="auto">
+            <a:xfrm>
+              <a:off x="6096000" y="5943600"/>
+              <a:ext cx="152400" cy="152400"/>
+            </a:xfrm>
+            <a:prstGeom prst="rect">
+              <a:avLst/>
+            </a:prstGeom>
+            <a:solidFill>
+              <a:srgbClr val="FF0000"/>
+            </a:solidFill>
+            <a:ln w="9525" cap="flat" cmpd="sng" algn="ctr">
+              <a:solidFill>
+                <a:schemeClr val="tx1"/>
+              </a:solidFill>
+              <a:prstDash val="solid"/>
+              <a:round/>
+              <a:headEnd type="none" w="med" len="med"/>
+              <a:tailEnd type="none" w="med" len="med"/>
+            </a:ln>
+            <a:effectLst/>
+          </p:spPr>
+          <p:txBody>
+            <a:bodyPr vert="horz" wrap="square" lIns="91440" tIns="45720" rIns="91440" bIns="45720" numCol="1" rtlCol="0" anchor="t" anchorCtr="0" compatLnSpc="1">
+              <a:prstTxWarp prst="textNoShape">
+                <a:avLst/>
+              </a:prstTxWarp>
+            </a:bodyPr>
+            <a:lstStyle/>
+            <a:p>
+              <a:pPr marL="0" marR="0" indent="0" algn="l" defTabSz="914400" rtl="0" eaLnBrk="0" fontAlgn="base" latinLnBrk="0" hangingPunct="0">
+                <a:lnSpc>
+                  <a:spcPct val="100000"/>
+                </a:lnSpc>
+                <a:spcBef>
+                  <a:spcPct val="0"/>
+                </a:spcBef>
+                <a:spcAft>
+                  <a:spcPct val="0"/>
+                </a:spcAft>
+                <a:buClrTx/>
+                <a:buSzTx/>
+                <a:buFontTx/>
+                <a:buNone/>
+                <a:tabLst/>
+              </a:pPr>
+              <a:endParaRPr kumimoji="0" lang="en-US" sz="1800" b="0" i="0" u="none" strike="noStrike" cap="none" normalizeH="0" baseline="0" smtClean="0">
+                <a:ln>
+                  <a:noFill/>
+                </a:ln>
+                <a:solidFill>
+                  <a:schemeClr val="tx1"/>
+                </a:solidFill>
+                <a:effectLst/>
+                <a:latin typeface="Arial" pitchFamily="34" charset="0"/>
+              </a:endParaRPr>
+            </a:p>
+          </p:txBody>
+        </p:sp>
+        <p:sp>
+          <p:nvSpPr>
+            <p:cNvPr id="54" name="Rectangle 53"/>
+            <p:cNvSpPr/>
+            <p:nvPr/>
+          </p:nvSpPr>
+          <p:spPr bwMode="auto">
+            <a:xfrm>
+              <a:off x="6096000" y="6172200"/>
+              <a:ext cx="152400" cy="152400"/>
+            </a:xfrm>
+            <a:prstGeom prst="rect">
+              <a:avLst/>
+            </a:prstGeom>
+            <a:solidFill>
+              <a:schemeClr val="accent4">
+                <a:lumMod val="50000"/>
+                <a:lumOff val="50000"/>
+              </a:schemeClr>
+            </a:solidFill>
+            <a:ln w="9525" cap="flat" cmpd="sng" algn="ctr">
+              <a:solidFill>
+                <a:schemeClr val="tx1"/>
+              </a:solidFill>
+              <a:prstDash val="solid"/>
+              <a:round/>
+              <a:headEnd type="none" w="med" len="med"/>
+              <a:tailEnd type="none" w="med" len="med"/>
+            </a:ln>
+            <a:effectLst/>
+          </p:spPr>
+          <p:txBody>
+            <a:bodyPr vert="horz" wrap="square" lIns="91440" tIns="45720" rIns="91440" bIns="45720" numCol="1" rtlCol="0" anchor="t" anchorCtr="0" compatLnSpc="1">
+              <a:prstTxWarp prst="textNoShape">
+                <a:avLst/>
+              </a:prstTxWarp>
+            </a:bodyPr>
+            <a:lstStyle/>
+            <a:p>
+              <a:pPr marL="0" marR="0" indent="0" algn="l" defTabSz="914400" rtl="0" eaLnBrk="0" fontAlgn="base" latinLnBrk="0" hangingPunct="0">
+                <a:lnSpc>
+                  <a:spcPct val="100000"/>
+                </a:lnSpc>
+                <a:spcBef>
+                  <a:spcPct val="0"/>
+                </a:spcBef>
+                <a:spcAft>
+                  <a:spcPct val="0"/>
+                </a:spcAft>
+                <a:buClrTx/>
+                <a:buSzTx/>
+                <a:buFontTx/>
+                <a:buNone/>
+                <a:tabLst/>
+              </a:pPr>
+              <a:endParaRPr kumimoji="0" lang="en-US" sz="1800" b="0" i="0" u="none" strike="noStrike" cap="none" normalizeH="0" baseline="0" smtClean="0">
+                <a:ln>
+                  <a:noFill/>
+                </a:ln>
+                <a:solidFill>
+                  <a:schemeClr val="tx1"/>
+                </a:solidFill>
+                <a:effectLst/>
+                <a:latin typeface="Arial" pitchFamily="34" charset="0"/>
+              </a:endParaRPr>
+            </a:p>
+          </p:txBody>
+        </p:sp>
+        <p:sp>
+          <p:nvSpPr>
+            <p:cNvPr id="55" name="TextBox 54"/>
+            <p:cNvSpPr txBox="1"/>
+            <p:nvPr/>
+          </p:nvSpPr>
+          <p:spPr>
+            <a:xfrm>
+              <a:off x="6324600" y="5638800"/>
+              <a:ext cx="2362200" cy="738664"/>
+            </a:xfrm>
+            <a:prstGeom prst="rect">
+              <a:avLst/>
+            </a:prstGeom>
+            <a:noFill/>
+          </p:spPr>
+          <p:txBody>
+            <a:bodyPr wrap="square" rtlCol="0">
+              <a:spAutoFit/>
+            </a:bodyPr>
+            <a:lstStyle/>
+            <a:p>
+              <a:pPr>
+                <a:buFont typeface="Calibri" pitchFamily="34" charset="0"/>
+                <a:buChar char="—"/>
+              </a:pPr>
+              <a:r>
+                <a:rPr lang="en-US" sz="1400" dirty="0" smtClean="0"/>
+                <a:t>Application Calls API</a:t>
+              </a:r>
+            </a:p>
+            <a:p>
+              <a:pPr>
+                <a:buFont typeface="Calibri" pitchFamily="34" charset="0"/>
+                <a:buChar char="—"/>
+              </a:pPr>
+              <a:r>
+                <a:rPr lang="en-US" sz="1400" dirty="0" smtClean="0"/>
+                <a:t>Configuration Only</a:t>
+              </a:r>
+            </a:p>
+            <a:p>
+              <a:pPr>
+                <a:buFont typeface="Calibri" pitchFamily="34" charset="0"/>
+                <a:buChar char="—"/>
+              </a:pPr>
+              <a:r>
+                <a:rPr lang="en-US" sz="1400" dirty="0" smtClean="0"/>
+                <a:t>No Configuration Necessary</a:t>
+              </a:r>
+              <a:endParaRPr lang="en-US" sz="1200" dirty="0"/>
+            </a:p>
+          </p:txBody>
+        </p:sp>
+      </p:grpSp>
+    </p:spTree>
+  </p:cSld>
+  <p:clrMapOvr>
+    <a:masterClrMapping/>
+  </p:clrMapOvr>
+</p:sld>
+</file>
+
+<file path=ppt/slides/slide11.xml><?xml version="1.0" encoding="utf-8"?>
+<p:sld xmlns:a="http://schemas.openxmlformats.org/drawingml/2006/main" xmlns:r="http://schemas.openxmlformats.org/officeDocument/2006/relationships" xmlns:p="http://schemas.openxmlformats.org/presentationml/2006/main">
+  <p:cSld>
+    <p:spTree>
+      <p:nvGrpSpPr>
+        <p:cNvPr id="1" name=""/>
+        <p:cNvGrpSpPr/>
+        <p:nvPr/>
+      </p:nvGrpSpPr>
+      <p:grpSpPr>
+        <a:xfrm>
+          <a:off x="0" y="0"/>
+          <a:ext cx="0" cy="0"/>
+          <a:chOff x="0" y="0"/>
+          <a:chExt cx="0" cy="0"/>
+        </a:xfrm>
+      </p:grpSpPr>
+      <p:sp>
+        <p:nvSpPr>
+          <p:cNvPr id="2" name="Title 1"/>
+          <p:cNvSpPr>
+            <a:spLocks noGrp="1"/>
+          </p:cNvSpPr>
+          <p:nvPr>
+            <p:ph type="title"/>
+          </p:nvPr>
+        </p:nvSpPr>
+        <p:spPr/>
+        <p:txBody>
+          <a:bodyPr/>
+          <a:lstStyle/>
+          <a:p>
+            <a:r>
+              <a:rPr lang="en-US" dirty="0" smtClean="0"/>
+              <a:t>Dynamic Allocation</a:t>
+            </a:r>
+            <a:endParaRPr lang="en-US" dirty="0"/>
+          </a:p>
+        </p:txBody>
+      </p:sp>
+      <p:sp>
+        <p:nvSpPr>
+          <p:cNvPr id="4" name="Rectangle 3"/>
+          <p:cNvSpPr/>
+          <p:nvPr/>
+        </p:nvSpPr>
+        <p:spPr bwMode="auto">
+          <a:xfrm>
+            <a:off x="685800" y="762000"/>
+            <a:ext cx="838200" cy="381000"/>
+          </a:xfrm>
+          <a:prstGeom prst="rect">
+            <a:avLst/>
+          </a:prstGeom>
+          <a:solidFill>
+            <a:srgbClr val="0070C0"/>
+          </a:solidFill>
+          <a:ln w="9525" cap="flat" cmpd="sng" algn="ctr">
+            <a:solidFill>
+              <a:schemeClr val="tx1"/>
+            </a:solidFill>
+            <a:prstDash val="solid"/>
+            <a:round/>
+            <a:headEnd type="none" w="med" len="med"/>
+            <a:tailEnd type="none" w="med" len="med"/>
+          </a:ln>
+          <a:effectLst/>
+        </p:spPr>
+        <p:txBody>
+          <a:bodyPr vert="horz" wrap="square" lIns="91440" tIns="45720" rIns="91440" bIns="45720" numCol="1" rtlCol="0" anchor="t" anchorCtr="0" compatLnSpc="1">
+            <a:prstTxWarp prst="textNoShape">
+              <a:avLst/>
+            </a:prstTxWarp>
+          </a:bodyPr>
+          <a:lstStyle/>
+          <a:p>
+            <a:pPr marL="0" marR="0" indent="0" algn="ctr" defTabSz="914400" rtl="0" eaLnBrk="0" fontAlgn="base" latinLnBrk="0" hangingPunct="0">
+              <a:lnSpc>
+                <a:spcPct val="100000"/>
+              </a:lnSpc>
+              <a:spcBef>
+                <a:spcPct val="0"/>
+              </a:spcBef>
+              <a:spcAft>
+                <a:spcPct val="0"/>
+              </a:spcAft>
+              <a:buClrTx/>
+              <a:buSzTx/>
+              <a:buFontTx/>
+              <a:buNone/>
+              <a:tabLst/>
+            </a:pPr>
+            <a:r>
+              <a:rPr kumimoji="0" lang="en-US" sz="1800" b="0" i="0" u="none" strike="noStrike" cap="none" normalizeH="0" baseline="0" dirty="0" smtClean="0">
+                <a:ln>
+                  <a:noFill/>
+                </a:ln>
+                <a:solidFill>
+                  <a:schemeClr val="bg1"/>
+                </a:solidFill>
+                <a:effectLst/>
+                <a:latin typeface="Arial" pitchFamily="34" charset="0"/>
+              </a:rPr>
+              <a:t>Notify</a:t>
+            </a:r>
+          </a:p>
+        </p:txBody>
+      </p:sp>
+      <p:sp>
+        <p:nvSpPr>
+          <p:cNvPr id="5" name="Rectangle 4"/>
+          <p:cNvSpPr/>
+          <p:nvPr/>
+        </p:nvSpPr>
+        <p:spPr bwMode="auto">
+          <a:xfrm>
+            <a:off x="1447800" y="1752600"/>
+            <a:ext cx="1143000" cy="369332"/>
+          </a:xfrm>
+          <a:prstGeom prst="rect">
+            <a:avLst/>
+          </a:prstGeom>
+          <a:solidFill>
+            <a:srgbClr val="FF0000"/>
+          </a:solidFill>
+          <a:ln w="9525" cap="flat" cmpd="sng" algn="ctr">
+            <a:solidFill>
+              <a:schemeClr val="tx1"/>
+            </a:solidFill>
+            <a:prstDash val="solid"/>
+            <a:round/>
+            <a:headEnd type="none" w="med" len="med"/>
+            <a:tailEnd type="none" w="med" len="med"/>
+          </a:ln>
+          <a:effectLst/>
+        </p:spPr>
+        <p:txBody>
+          <a:bodyPr vert="horz" wrap="square" lIns="91440" tIns="45720" rIns="91440" bIns="45720" numCol="1" rtlCol="0" anchor="t" anchorCtr="0" compatLnSpc="1">
+            <a:prstTxWarp prst="textNoShape">
+              <a:avLst/>
+            </a:prstTxWarp>
+            <a:spAutoFit/>
+          </a:bodyPr>
+          <a:lstStyle/>
+          <a:p>
+            <a:pPr marL="0" marR="0" indent="0" algn="ctr" defTabSz="914400" rtl="0" eaLnBrk="0" fontAlgn="base" latinLnBrk="0" hangingPunct="0">
+              <a:lnSpc>
+                <a:spcPct val="100000"/>
+              </a:lnSpc>
+              <a:spcBef>
+                <a:spcPct val="0"/>
+              </a:spcBef>
+              <a:spcAft>
+                <a:spcPct val="0"/>
+              </a:spcAft>
+              <a:buClrTx/>
+              <a:buSzTx/>
+              <a:buFontTx/>
+              <a:buNone/>
+              <a:tabLst/>
+            </a:pPr>
+            <a:r>
+              <a:rPr kumimoji="0" lang="en-US" sz="1800" b="0" i="0" u="none" strike="noStrike" cap="none" normalizeH="0" baseline="0" dirty="0" err="1" smtClean="0">
+                <a:ln>
+                  <a:noFill/>
+                </a:ln>
+                <a:solidFill>
+                  <a:schemeClr val="bg1"/>
+                </a:solidFill>
+                <a:effectLst/>
+                <a:latin typeface="Arial" pitchFamily="34" charset="0"/>
+              </a:rPr>
+              <a:t>MultiProc</a:t>
+            </a:r>
+            <a:endParaRPr kumimoji="0" lang="en-US" sz="1800" b="0" i="0" u="none" strike="noStrike" cap="none" normalizeH="0" baseline="0" dirty="0" smtClean="0">
+              <a:ln>
+                <a:noFill/>
+              </a:ln>
+              <a:solidFill>
+                <a:schemeClr val="bg1"/>
+              </a:solidFill>
+              <a:effectLst/>
+              <a:latin typeface="Arial" pitchFamily="34" charset="0"/>
+            </a:endParaRPr>
+          </a:p>
+        </p:txBody>
+      </p:sp>
+      <p:cxnSp>
+        <p:nvCxnSpPr>
+          <p:cNvPr id="6" name="Shape 5"/>
+          <p:cNvCxnSpPr>
+            <a:stCxn id="4" idx="2"/>
+            <a:endCxn id="5" idx="1"/>
+          </p:cNvCxnSpPr>
+          <p:nvPr/>
+        </p:nvCxnSpPr>
+        <p:spPr bwMode="auto">
+          <a:xfrm rot="16200000" flipH="1">
+            <a:off x="879217" y="1368683"/>
+            <a:ext cx="794266" cy="342900"/>
+          </a:xfrm>
+          <a:prstGeom prst="bentConnector2">
+            <a:avLst/>
+          </a:prstGeom>
+          <a:solidFill>
+            <a:schemeClr val="accent1"/>
+          </a:solidFill>
+          <a:ln w="9525" cap="flat" cmpd="sng" algn="ctr">
+            <a:solidFill>
+              <a:schemeClr val="tx1"/>
+            </a:solidFill>
+            <a:prstDash val="solid"/>
+            <a:round/>
+            <a:headEnd type="none" w="med" len="med"/>
+            <a:tailEnd type="arrow"/>
+          </a:ln>
+          <a:effectLst/>
+        </p:spPr>
+      </p:cxnSp>
+      <p:sp>
+        <p:nvSpPr>
+          <p:cNvPr id="7" name="TextBox 6"/>
+          <p:cNvSpPr txBox="1"/>
+          <p:nvPr/>
+        </p:nvSpPr>
+        <p:spPr>
+          <a:xfrm>
+            <a:off x="762000" y="1600200"/>
+            <a:ext cx="627095" cy="369332"/>
+          </a:xfrm>
+          <a:prstGeom prst="rect">
+            <a:avLst/>
+          </a:prstGeom>
+          <a:noFill/>
+        </p:spPr>
+        <p:txBody>
+          <a:bodyPr wrap="none" rtlCol="0">
+            <a:spAutoFit/>
+          </a:bodyPr>
+          <a:lstStyle/>
+          <a:p>
+            <a:r>
+              <a:rPr lang="en-US" dirty="0" smtClean="0"/>
+              <a:t>Uses</a:t>
+            </a:r>
+            <a:endParaRPr lang="en-US" dirty="0"/>
+          </a:p>
+        </p:txBody>
+      </p:sp>
+      <p:sp>
+        <p:nvSpPr>
+          <p:cNvPr id="8" name="Rectangle 7"/>
+          <p:cNvSpPr/>
+          <p:nvPr/>
+        </p:nvSpPr>
+        <p:spPr bwMode="auto">
+          <a:xfrm>
+            <a:off x="2819400" y="750332"/>
+            <a:ext cx="914400" cy="381000"/>
+          </a:xfrm>
+          <a:prstGeom prst="rect">
+            <a:avLst/>
+          </a:prstGeom>
+          <a:solidFill>
+            <a:srgbClr val="0070C0"/>
+          </a:solidFill>
+          <a:ln w="9525" cap="flat" cmpd="sng" algn="ctr">
+            <a:solidFill>
+              <a:schemeClr val="tx1"/>
+            </a:solidFill>
+            <a:prstDash val="solid"/>
+            <a:round/>
+            <a:headEnd type="none" w="med" len="med"/>
+            <a:tailEnd type="none" w="med" len="med"/>
+          </a:ln>
+          <a:effectLst/>
+        </p:spPr>
+        <p:txBody>
+          <a:bodyPr vert="horz" wrap="square" lIns="91440" tIns="45720" rIns="91440" bIns="45720" numCol="1" rtlCol="0" anchor="t" anchorCtr="0" compatLnSpc="1">
+            <a:prstTxWarp prst="textNoShape">
+              <a:avLst/>
+            </a:prstTxWarp>
+          </a:bodyPr>
+          <a:lstStyle/>
+          <a:p>
+            <a:pPr marL="0" marR="0" indent="0" algn="ctr" defTabSz="914400" rtl="0" eaLnBrk="0" fontAlgn="base" latinLnBrk="0" hangingPunct="0">
+              <a:lnSpc>
+                <a:spcPct val="100000"/>
+              </a:lnSpc>
+              <a:spcBef>
+                <a:spcPct val="0"/>
+              </a:spcBef>
+              <a:spcAft>
+                <a:spcPct val="0"/>
+              </a:spcAft>
+              <a:buClrTx/>
+              <a:buSzTx/>
+              <a:buFontTx/>
+              <a:buNone/>
+              <a:tabLst/>
+            </a:pPr>
+            <a:r>
+              <a:rPr kumimoji="0" lang="en-US" sz="1800" b="0" i="0" u="none" strike="noStrike" cap="none" normalizeH="0" baseline="0" dirty="0" err="1" smtClean="0">
+                <a:ln>
+                  <a:noFill/>
+                </a:ln>
+                <a:solidFill>
+                  <a:schemeClr val="bg1"/>
+                </a:solidFill>
+                <a:effectLst/>
+                <a:latin typeface="Arial" pitchFamily="34" charset="0"/>
+              </a:rPr>
+              <a:t>ListMP</a:t>
+            </a:r>
+            <a:endParaRPr kumimoji="0" lang="en-US" sz="1800" b="0" i="0" u="none" strike="noStrike" cap="none" normalizeH="0" baseline="0" dirty="0" smtClean="0">
+              <a:ln>
+                <a:noFill/>
+              </a:ln>
+              <a:solidFill>
+                <a:schemeClr val="bg1"/>
+              </a:solidFill>
+              <a:effectLst/>
+              <a:latin typeface="Arial" pitchFamily="34" charset="0"/>
+            </a:endParaRPr>
+          </a:p>
+        </p:txBody>
+      </p:sp>
+      <p:sp>
+        <p:nvSpPr>
+          <p:cNvPr id="9" name="Rectangle 8"/>
+          <p:cNvSpPr/>
+          <p:nvPr/>
+        </p:nvSpPr>
+        <p:spPr bwMode="auto">
+          <a:xfrm>
+            <a:off x="3810000" y="1740932"/>
+            <a:ext cx="1676400" cy="369332"/>
+          </a:xfrm>
+          <a:prstGeom prst="rect">
+            <a:avLst/>
+          </a:prstGeom>
+          <a:solidFill>
+            <a:srgbClr val="FF0000"/>
+          </a:solidFill>
+          <a:ln w="9525" cap="flat" cmpd="sng" algn="ctr">
+            <a:solidFill>
+              <a:schemeClr val="tx1"/>
+            </a:solidFill>
+            <a:prstDash val="solid"/>
+            <a:round/>
+            <a:headEnd type="none" w="med" len="med"/>
+            <a:tailEnd type="none" w="med" len="med"/>
+          </a:ln>
+          <a:effectLst/>
+        </p:spPr>
+        <p:txBody>
+          <a:bodyPr vert="horz" wrap="square" lIns="91440" tIns="45720" rIns="91440" bIns="45720" numCol="1" rtlCol="0" anchor="t" anchorCtr="0" compatLnSpc="1">
+            <a:prstTxWarp prst="textNoShape">
+              <a:avLst/>
+            </a:prstTxWarp>
+            <a:spAutoFit/>
+          </a:bodyPr>
+          <a:lstStyle/>
+          <a:p>
+            <a:pPr marL="0" marR="0" indent="0" algn="ctr" defTabSz="914400" rtl="0" eaLnBrk="0" fontAlgn="base" latinLnBrk="0" hangingPunct="0">
+              <a:lnSpc>
+                <a:spcPct val="100000"/>
+              </a:lnSpc>
+              <a:spcBef>
+                <a:spcPct val="0"/>
+              </a:spcBef>
+              <a:spcAft>
+                <a:spcPct val="0"/>
+              </a:spcAft>
+              <a:buClrTx/>
+              <a:buSzTx/>
+              <a:buFontTx/>
+              <a:buNone/>
+              <a:tabLst/>
+            </a:pPr>
+            <a:r>
+              <a:rPr kumimoji="0" lang="en-US" sz="1800" b="0" i="0" u="none" strike="noStrike" cap="none" normalizeH="0" baseline="0" dirty="0" err="1" smtClean="0">
+                <a:ln>
+                  <a:noFill/>
+                </a:ln>
+                <a:solidFill>
+                  <a:schemeClr val="bg1"/>
+                </a:solidFill>
+                <a:effectLst/>
+                <a:latin typeface="Arial" pitchFamily="34" charset="0"/>
+              </a:rPr>
+              <a:t>SharedRegion</a:t>
+            </a:r>
+            <a:endParaRPr kumimoji="0" lang="en-US" sz="1800" b="0" i="0" u="none" strike="noStrike" cap="none" normalizeH="0" baseline="0" dirty="0" smtClean="0">
+              <a:ln>
+                <a:noFill/>
+              </a:ln>
+              <a:solidFill>
+                <a:schemeClr val="bg1"/>
+              </a:solidFill>
+              <a:effectLst/>
+              <a:latin typeface="Arial" pitchFamily="34" charset="0"/>
+            </a:endParaRPr>
+          </a:p>
+        </p:txBody>
+      </p:sp>
+      <p:sp>
+        <p:nvSpPr>
+          <p:cNvPr id="10" name="Rectangle 9"/>
+          <p:cNvSpPr/>
+          <p:nvPr/>
+        </p:nvSpPr>
+        <p:spPr bwMode="auto">
+          <a:xfrm>
+            <a:off x="3810000" y="2209800"/>
+            <a:ext cx="1676400" cy="369332"/>
+          </a:xfrm>
+          <a:prstGeom prst="rect">
+            <a:avLst/>
+          </a:prstGeom>
+          <a:solidFill>
+            <a:schemeClr val="accent4">
+              <a:lumMod val="50000"/>
+              <a:lumOff val="50000"/>
+            </a:schemeClr>
+          </a:solidFill>
+          <a:ln w="9525" cap="flat" cmpd="sng" algn="ctr">
+            <a:solidFill>
+              <a:schemeClr val="tx1"/>
+            </a:solidFill>
+            <a:prstDash val="solid"/>
+            <a:round/>
+            <a:headEnd type="none" w="med" len="med"/>
+            <a:tailEnd type="none" w="med" len="med"/>
+          </a:ln>
+          <a:effectLst/>
+        </p:spPr>
+        <p:txBody>
+          <a:bodyPr vert="horz" wrap="square" lIns="91440" tIns="45720" rIns="91440" bIns="45720" numCol="1" rtlCol="0" anchor="t" anchorCtr="0" compatLnSpc="1">
+            <a:prstTxWarp prst="textNoShape">
+              <a:avLst/>
+            </a:prstTxWarp>
+            <a:spAutoFit/>
+          </a:bodyPr>
+          <a:lstStyle/>
+          <a:p>
+            <a:pPr marL="0" marR="0" indent="0" algn="ctr" defTabSz="914400" rtl="0" eaLnBrk="0" fontAlgn="base" latinLnBrk="0" hangingPunct="0">
+              <a:lnSpc>
+                <a:spcPct val="100000"/>
+              </a:lnSpc>
+              <a:spcBef>
+                <a:spcPct val="0"/>
+              </a:spcBef>
+              <a:spcAft>
+                <a:spcPct val="0"/>
+              </a:spcAft>
+              <a:buClrTx/>
+              <a:buSzTx/>
+              <a:buFontTx/>
+              <a:buNone/>
+              <a:tabLst/>
+            </a:pPr>
+            <a:r>
+              <a:rPr kumimoji="0" lang="en-US" sz="1800" b="0" i="0" u="none" strike="noStrike" cap="none" normalizeH="0" baseline="0" dirty="0" err="1" smtClean="0">
+                <a:ln>
+                  <a:noFill/>
+                </a:ln>
+                <a:solidFill>
+                  <a:schemeClr val="bg1"/>
+                </a:solidFill>
+                <a:effectLst/>
+                <a:latin typeface="Arial" pitchFamily="34" charset="0"/>
+              </a:rPr>
+              <a:t>NameServer</a:t>
+            </a:r>
+            <a:endParaRPr kumimoji="0" lang="en-US" sz="1800" b="0" i="0" u="none" strike="noStrike" cap="none" normalizeH="0" baseline="0" dirty="0" smtClean="0">
+              <a:ln>
+                <a:noFill/>
+              </a:ln>
+              <a:solidFill>
+                <a:schemeClr val="bg1"/>
+              </a:solidFill>
+              <a:effectLst/>
+              <a:latin typeface="Arial" pitchFamily="34" charset="0"/>
+            </a:endParaRPr>
+          </a:p>
+        </p:txBody>
+      </p:sp>
+      <p:sp>
+        <p:nvSpPr>
+          <p:cNvPr id="11" name="Rectangle 10"/>
+          <p:cNvSpPr/>
+          <p:nvPr/>
+        </p:nvSpPr>
+        <p:spPr bwMode="auto">
+          <a:xfrm>
+            <a:off x="3810000" y="2731532"/>
+            <a:ext cx="1676400" cy="369332"/>
+          </a:xfrm>
+          <a:prstGeom prst="rect">
+            <a:avLst/>
+          </a:prstGeom>
+          <a:solidFill>
+            <a:srgbClr val="FF0000"/>
+          </a:solidFill>
+          <a:ln w="9525" cap="flat" cmpd="sng" algn="ctr">
+            <a:solidFill>
+              <a:schemeClr val="tx1"/>
+            </a:solidFill>
+            <a:prstDash val="solid"/>
+            <a:round/>
+            <a:headEnd type="none" w="med" len="med"/>
+            <a:tailEnd type="none" w="med" len="med"/>
+          </a:ln>
+          <a:effectLst/>
+        </p:spPr>
+        <p:txBody>
+          <a:bodyPr vert="horz" wrap="square" lIns="91440" tIns="45720" rIns="91440" bIns="45720" numCol="1" rtlCol="0" anchor="t" anchorCtr="0" compatLnSpc="1">
+            <a:prstTxWarp prst="textNoShape">
+              <a:avLst/>
+            </a:prstTxWarp>
+            <a:spAutoFit/>
+          </a:bodyPr>
+          <a:lstStyle/>
+          <a:p>
+            <a:pPr marL="0" marR="0" indent="0" algn="ctr" defTabSz="914400" rtl="0" eaLnBrk="0" fontAlgn="base" latinLnBrk="0" hangingPunct="0">
+              <a:lnSpc>
+                <a:spcPct val="100000"/>
+              </a:lnSpc>
+              <a:spcBef>
+                <a:spcPct val="0"/>
+              </a:spcBef>
+              <a:spcAft>
+                <a:spcPct val="0"/>
+              </a:spcAft>
+              <a:buClrTx/>
+              <a:buSzTx/>
+              <a:buFontTx/>
+              <a:buNone/>
+              <a:tabLst/>
+            </a:pPr>
+            <a:r>
+              <a:rPr kumimoji="0" lang="en-US" sz="1800" b="0" i="0" u="none" strike="noStrike" cap="none" normalizeH="0" baseline="0" dirty="0" err="1" smtClean="0">
+                <a:ln>
+                  <a:noFill/>
+                </a:ln>
+                <a:solidFill>
+                  <a:schemeClr val="bg1"/>
+                </a:solidFill>
+                <a:effectLst/>
+                <a:latin typeface="Arial" pitchFamily="34" charset="0"/>
+              </a:rPr>
+              <a:t>GateMP</a:t>
+            </a:r>
+            <a:endParaRPr kumimoji="0" lang="en-US" sz="1800" b="0" i="0" u="none" strike="noStrike" cap="none" normalizeH="0" baseline="0" dirty="0" smtClean="0">
+              <a:ln>
+                <a:noFill/>
+              </a:ln>
+              <a:solidFill>
+                <a:schemeClr val="bg1"/>
+              </a:solidFill>
+              <a:effectLst/>
+              <a:latin typeface="Arial" pitchFamily="34" charset="0"/>
+            </a:endParaRPr>
+          </a:p>
+        </p:txBody>
+      </p:sp>
+      <p:cxnSp>
+        <p:nvCxnSpPr>
+          <p:cNvPr id="12" name="Straight Arrow Connector 11"/>
+          <p:cNvCxnSpPr>
+            <a:stCxn id="5" idx="3"/>
+            <a:endCxn id="9" idx="1"/>
+          </p:cNvCxnSpPr>
+          <p:nvPr/>
+        </p:nvCxnSpPr>
+        <p:spPr bwMode="auto">
+          <a:xfrm flipV="1">
+            <a:off x="2590800" y="1925598"/>
+            <a:ext cx="1219200" cy="11668"/>
+          </a:xfrm>
+          <a:prstGeom prst="straightConnector1">
+            <a:avLst/>
+          </a:prstGeom>
+          <a:solidFill>
+            <a:schemeClr val="accent1"/>
+          </a:solidFill>
+          <a:ln w="9525" cap="flat" cmpd="sng" algn="ctr">
+            <a:solidFill>
+              <a:schemeClr val="tx1"/>
+            </a:solidFill>
+            <a:prstDash val="solid"/>
+            <a:round/>
+            <a:headEnd type="arrow"/>
+            <a:tailEnd type="arrow"/>
+          </a:ln>
+          <a:effectLst/>
+        </p:spPr>
+      </p:cxnSp>
+      <p:cxnSp>
+        <p:nvCxnSpPr>
+          <p:cNvPr id="13" name="Shape 12"/>
+          <p:cNvCxnSpPr>
+            <a:stCxn id="8" idx="2"/>
+            <a:endCxn id="10" idx="1"/>
+          </p:cNvCxnSpPr>
+          <p:nvPr/>
+        </p:nvCxnSpPr>
+        <p:spPr bwMode="auto">
+          <a:xfrm rot="16200000" flipH="1">
+            <a:off x="2911733" y="1496199"/>
+            <a:ext cx="1263134" cy="533400"/>
+          </a:xfrm>
+          <a:prstGeom prst="bentConnector2">
+            <a:avLst/>
+          </a:prstGeom>
+          <a:solidFill>
+            <a:schemeClr val="accent1"/>
+          </a:solidFill>
+          <a:ln w="9525" cap="flat" cmpd="sng" algn="ctr">
+            <a:solidFill>
+              <a:schemeClr val="tx1"/>
+            </a:solidFill>
+            <a:prstDash val="solid"/>
+            <a:round/>
+            <a:headEnd type="none" w="med" len="med"/>
+            <a:tailEnd type="arrow"/>
+          </a:ln>
+          <a:effectLst/>
+        </p:spPr>
+      </p:cxnSp>
+      <p:cxnSp>
+        <p:nvCxnSpPr>
+          <p:cNvPr id="14" name="Shape 13"/>
+          <p:cNvCxnSpPr>
+            <a:stCxn id="8" idx="2"/>
+            <a:endCxn id="11" idx="1"/>
+          </p:cNvCxnSpPr>
+          <p:nvPr/>
+        </p:nvCxnSpPr>
+        <p:spPr bwMode="auto">
+          <a:xfrm rot="16200000" flipH="1">
+            <a:off x="2650867" y="1757065"/>
+            <a:ext cx="1784866" cy="533400"/>
+          </a:xfrm>
+          <a:prstGeom prst="bentConnector2">
+            <a:avLst/>
+          </a:prstGeom>
+          <a:solidFill>
+            <a:schemeClr val="accent1"/>
+          </a:solidFill>
+          <a:ln w="9525" cap="flat" cmpd="sng" algn="ctr">
+            <a:solidFill>
+              <a:schemeClr val="tx1"/>
+            </a:solidFill>
+            <a:prstDash val="solid"/>
+            <a:round/>
+            <a:headEnd type="none" w="med" len="med"/>
+            <a:tailEnd type="arrow"/>
+          </a:ln>
+          <a:effectLst/>
+        </p:spPr>
+      </p:cxnSp>
+      <p:sp>
+        <p:nvSpPr>
+          <p:cNvPr id="15" name="TextBox 14"/>
+          <p:cNvSpPr txBox="1"/>
+          <p:nvPr/>
+        </p:nvSpPr>
+        <p:spPr>
+          <a:xfrm>
+            <a:off x="2971800" y="1600200"/>
+            <a:ext cx="627095" cy="369332"/>
+          </a:xfrm>
+          <a:prstGeom prst="rect">
+            <a:avLst/>
+          </a:prstGeom>
+          <a:noFill/>
+        </p:spPr>
+        <p:txBody>
+          <a:bodyPr wrap="square" rtlCol="0">
+            <a:spAutoFit/>
+          </a:bodyPr>
+          <a:lstStyle/>
+          <a:p>
+            <a:r>
+              <a:rPr lang="en-US" dirty="0" smtClean="0"/>
+              <a:t>Uses</a:t>
+            </a:r>
+            <a:endParaRPr lang="en-US" dirty="0"/>
+          </a:p>
+        </p:txBody>
+      </p:sp>
+      <p:sp>
+        <p:nvSpPr>
+          <p:cNvPr id="17" name="Rectangle 16"/>
+          <p:cNvSpPr/>
+          <p:nvPr/>
+        </p:nvSpPr>
+        <p:spPr bwMode="auto">
+          <a:xfrm>
+            <a:off x="4495800" y="762000"/>
+            <a:ext cx="4343400" cy="685800"/>
+          </a:xfrm>
+          <a:prstGeom prst="rect">
+            <a:avLst/>
+          </a:prstGeom>
+          <a:solidFill>
+            <a:srgbClr val="0070C0"/>
+          </a:solidFill>
+          <a:ln w="9525" cap="flat" cmpd="sng" algn="ctr">
+            <a:solidFill>
+              <a:schemeClr val="tx1"/>
+            </a:solidFill>
+            <a:prstDash val="solid"/>
+            <a:round/>
+            <a:headEnd type="none" w="med" len="med"/>
+            <a:tailEnd type="none" w="med" len="med"/>
+          </a:ln>
+          <a:effectLst/>
+        </p:spPr>
+        <p:txBody>
+          <a:bodyPr vert="horz" wrap="square" lIns="91440" tIns="45720" rIns="91440" bIns="45720" numCol="1" rtlCol="0" anchor="t" anchorCtr="0" compatLnSpc="1">
+            <a:prstTxWarp prst="textNoShape">
+              <a:avLst/>
+            </a:prstTxWarp>
+          </a:bodyPr>
+          <a:lstStyle/>
+          <a:p>
+            <a:pPr marL="0" marR="0" indent="0" algn="ctr" defTabSz="914400" rtl="0" eaLnBrk="0" fontAlgn="base" latinLnBrk="0" hangingPunct="0">
+              <a:lnSpc>
+                <a:spcPct val="100000"/>
+              </a:lnSpc>
+              <a:spcBef>
+                <a:spcPct val="0"/>
+              </a:spcBef>
+              <a:spcAft>
+                <a:spcPct val="0"/>
+              </a:spcAft>
+              <a:buClrTx/>
+              <a:buSzTx/>
+              <a:buFontTx/>
+              <a:buNone/>
+              <a:tabLst/>
+            </a:pPr>
+            <a:r>
+              <a:rPr kumimoji="0" lang="en-US" sz="1800" b="0" i="0" u="none" strike="noStrike" cap="none" normalizeH="0" baseline="0" dirty="0" err="1" smtClean="0">
+                <a:ln>
+                  <a:noFill/>
+                </a:ln>
+                <a:solidFill>
+                  <a:schemeClr val="bg1"/>
+                </a:solidFill>
+                <a:effectLst/>
+                <a:latin typeface="Arial" pitchFamily="34" charset="0"/>
+              </a:rPr>
+              <a:t>HeapBufMP</a:t>
+            </a:r>
+            <a:r>
+              <a:rPr lang="en-US" dirty="0" smtClean="0">
+                <a:solidFill>
+                  <a:schemeClr val="bg1"/>
+                </a:solidFill>
+                <a:latin typeface="Arial" pitchFamily="34" charset="0"/>
+              </a:rPr>
+              <a:t>, </a:t>
+            </a:r>
+            <a:r>
+              <a:rPr kumimoji="0" lang="en-US" sz="1800" b="0" i="0" u="none" strike="noStrike" cap="none" normalizeH="0" dirty="0" err="1" smtClean="0">
+                <a:ln>
+                  <a:noFill/>
+                </a:ln>
+                <a:solidFill>
+                  <a:schemeClr val="bg1"/>
+                </a:solidFill>
+                <a:effectLst/>
+                <a:latin typeface="Arial" pitchFamily="34" charset="0"/>
+              </a:rPr>
+              <a:t>HeapMultiBufMP</a:t>
+            </a:r>
+            <a:r>
+              <a:rPr lang="en-US" dirty="0" smtClean="0">
+                <a:solidFill>
+                  <a:schemeClr val="bg1"/>
+                </a:solidFill>
+                <a:latin typeface="Arial" pitchFamily="34" charset="0"/>
+              </a:rPr>
+              <a:t>, </a:t>
+            </a:r>
+            <a:r>
+              <a:rPr kumimoji="0" lang="en-US" sz="1800" b="0" i="0" u="none" strike="noStrike" cap="none" normalizeH="0" dirty="0" smtClean="0">
+                <a:ln>
+                  <a:noFill/>
+                </a:ln>
+                <a:solidFill>
+                  <a:schemeClr val="bg1"/>
+                </a:solidFill>
+                <a:effectLst/>
+                <a:latin typeface="Arial" pitchFamily="34" charset="0"/>
+              </a:rPr>
+              <a:t>or </a:t>
+            </a:r>
+            <a:r>
+              <a:rPr kumimoji="0" lang="en-US" sz="1800" b="0" i="0" u="none" strike="noStrike" cap="none" normalizeH="0" dirty="0" err="1" smtClean="0">
+                <a:ln>
+                  <a:noFill/>
+                </a:ln>
+                <a:solidFill>
+                  <a:schemeClr val="bg1"/>
+                </a:solidFill>
+                <a:effectLst/>
+                <a:latin typeface="Arial" pitchFamily="34" charset="0"/>
+              </a:rPr>
+              <a:t>HeapMemMP</a:t>
+            </a:r>
+            <a:endParaRPr kumimoji="0" lang="en-US" sz="1800" b="0" i="0" u="none" strike="noStrike" cap="none" normalizeH="0" baseline="0" dirty="0" smtClean="0">
+              <a:ln>
+                <a:noFill/>
+              </a:ln>
+              <a:solidFill>
+                <a:schemeClr val="bg1"/>
+              </a:solidFill>
+              <a:effectLst/>
+              <a:latin typeface="Arial" pitchFamily="34" charset="0"/>
+            </a:endParaRPr>
+          </a:p>
+        </p:txBody>
+      </p:sp>
+      <p:cxnSp>
+        <p:nvCxnSpPr>
+          <p:cNvPr id="19" name="Shape 18"/>
+          <p:cNvCxnSpPr>
+            <a:stCxn id="17" idx="2"/>
+            <a:endCxn id="9" idx="3"/>
+          </p:cNvCxnSpPr>
+          <p:nvPr/>
+        </p:nvCxnSpPr>
+        <p:spPr bwMode="auto">
+          <a:xfrm rot="5400000">
+            <a:off x="5838051" y="1096149"/>
+            <a:ext cx="477798" cy="1181100"/>
+          </a:xfrm>
+          <a:prstGeom prst="bentConnector2">
+            <a:avLst/>
+          </a:prstGeom>
+          <a:solidFill>
+            <a:schemeClr val="accent1"/>
+          </a:solidFill>
+          <a:ln w="9525" cap="flat" cmpd="sng" algn="ctr">
+            <a:solidFill>
+              <a:schemeClr val="tx1"/>
+            </a:solidFill>
+            <a:prstDash val="solid"/>
+            <a:round/>
+            <a:headEnd type="none" w="med" len="med"/>
+            <a:tailEnd type="arrow"/>
+          </a:ln>
+          <a:effectLst/>
+        </p:spPr>
+      </p:cxnSp>
+      <p:cxnSp>
+        <p:nvCxnSpPr>
+          <p:cNvPr id="21" name="Shape 20"/>
+          <p:cNvCxnSpPr>
+            <a:stCxn id="17" idx="2"/>
+            <a:endCxn id="10" idx="3"/>
+          </p:cNvCxnSpPr>
+          <p:nvPr/>
+        </p:nvCxnSpPr>
+        <p:spPr bwMode="auto">
+          <a:xfrm rot="5400000">
+            <a:off x="5603617" y="1330583"/>
+            <a:ext cx="946666" cy="1181100"/>
+          </a:xfrm>
+          <a:prstGeom prst="bentConnector2">
+            <a:avLst/>
+          </a:prstGeom>
+          <a:solidFill>
+            <a:schemeClr val="accent1"/>
+          </a:solidFill>
+          <a:ln w="9525" cap="flat" cmpd="sng" algn="ctr">
+            <a:solidFill>
+              <a:schemeClr val="tx1"/>
+            </a:solidFill>
+            <a:prstDash val="solid"/>
+            <a:round/>
+            <a:headEnd type="none" w="med" len="med"/>
+            <a:tailEnd type="arrow"/>
+          </a:ln>
+          <a:effectLst/>
+        </p:spPr>
+      </p:cxnSp>
+      <p:sp>
+        <p:nvSpPr>
+          <p:cNvPr id="24" name="TextBox 23"/>
+          <p:cNvSpPr txBox="1"/>
+          <p:nvPr/>
+        </p:nvSpPr>
+        <p:spPr>
+          <a:xfrm>
+            <a:off x="6324600" y="1600200"/>
+            <a:ext cx="627095" cy="369332"/>
+          </a:xfrm>
+          <a:prstGeom prst="rect">
+            <a:avLst/>
+          </a:prstGeom>
+          <a:noFill/>
+        </p:spPr>
+        <p:txBody>
+          <a:bodyPr wrap="square" rtlCol="0">
+            <a:spAutoFit/>
+          </a:bodyPr>
+          <a:lstStyle/>
+          <a:p>
+            <a:r>
+              <a:rPr lang="en-US" dirty="0" smtClean="0"/>
+              <a:t>Uses</a:t>
+            </a:r>
+            <a:endParaRPr lang="en-US" dirty="0"/>
+          </a:p>
+        </p:txBody>
+      </p:sp>
+      <p:cxnSp>
+        <p:nvCxnSpPr>
+          <p:cNvPr id="26" name="Shape 25"/>
+          <p:cNvCxnSpPr>
+            <a:stCxn id="17" idx="2"/>
+            <a:endCxn id="11" idx="3"/>
+          </p:cNvCxnSpPr>
+          <p:nvPr/>
+        </p:nvCxnSpPr>
+        <p:spPr bwMode="auto">
+          <a:xfrm rot="5400000">
+            <a:off x="5342751" y="1591449"/>
+            <a:ext cx="1468398" cy="1181100"/>
+          </a:xfrm>
+          <a:prstGeom prst="bentConnector2">
+            <a:avLst/>
+          </a:prstGeom>
+          <a:solidFill>
+            <a:schemeClr val="accent1"/>
+          </a:solidFill>
+          <a:ln w="9525" cap="flat" cmpd="sng" algn="ctr">
+            <a:solidFill>
+              <a:schemeClr val="tx1"/>
+            </a:solidFill>
+            <a:prstDash val="solid"/>
+            <a:round/>
+            <a:headEnd type="none" w="med" len="med"/>
+            <a:tailEnd type="arrow"/>
+          </a:ln>
+          <a:effectLst/>
+        </p:spPr>
+      </p:cxnSp>
+      <p:sp>
+        <p:nvSpPr>
+          <p:cNvPr id="27" name="TextBox 26"/>
+          <p:cNvSpPr txBox="1"/>
+          <p:nvPr/>
+        </p:nvSpPr>
+        <p:spPr>
+          <a:xfrm>
+            <a:off x="381000" y="3124200"/>
+            <a:ext cx="5592557" cy="646331"/>
+          </a:xfrm>
+          <a:prstGeom prst="rect">
+            <a:avLst/>
+          </a:prstGeom>
+          <a:noFill/>
+        </p:spPr>
+        <p:txBody>
+          <a:bodyPr wrap="none" rtlCol="0">
+            <a:spAutoFit/>
+          </a:bodyPr>
+          <a:lstStyle/>
+          <a:p>
+            <a:pPr>
+              <a:buFont typeface="Arial" pitchFamily="34" charset="0"/>
+              <a:buChar char="•"/>
+            </a:pPr>
+            <a:r>
+              <a:rPr lang="en-US" dirty="0" smtClean="0"/>
+              <a:t>API Calls made to Notify, </a:t>
+            </a:r>
+            <a:r>
+              <a:rPr lang="en-US" dirty="0" err="1" smtClean="0"/>
+              <a:t>ListMP</a:t>
+            </a:r>
+            <a:r>
+              <a:rPr lang="en-US" dirty="0" smtClean="0"/>
+              <a:t>, and a Heap*MP module</a:t>
+            </a:r>
+          </a:p>
+          <a:p>
+            <a:pPr lvl="1">
+              <a:buFont typeface="Arial" pitchFamily="34" charset="0"/>
+              <a:buChar char="•"/>
+            </a:pPr>
+            <a:r>
+              <a:rPr lang="en-US" dirty="0" smtClean="0"/>
+              <a:t>Heap*MP modules use </a:t>
+            </a:r>
+            <a:r>
+              <a:rPr lang="en-US" dirty="0" err="1" smtClean="0"/>
+              <a:t>GateMP</a:t>
+            </a:r>
+            <a:r>
+              <a:rPr lang="en-US" dirty="0" smtClean="0"/>
+              <a:t> </a:t>
+            </a:r>
+            <a:endParaRPr lang="en-US" dirty="0"/>
+          </a:p>
+        </p:txBody>
+      </p:sp>
+      <p:grpSp>
+        <p:nvGrpSpPr>
+          <p:cNvPr id="28" name="Group 27"/>
+          <p:cNvGrpSpPr/>
+          <p:nvPr/>
+        </p:nvGrpSpPr>
+        <p:grpSpPr>
+          <a:xfrm>
+            <a:off x="6019800" y="5638800"/>
+            <a:ext cx="2743200" cy="762000"/>
+            <a:chOff x="6019800" y="5638800"/>
+            <a:chExt cx="2743200" cy="762000"/>
+          </a:xfrm>
+        </p:grpSpPr>
+        <p:sp>
+          <p:nvSpPr>
+            <p:cNvPr id="29" name="Rectangle 28"/>
+            <p:cNvSpPr/>
+            <p:nvPr/>
+          </p:nvSpPr>
+          <p:spPr bwMode="auto">
+            <a:xfrm>
+              <a:off x="6019800" y="5638800"/>
+              <a:ext cx="2743200" cy="762000"/>
+            </a:xfrm>
+            <a:prstGeom prst="rect">
+              <a:avLst/>
+            </a:prstGeom>
+            <a:solidFill>
+              <a:schemeClr val="bg1"/>
+            </a:solidFill>
+            <a:ln w="9525" cap="flat" cmpd="sng" algn="ctr">
+              <a:solidFill>
+                <a:schemeClr val="tx1"/>
+              </a:solidFill>
+              <a:prstDash val="solid"/>
+              <a:round/>
+              <a:headEnd type="none" w="med" len="med"/>
+              <a:tailEnd type="none" w="med" len="med"/>
+            </a:ln>
+            <a:effectLst/>
+          </p:spPr>
+          <p:txBody>
+            <a:bodyPr vert="horz" wrap="square" lIns="91440" tIns="45720" rIns="91440" bIns="45720" numCol="1" rtlCol="0" anchor="t" anchorCtr="0" compatLnSpc="1">
+              <a:prstTxWarp prst="textNoShape">
+                <a:avLst/>
+              </a:prstTxWarp>
+            </a:bodyPr>
+            <a:lstStyle/>
+            <a:p>
+              <a:pPr marL="0" marR="0" indent="0" algn="l" defTabSz="914400" rtl="0" eaLnBrk="0" fontAlgn="base" latinLnBrk="0" hangingPunct="0">
+                <a:lnSpc>
+                  <a:spcPct val="100000"/>
+                </a:lnSpc>
+                <a:spcBef>
+                  <a:spcPct val="0"/>
+                </a:spcBef>
+                <a:spcAft>
+                  <a:spcPct val="0"/>
+                </a:spcAft>
+                <a:buClrTx/>
+                <a:buSzTx/>
+                <a:buFontTx/>
+                <a:buNone/>
+                <a:tabLst/>
+              </a:pPr>
+              <a:endParaRPr kumimoji="0" lang="en-US" sz="1800" b="0" i="0" u="none" strike="noStrike" cap="none" normalizeH="0" baseline="0" smtClean="0">
+                <a:ln>
+                  <a:noFill/>
+                </a:ln>
+                <a:solidFill>
+                  <a:schemeClr val="tx1"/>
+                </a:solidFill>
+                <a:effectLst/>
+                <a:latin typeface="Arial" pitchFamily="34" charset="0"/>
+              </a:endParaRPr>
+            </a:p>
+          </p:txBody>
+        </p:sp>
+        <p:sp>
+          <p:nvSpPr>
+            <p:cNvPr id="30" name="Rectangle 29"/>
+            <p:cNvSpPr/>
+            <p:nvPr/>
+          </p:nvSpPr>
+          <p:spPr bwMode="auto">
+            <a:xfrm>
+              <a:off x="6096000" y="5715000"/>
+              <a:ext cx="152400" cy="152400"/>
+            </a:xfrm>
+            <a:prstGeom prst="rect">
+              <a:avLst/>
+            </a:prstGeom>
+            <a:solidFill>
+              <a:srgbClr val="0070C0"/>
+            </a:solidFill>
+            <a:ln w="9525" cap="flat" cmpd="sng" algn="ctr">
+              <a:solidFill>
+                <a:schemeClr val="tx1"/>
+              </a:solidFill>
+              <a:prstDash val="solid"/>
+              <a:round/>
+              <a:headEnd type="none" w="med" len="med"/>
+              <a:tailEnd type="none" w="med" len="med"/>
+            </a:ln>
+            <a:effectLst/>
+          </p:spPr>
+          <p:txBody>
+            <a:bodyPr vert="horz" wrap="square" lIns="91440" tIns="45720" rIns="91440" bIns="45720" numCol="1" rtlCol="0" anchor="t" anchorCtr="0" compatLnSpc="1">
+              <a:prstTxWarp prst="textNoShape">
+                <a:avLst/>
+              </a:prstTxWarp>
+            </a:bodyPr>
+            <a:lstStyle/>
+            <a:p>
+              <a:pPr marL="0" marR="0" indent="0" algn="l" defTabSz="914400" rtl="0" eaLnBrk="0" fontAlgn="base" latinLnBrk="0" hangingPunct="0">
+                <a:lnSpc>
+                  <a:spcPct val="100000"/>
+                </a:lnSpc>
+                <a:spcBef>
+                  <a:spcPct val="0"/>
+                </a:spcBef>
+                <a:spcAft>
+                  <a:spcPct val="0"/>
+                </a:spcAft>
+                <a:buClrTx/>
+                <a:buSzTx/>
+                <a:buFontTx/>
+                <a:buNone/>
+                <a:tabLst/>
+              </a:pPr>
+              <a:endParaRPr kumimoji="0" lang="en-US" sz="1800" b="0" i="0" u="none" strike="noStrike" cap="none" normalizeH="0" baseline="0" smtClean="0">
+                <a:ln>
+                  <a:noFill/>
+                </a:ln>
+                <a:solidFill>
+                  <a:schemeClr val="tx1"/>
+                </a:solidFill>
+                <a:effectLst/>
+                <a:latin typeface="Arial" pitchFamily="34" charset="0"/>
+              </a:endParaRPr>
+            </a:p>
+          </p:txBody>
+        </p:sp>
+        <p:sp>
+          <p:nvSpPr>
+            <p:cNvPr id="31" name="Rectangle 30"/>
+            <p:cNvSpPr/>
+            <p:nvPr/>
+          </p:nvSpPr>
+          <p:spPr bwMode="auto">
+            <a:xfrm>
+              <a:off x="6096000" y="5943600"/>
+              <a:ext cx="152400" cy="152400"/>
+            </a:xfrm>
+            <a:prstGeom prst="rect">
+              <a:avLst/>
+            </a:prstGeom>
+            <a:solidFill>
+              <a:srgbClr val="FF0000"/>
+            </a:solidFill>
+            <a:ln w="9525" cap="flat" cmpd="sng" algn="ctr">
+              <a:solidFill>
+                <a:schemeClr val="tx1"/>
+              </a:solidFill>
+              <a:prstDash val="solid"/>
+              <a:round/>
+              <a:headEnd type="none" w="med" len="med"/>
+              <a:tailEnd type="none" w="med" len="med"/>
+            </a:ln>
+            <a:effectLst/>
+          </p:spPr>
+          <p:txBody>
+            <a:bodyPr vert="horz" wrap="square" lIns="91440" tIns="45720" rIns="91440" bIns="45720" numCol="1" rtlCol="0" anchor="t" anchorCtr="0" compatLnSpc="1">
+              <a:prstTxWarp prst="textNoShape">
+                <a:avLst/>
+              </a:prstTxWarp>
+            </a:bodyPr>
+            <a:lstStyle/>
+            <a:p>
+              <a:pPr marL="0" marR="0" indent="0" algn="l" defTabSz="914400" rtl="0" eaLnBrk="0" fontAlgn="base" latinLnBrk="0" hangingPunct="0">
+                <a:lnSpc>
+                  <a:spcPct val="100000"/>
+                </a:lnSpc>
+                <a:spcBef>
+                  <a:spcPct val="0"/>
+                </a:spcBef>
+                <a:spcAft>
+                  <a:spcPct val="0"/>
+                </a:spcAft>
+                <a:buClrTx/>
+                <a:buSzTx/>
+                <a:buFontTx/>
+                <a:buNone/>
+                <a:tabLst/>
+              </a:pPr>
+              <a:endParaRPr kumimoji="0" lang="en-US" sz="1800" b="0" i="0" u="none" strike="noStrike" cap="none" normalizeH="0" baseline="0" smtClean="0">
+                <a:ln>
+                  <a:noFill/>
+                </a:ln>
+                <a:solidFill>
+                  <a:schemeClr val="tx1"/>
+                </a:solidFill>
+                <a:effectLst/>
+                <a:latin typeface="Arial" pitchFamily="34" charset="0"/>
+              </a:endParaRPr>
+            </a:p>
+          </p:txBody>
+        </p:sp>
+        <p:sp>
+          <p:nvSpPr>
+            <p:cNvPr id="32" name="Rectangle 31"/>
+            <p:cNvSpPr/>
+            <p:nvPr/>
+          </p:nvSpPr>
+          <p:spPr bwMode="auto">
+            <a:xfrm>
+              <a:off x="6096000" y="6172200"/>
+              <a:ext cx="152400" cy="152400"/>
+            </a:xfrm>
+            <a:prstGeom prst="rect">
+              <a:avLst/>
+            </a:prstGeom>
+            <a:solidFill>
+              <a:schemeClr val="accent4">
+                <a:lumMod val="50000"/>
+                <a:lumOff val="50000"/>
+              </a:schemeClr>
+            </a:solidFill>
+            <a:ln w="9525" cap="flat" cmpd="sng" algn="ctr">
+              <a:solidFill>
+                <a:schemeClr val="tx1"/>
+              </a:solidFill>
+              <a:prstDash val="solid"/>
+              <a:round/>
+              <a:headEnd type="none" w="med" len="med"/>
+              <a:tailEnd type="none" w="med" len="med"/>
+            </a:ln>
+            <a:effectLst/>
+          </p:spPr>
+          <p:txBody>
+            <a:bodyPr vert="horz" wrap="square" lIns="91440" tIns="45720" rIns="91440" bIns="45720" numCol="1" rtlCol="0" anchor="t" anchorCtr="0" compatLnSpc="1">
+              <a:prstTxWarp prst="textNoShape">
+                <a:avLst/>
+              </a:prstTxWarp>
+            </a:bodyPr>
+            <a:lstStyle/>
+            <a:p>
+              <a:pPr marL="0" marR="0" indent="0" algn="l" defTabSz="914400" rtl="0" eaLnBrk="0" fontAlgn="base" latinLnBrk="0" hangingPunct="0">
+                <a:lnSpc>
+                  <a:spcPct val="100000"/>
+                </a:lnSpc>
+                <a:spcBef>
+                  <a:spcPct val="0"/>
+                </a:spcBef>
+                <a:spcAft>
+                  <a:spcPct val="0"/>
+                </a:spcAft>
+                <a:buClrTx/>
+                <a:buSzTx/>
+                <a:buFontTx/>
+                <a:buNone/>
+                <a:tabLst/>
+              </a:pPr>
+              <a:endParaRPr kumimoji="0" lang="en-US" sz="1800" b="0" i="0" u="none" strike="noStrike" cap="none" normalizeH="0" baseline="0" smtClean="0">
+                <a:ln>
+                  <a:noFill/>
+                </a:ln>
+                <a:solidFill>
+                  <a:schemeClr val="tx1"/>
+                </a:solidFill>
+                <a:effectLst/>
+                <a:latin typeface="Arial" pitchFamily="34" charset="0"/>
+              </a:endParaRPr>
+            </a:p>
+          </p:txBody>
+        </p:sp>
+        <p:sp>
+          <p:nvSpPr>
+            <p:cNvPr id="33" name="TextBox 32"/>
+            <p:cNvSpPr txBox="1"/>
+            <p:nvPr/>
+          </p:nvSpPr>
+          <p:spPr>
+            <a:xfrm>
+              <a:off x="6324600" y="5638800"/>
+              <a:ext cx="2362200" cy="738664"/>
+            </a:xfrm>
+            <a:prstGeom prst="rect">
+              <a:avLst/>
+            </a:prstGeom>
+            <a:noFill/>
+          </p:spPr>
+          <p:txBody>
+            <a:bodyPr wrap="square" rtlCol="0">
+              <a:spAutoFit/>
+            </a:bodyPr>
+            <a:lstStyle/>
+            <a:p>
+              <a:pPr>
+                <a:buFont typeface="Calibri" pitchFamily="34" charset="0"/>
+                <a:buChar char="—"/>
+              </a:pPr>
+              <a:r>
+                <a:rPr lang="en-US" sz="1400" dirty="0" smtClean="0"/>
+                <a:t>Application Calls API</a:t>
+              </a:r>
+            </a:p>
+            <a:p>
+              <a:pPr>
+                <a:buFont typeface="Calibri" pitchFamily="34" charset="0"/>
+                <a:buChar char="—"/>
+              </a:pPr>
+              <a:r>
+                <a:rPr lang="en-US" sz="1400" dirty="0" smtClean="0"/>
+                <a:t>Configuration Only</a:t>
+              </a:r>
+            </a:p>
+            <a:p>
+              <a:pPr>
+                <a:buFont typeface="Calibri" pitchFamily="34" charset="0"/>
+                <a:buChar char="—"/>
+              </a:pPr>
+              <a:r>
+                <a:rPr lang="en-US" sz="1400" dirty="0" smtClean="0"/>
+                <a:t>No Configuration Necessary</a:t>
+              </a:r>
+              <a:endParaRPr lang="en-US" sz="1200" dirty="0"/>
+            </a:p>
+          </p:txBody>
+        </p:sp>
+      </p:grpSp>
+      <p:sp>
+        <p:nvSpPr>
+          <p:cNvPr id="34" name="Rectangle 33"/>
+          <p:cNvSpPr/>
+          <p:nvPr/>
+        </p:nvSpPr>
+        <p:spPr bwMode="auto">
+          <a:xfrm>
+            <a:off x="457200" y="3886200"/>
+            <a:ext cx="8153400" cy="533400"/>
+          </a:xfrm>
+          <a:prstGeom prst="rect">
+            <a:avLst/>
+          </a:prstGeom>
+          <a:solidFill>
+            <a:schemeClr val="bg1">
+              <a:lumMod val="85000"/>
+              <a:alpha val="50000"/>
+            </a:schemeClr>
+          </a:solidFill>
+          <a:ln w="9525" cap="flat" cmpd="sng" algn="ctr">
+            <a:solidFill>
+              <a:schemeClr val="tx1"/>
+            </a:solidFill>
+            <a:prstDash val="solid"/>
+            <a:round/>
+            <a:headEnd type="none" w="med" len="med"/>
+            <a:tailEnd type="none" w="med" len="med"/>
+          </a:ln>
+          <a:effectLst/>
+        </p:spPr>
+        <p:txBody>
+          <a:bodyPr vert="horz" wrap="square" lIns="91440" tIns="45720" rIns="91440" bIns="45720" numCol="1" rtlCol="0" anchor="t" anchorCtr="0" compatLnSpc="1">
+            <a:prstTxWarp prst="textNoShape">
+              <a:avLst/>
+            </a:prstTxWarp>
+          </a:bodyPr>
+          <a:lstStyle/>
+          <a:p>
+            <a:r>
+              <a:rPr lang="en-US" sz="1050" dirty="0">
+                <a:solidFill>
+                  <a:srgbClr val="00B050"/>
+                </a:solidFill>
+                <a:latin typeface="Courier New" pitchFamily="49" charset="0"/>
+                <a:cs typeface="Courier New" pitchFamily="49" charset="0"/>
+              </a:rPr>
+              <a:t>/* </a:t>
+            </a:r>
+            <a:r>
+              <a:rPr lang="en-US" sz="1050" dirty="0" smtClean="0">
+                <a:solidFill>
+                  <a:srgbClr val="00B050"/>
+                </a:solidFill>
+                <a:latin typeface="Courier New" pitchFamily="49" charset="0"/>
+                <a:cs typeface="Courier New" pitchFamily="49" charset="0"/>
+              </a:rPr>
+              <a:t>Send </a:t>
+            </a:r>
+            <a:r>
+              <a:rPr lang="en-US" sz="1050" dirty="0">
+                <a:solidFill>
+                  <a:srgbClr val="00B050"/>
+                </a:solidFill>
+                <a:latin typeface="Courier New" pitchFamily="49" charset="0"/>
+                <a:cs typeface="Courier New" pitchFamily="49" charset="0"/>
+              </a:rPr>
+              <a:t>the message to the remote processor */</a:t>
+            </a:r>
+          </a:p>
+          <a:p>
+            <a:r>
+              <a:rPr lang="en-US" sz="1050" b="1" dirty="0">
+                <a:latin typeface="Courier New" pitchFamily="49" charset="0"/>
+                <a:cs typeface="Courier New" pitchFamily="49" charset="0"/>
+              </a:rPr>
+              <a:t>            status = </a:t>
+            </a:r>
+            <a:r>
+              <a:rPr lang="en-US" sz="1050" b="1" dirty="0" err="1">
+                <a:solidFill>
+                  <a:srgbClr val="7030A0"/>
+                </a:solidFill>
+                <a:latin typeface="Courier New" pitchFamily="49" charset="0"/>
+                <a:cs typeface="Courier New" pitchFamily="49" charset="0"/>
+              </a:rPr>
+              <a:t>MessageQ_put</a:t>
+            </a:r>
+            <a:r>
+              <a:rPr lang="en-US" sz="1050" b="1" dirty="0">
+                <a:latin typeface="Courier New" pitchFamily="49" charset="0"/>
+                <a:cs typeface="Courier New" pitchFamily="49" charset="0"/>
+              </a:rPr>
+              <a:t>(</a:t>
+            </a:r>
+            <a:r>
+              <a:rPr lang="en-US" sz="1050" b="1" dirty="0" err="1">
+                <a:latin typeface="Courier New" pitchFamily="49" charset="0"/>
+                <a:cs typeface="Courier New" pitchFamily="49" charset="0"/>
+              </a:rPr>
+              <a:t>remoteQueueId</a:t>
+            </a:r>
+            <a:r>
+              <a:rPr lang="en-US" sz="1050" b="1" dirty="0">
+                <a:latin typeface="Courier New" pitchFamily="49" charset="0"/>
+                <a:cs typeface="Courier New" pitchFamily="49" charset="0"/>
+              </a:rPr>
+              <a:t>, </a:t>
+            </a:r>
+            <a:r>
+              <a:rPr lang="en-US" sz="1050" b="1" dirty="0" err="1">
+                <a:latin typeface="Courier New" pitchFamily="49" charset="0"/>
+                <a:cs typeface="Courier New" pitchFamily="49" charset="0"/>
+              </a:rPr>
+              <a:t>msg</a:t>
+            </a:r>
+            <a:r>
+              <a:rPr lang="en-US" sz="1050" b="1" dirty="0">
+                <a:latin typeface="Courier New" pitchFamily="49" charset="0"/>
+                <a:cs typeface="Courier New" pitchFamily="49" charset="0"/>
+              </a:rPr>
+              <a:t>);</a:t>
+            </a:r>
+            <a:endParaRPr kumimoji="0" lang="en-US" sz="1050" b="1" i="0" u="none" strike="noStrike" cap="none" normalizeH="0" baseline="0" dirty="0" smtClean="0">
+              <a:ln>
+                <a:noFill/>
+              </a:ln>
+              <a:solidFill>
+                <a:schemeClr val="tx1"/>
+              </a:solidFill>
+              <a:effectLst/>
+              <a:latin typeface="Courier New" pitchFamily="49" charset="0"/>
+              <a:cs typeface="Courier New" pitchFamily="49" charset="0"/>
+            </a:endParaRPr>
+          </a:p>
+        </p:txBody>
+      </p:sp>
+      <p:sp>
+        <p:nvSpPr>
+          <p:cNvPr id="35" name="Rectangle 34"/>
+          <p:cNvSpPr/>
+          <p:nvPr/>
+        </p:nvSpPr>
+        <p:spPr bwMode="auto">
+          <a:xfrm>
+            <a:off x="457200" y="4572000"/>
+            <a:ext cx="8153400" cy="533400"/>
+          </a:xfrm>
+          <a:prstGeom prst="rect">
+            <a:avLst/>
+          </a:prstGeom>
+          <a:solidFill>
+            <a:schemeClr val="bg1">
+              <a:lumMod val="85000"/>
+              <a:alpha val="50000"/>
+            </a:schemeClr>
+          </a:solidFill>
+          <a:ln w="9525" cap="flat" cmpd="sng" algn="ctr">
+            <a:solidFill>
+              <a:schemeClr val="tx1"/>
+            </a:solidFill>
+            <a:prstDash val="solid"/>
+            <a:round/>
+            <a:headEnd type="none" w="med" len="med"/>
+            <a:tailEnd type="none" w="med" len="med"/>
+          </a:ln>
+          <a:effectLst/>
+        </p:spPr>
+        <p:txBody>
+          <a:bodyPr vert="horz" wrap="square" lIns="91440" tIns="45720" rIns="91440" bIns="45720" numCol="1" rtlCol="0" anchor="t" anchorCtr="0" compatLnSpc="1">
+            <a:prstTxWarp prst="textNoShape">
+              <a:avLst/>
+            </a:prstTxWarp>
+          </a:bodyPr>
+          <a:lstStyle/>
+          <a:p>
+            <a:r>
+              <a:rPr lang="en-US" sz="1050" dirty="0">
+                <a:solidFill>
+                  <a:srgbClr val="00B050"/>
+                </a:solidFill>
+                <a:latin typeface="Courier New" pitchFamily="49" charset="0"/>
+                <a:cs typeface="Courier New" pitchFamily="49" charset="0"/>
+              </a:rPr>
+              <a:t>/* Get a message */</a:t>
+            </a:r>
+          </a:p>
+          <a:p>
+            <a:r>
+              <a:rPr lang="en-US" sz="1050" b="1" dirty="0">
+                <a:latin typeface="Courier New" pitchFamily="49" charset="0"/>
+                <a:cs typeface="Courier New" pitchFamily="49" charset="0"/>
+              </a:rPr>
+              <a:t>            status = </a:t>
+            </a:r>
+            <a:r>
+              <a:rPr lang="en-US" sz="1050" b="1" dirty="0" err="1">
+                <a:solidFill>
+                  <a:srgbClr val="7030A0"/>
+                </a:solidFill>
+                <a:latin typeface="Courier New" pitchFamily="49" charset="0"/>
+                <a:cs typeface="Courier New" pitchFamily="49" charset="0"/>
+              </a:rPr>
+              <a:t>MessageQ_get</a:t>
+            </a:r>
+            <a:r>
+              <a:rPr lang="en-US" sz="1050" b="1" dirty="0">
+                <a:latin typeface="Courier New" pitchFamily="49" charset="0"/>
+                <a:cs typeface="Courier New" pitchFamily="49" charset="0"/>
+              </a:rPr>
+              <a:t>(</a:t>
+            </a:r>
+            <a:r>
+              <a:rPr lang="en-US" sz="1050" b="1" dirty="0" err="1">
+                <a:latin typeface="Courier New" pitchFamily="49" charset="0"/>
+                <a:cs typeface="Courier New" pitchFamily="49" charset="0"/>
+              </a:rPr>
+              <a:t>messageQ</a:t>
+            </a:r>
+            <a:r>
+              <a:rPr lang="en-US" sz="1050" b="1" dirty="0">
+                <a:latin typeface="Courier New" pitchFamily="49" charset="0"/>
+                <a:cs typeface="Courier New" pitchFamily="49" charset="0"/>
+              </a:rPr>
+              <a:t>, &amp;</a:t>
+            </a:r>
+            <a:r>
+              <a:rPr lang="en-US" sz="1050" b="1" dirty="0" err="1">
+                <a:latin typeface="Courier New" pitchFamily="49" charset="0"/>
+                <a:cs typeface="Courier New" pitchFamily="49" charset="0"/>
+              </a:rPr>
+              <a:t>msg</a:t>
+            </a:r>
+            <a:r>
+              <a:rPr lang="en-US" sz="1050" b="1" dirty="0">
+                <a:latin typeface="Courier New" pitchFamily="49" charset="0"/>
+                <a:cs typeface="Courier New" pitchFamily="49" charset="0"/>
+              </a:rPr>
+              <a:t>, </a:t>
+            </a:r>
+            <a:r>
+              <a:rPr lang="en-US" sz="1050" b="1" dirty="0" err="1">
+                <a:latin typeface="Courier New" pitchFamily="49" charset="0"/>
+                <a:cs typeface="Courier New" pitchFamily="49" charset="0"/>
+              </a:rPr>
+              <a:t>MessageQ_FOREVER</a:t>
+            </a:r>
+            <a:r>
+              <a:rPr lang="en-US" sz="1050" b="1" dirty="0">
+                <a:latin typeface="Courier New" pitchFamily="49" charset="0"/>
+                <a:cs typeface="Courier New" pitchFamily="49" charset="0"/>
+              </a:rPr>
+              <a:t>);</a:t>
+            </a:r>
+            <a:endParaRPr kumimoji="0" lang="en-US" sz="1050" b="1" i="0" strike="noStrike" cap="none" normalizeH="0" baseline="0" dirty="0" smtClean="0">
+              <a:ln>
+                <a:noFill/>
+              </a:ln>
+              <a:solidFill>
+                <a:schemeClr val="tx1"/>
+              </a:solidFill>
+              <a:effectLst/>
+              <a:latin typeface="Courier New" pitchFamily="49" charset="0"/>
+              <a:cs typeface="Courier New" pitchFamily="49" charset="0"/>
+            </a:endParaRPr>
+          </a:p>
+        </p:txBody>
+      </p:sp>
+    </p:spTree>
+  </p:cSld>
+  <p:clrMapOvr>
+    <a:masterClrMapping/>
+  </p:clrMapOvr>
+</p:sld>
+</file>
+
+<file path=ppt/slides/slide12.xml><?xml version="1.0" encoding="utf-8"?>
 <p:sld xmlns:a="http://schemas.openxmlformats.org/drawingml/2006/main" xmlns:r="http://schemas.openxmlformats.org/officeDocument/2006/relationships" xmlns:p="http://schemas.openxmlformats.org/presentationml/2006/main">
   <p:cSld>
     <p:spTree>
@@ -5103,7 +7913,7 @@
 </p:sld>
 </file>
 
-<file path=ppt/slides/slide11.xml><?xml version="1.0" encoding="utf-8"?>
+<file path=ppt/slides/slide13.xml><?xml version="1.0" encoding="utf-8"?>
 <p:sld xmlns:a="http://schemas.openxmlformats.org/drawingml/2006/main" xmlns:r="http://schemas.openxmlformats.org/officeDocument/2006/relationships" xmlns:p="http://schemas.openxmlformats.org/presentationml/2006/main">
   <p:cSld>
     <p:spTree>
@@ -5122,6 +7932,71 @@
       </p:grpSpPr>
       <p:sp>
         <p:nvSpPr>
+          <p:cNvPr id="4" name="Rectangle 3"/>
+          <p:cNvSpPr/>
+          <p:nvPr/>
+        </p:nvSpPr>
+        <p:spPr bwMode="auto">
+          <a:xfrm>
+            <a:off x="0" y="2133600"/>
+            <a:ext cx="9144000" cy="609600"/>
+          </a:xfrm>
+          <a:prstGeom prst="rect">
+            <a:avLst/>
+          </a:prstGeom>
+          <a:solidFill>
+            <a:srgbClr val="FFFF00"/>
+          </a:solidFill>
+          <a:ln w="9525" cap="flat" cmpd="sng" algn="ctr">
+            <a:solidFill>
+              <a:schemeClr val="tx1"/>
+            </a:solidFill>
+            <a:prstDash val="solid"/>
+            <a:round/>
+            <a:headEnd type="none" w="med" len="med"/>
+            <a:tailEnd type="none" w="med" len="med"/>
+          </a:ln>
+          <a:effectLst/>
+        </p:spPr>
+        <p:txBody>
+          <a:bodyPr vert="horz" wrap="square" lIns="91440" tIns="45720" rIns="91440" bIns="45720" numCol="1" rtlCol="0" anchor="t" anchorCtr="0" compatLnSpc="1">
+            <a:prstTxWarp prst="textNoShape">
+              <a:avLst/>
+            </a:prstTxWarp>
+          </a:bodyPr>
+          <a:lstStyle/>
+          <a:p>
+            <a:pPr marL="0" marR="0" indent="0" algn="l" defTabSz="914400" rtl="0" eaLnBrk="0" fontAlgn="base" latinLnBrk="0" hangingPunct="0">
+              <a:lnSpc>
+                <a:spcPct val="100000"/>
+              </a:lnSpc>
+              <a:spcBef>
+                <a:spcPct val="0"/>
+              </a:spcBef>
+              <a:spcAft>
+                <a:spcPct val="0"/>
+              </a:spcAft>
+              <a:buClrTx/>
+              <a:buSzTx/>
+              <a:buFontTx/>
+              <a:buNone/>
+              <a:tabLst/>
+            </a:pPr>
+            <a:endParaRPr kumimoji="0" lang="en-US" sz="1800" b="0" i="0" u="none" strike="noStrike" cap="none" normalizeH="0" baseline="0" smtClean="0">
+              <a:ln>
+                <a:noFill/>
+              </a:ln>
+              <a:solidFill>
+                <a:schemeClr val="tx1"/>
+              </a:solidFill>
+              <a:effectLst/>
+              <a:latin typeface="Arial" pitchFamily="34" charset="0"/>
+            </a:endParaRPr>
+          </a:p>
+        </p:txBody>
+      </p:sp>
+      <p:sp>
+        <p:nvSpPr>
           <p:cNvPr id="2" name="Title 1"/>
           <p:cNvSpPr>
             <a:spLocks noGrp="1"/>
@@ -5137,7 +8012,7 @@
           <a:p>
             <a:r>
               <a:rPr lang="en-US" dirty="0" smtClean="0"/>
-              <a:t>IPC Module</a:t>
+              <a:t>Agenda</a:t>
             </a:r>
             <a:endParaRPr lang="en-US" dirty="0"/>
           </a:p>
@@ -5160,82 +8035,23 @@
           <a:p>
             <a:r>
               <a:rPr lang="en-US" dirty="0" smtClean="0"/>
-              <a:t>Initializes subsystems of IPC</a:t>
-            </a:r>
-          </a:p>
-          <a:p>
-            <a:r>
-              <a:rPr lang="en-US" b="1" i="1" dirty="0" smtClean="0"/>
-              <a:t>All</a:t>
-            </a:r>
+              <a:t>IPC Overview</a:t>
+            </a:r>
+          </a:p>
+          <a:p>
             <a:r>
               <a:rPr lang="en-US" dirty="0" smtClean="0"/>
-              <a:t> applications that use IPC Modules </a:t>
-            </a:r>
-            <a:r>
-              <a:rPr lang="en-US" b="1" i="1" dirty="0" smtClean="0"/>
-              <a:t>must</a:t>
-            </a:r>
+              <a:t>IPC Configurations</a:t>
+            </a:r>
+          </a:p>
+          <a:p>
             <a:r>
               <a:rPr lang="en-US" dirty="0" smtClean="0"/>
-              <a:t> call </a:t>
-            </a:r>
-            <a:r>
-              <a:rPr lang="en-US" dirty="0" err="1" smtClean="0"/>
-              <a:t>IPC_start</a:t>
-            </a:r>
-            <a:r>
-              <a:rPr lang="en-US" dirty="0" smtClean="0"/>
-              <a:t>()</a:t>
-            </a:r>
-          </a:p>
-          <a:p>
-            <a:r>
-              <a:rPr lang="en-US" dirty="0" smtClean="0"/>
-              <a:t>Configuration Specifics</a:t>
-            </a:r>
-          </a:p>
-          <a:p>
-            <a:pPr lvl="1"/>
-            <a:r>
-              <a:rPr lang="en-US" b="1" dirty="0" err="1" smtClean="0"/>
-              <a:t>setupNotify</a:t>
-            </a:r>
-            <a:r>
-              <a:rPr lang="en-US" b="1" dirty="0" smtClean="0"/>
-              <a:t> </a:t>
-            </a:r>
-            <a:r>
-              <a:rPr lang="en-US" dirty="0" smtClean="0"/>
-              <a:t>specifies whether to setup and start the Notify module</a:t>
-            </a:r>
-          </a:p>
-          <a:p>
-            <a:pPr lvl="1"/>
-            <a:r>
-              <a:rPr lang="en-US" b="1" dirty="0" err="1" smtClean="0"/>
-              <a:t>setupMessageQ</a:t>
-            </a:r>
-            <a:r>
-              <a:rPr lang="en-US" b="1" dirty="0" smtClean="0"/>
-              <a:t> </a:t>
-            </a:r>
-            <a:r>
-              <a:rPr lang="en-US" dirty="0" smtClean="0"/>
-              <a:t>specifies whether to setup the </a:t>
-            </a:r>
-            <a:r>
-              <a:rPr lang="en-US" dirty="0" err="1" smtClean="0"/>
-              <a:t>MessageQ</a:t>
-            </a:r>
-            <a:r>
-              <a:rPr lang="en-US" dirty="0" smtClean="0"/>
-              <a:t> module</a:t>
-            </a:r>
-          </a:p>
-          <a:p>
-            <a:pPr lvl="1"/>
-            <a:endParaRPr lang="en-US" b="1" dirty="0"/>
+              <a:t>IPC Module Details</a:t>
+            </a:r>
+          </a:p>
+          <a:p>
+            <a:endParaRPr lang="en-US" dirty="0"/>
           </a:p>
         </p:txBody>
       </p:sp>
@@ -5247,7 +8063,151 @@
 </p:sld>
 </file>
 
-<file path=ppt/slides/slide12.xml><?xml version="1.0" encoding="utf-8"?>
+<file path=ppt/slides/slide14.xml><?xml version="1.0" encoding="utf-8"?>
+<p:sld xmlns:a="http://schemas.openxmlformats.org/drawingml/2006/main" xmlns:r="http://schemas.openxmlformats.org/officeDocument/2006/relationships" xmlns:p="http://schemas.openxmlformats.org/presentationml/2006/main">
+  <p:cSld>
+    <p:spTree>
+      <p:nvGrpSpPr>
+        <p:cNvPr id="1" name=""/>
+        <p:cNvGrpSpPr/>
+        <p:nvPr/>
+      </p:nvGrpSpPr>
+      <p:grpSpPr>
+        <a:xfrm>
+          <a:off x="0" y="0"/>
+          <a:ext cx="0" cy="0"/>
+          <a:chOff x="0" y="0"/>
+          <a:chExt cx="0" cy="0"/>
+        </a:xfrm>
+      </p:grpSpPr>
+      <p:sp>
+        <p:nvSpPr>
+          <p:cNvPr id="2" name="Title 1"/>
+          <p:cNvSpPr>
+            <a:spLocks noGrp="1"/>
+          </p:cNvSpPr>
+          <p:nvPr>
+            <p:ph type="title"/>
+          </p:nvPr>
+        </p:nvSpPr>
+        <p:spPr/>
+        <p:txBody>
+          <a:bodyPr/>
+          <a:lstStyle/>
+          <a:p>
+            <a:r>
+              <a:rPr lang="en-US" dirty="0" smtClean="0"/>
+              <a:t>IPC Module</a:t>
+            </a:r>
+            <a:endParaRPr lang="en-US" dirty="0"/>
+          </a:p>
+        </p:txBody>
+      </p:sp>
+      <p:sp>
+        <p:nvSpPr>
+          <p:cNvPr id="3" name="Content Placeholder 2"/>
+          <p:cNvSpPr>
+            <a:spLocks noGrp="1"/>
+          </p:cNvSpPr>
+          <p:nvPr>
+            <p:ph idx="1"/>
+          </p:nvPr>
+        </p:nvSpPr>
+        <p:spPr/>
+        <p:txBody>
+          <a:bodyPr/>
+          <a:lstStyle/>
+          <a:p>
+            <a:r>
+              <a:rPr lang="en-US" dirty="0" smtClean="0"/>
+              <a:t>Initializes subsystems of IPC</a:t>
+            </a:r>
+          </a:p>
+          <a:p>
+            <a:r>
+              <a:rPr lang="en-US" b="1" i="1" dirty="0" smtClean="0"/>
+              <a:t>All</a:t>
+            </a:r>
+            <a:r>
+              <a:rPr lang="en-US" dirty="0" smtClean="0"/>
+              <a:t> applications that use IPC Modules </a:t>
+            </a:r>
+            <a:r>
+              <a:rPr lang="en-US" b="1" i="1" dirty="0" smtClean="0"/>
+              <a:t>must</a:t>
+            </a:r>
+            <a:r>
+              <a:rPr lang="en-US" dirty="0" smtClean="0"/>
+              <a:t> call </a:t>
+            </a:r>
+            <a:r>
+              <a:rPr lang="en-US" dirty="0" err="1" smtClean="0"/>
+              <a:t>IPC_start</a:t>
+            </a:r>
+            <a:r>
+              <a:rPr lang="en-US" dirty="0" smtClean="0"/>
+              <a:t>()</a:t>
+            </a:r>
+          </a:p>
+          <a:p>
+            <a:r>
+              <a:rPr lang="en-US" dirty="0" smtClean="0"/>
+              <a:t>Configuration Specifics</a:t>
+            </a:r>
+          </a:p>
+          <a:p>
+            <a:pPr lvl="1"/>
+            <a:r>
+              <a:rPr lang="en-US" b="1" dirty="0" err="1" smtClean="0"/>
+              <a:t>setupNotify</a:t>
+            </a:r>
+            <a:r>
+              <a:rPr lang="en-US" b="1" dirty="0" smtClean="0"/>
+              <a:t> </a:t>
+            </a:r>
+            <a:r>
+              <a:rPr lang="en-US" dirty="0" smtClean="0"/>
+              <a:t>specifies whether to setup and start the Notify module</a:t>
+            </a:r>
+          </a:p>
+          <a:p>
+            <a:pPr lvl="1"/>
+            <a:r>
+              <a:rPr lang="en-US" b="1" dirty="0" err="1" smtClean="0"/>
+              <a:t>setupMessageQ</a:t>
+            </a:r>
+            <a:r>
+              <a:rPr lang="en-US" b="1" dirty="0" smtClean="0"/>
+              <a:t> </a:t>
+            </a:r>
+            <a:r>
+              <a:rPr lang="en-US" dirty="0" smtClean="0"/>
+              <a:t>specifies whether to setup the </a:t>
+            </a:r>
+            <a:r>
+              <a:rPr lang="en-US" dirty="0" err="1" smtClean="0"/>
+              <a:t>MessageQ</a:t>
+            </a:r>
+            <a:r>
+              <a:rPr lang="en-US" dirty="0" smtClean="0"/>
+              <a:t> module</a:t>
+            </a:r>
+          </a:p>
+          <a:p>
+            <a:pPr lvl="1"/>
+            <a:endParaRPr lang="en-US" b="1" dirty="0"/>
+          </a:p>
+        </p:txBody>
+      </p:sp>
+    </p:spTree>
+  </p:cSld>
+  <p:clrMapOvr>
+    <a:masterClrMapping/>
+  </p:clrMapOvr>
+</p:sld>
+</file>
+
+<file path=ppt/slides/slide15.xml><?xml version="1.0" encoding="utf-8"?>
 <p:sld xmlns:a="http://schemas.openxmlformats.org/drawingml/2006/main" xmlns:r="http://schemas.openxmlformats.org/officeDocument/2006/relationships" xmlns:p="http://schemas.openxmlformats.org/presentationml/2006/main">
   <p:cSld>
     <p:spTree>
@@ -6128,398 +9088,6 @@
 </p:sld>
 </file>
 
-<file path=ppt/slides/slide13.xml><?xml version="1.0" encoding="utf-8"?>
-<p:sld xmlns:a="http://schemas.openxmlformats.org/drawingml/2006/main" xmlns:r="http://schemas.openxmlformats.org/officeDocument/2006/relationships" xmlns:p="http://schemas.openxmlformats.org/presentationml/2006/main">
-  <p:cSld>
-    <p:spTree>
-      <p:nvGrpSpPr>
-        <p:cNvPr id="1" name=""/>
-        <p:cNvGrpSpPr/>
-        <p:nvPr/>
-      </p:nvGrpSpPr>
-      <p:grpSpPr>
-        <a:xfrm>
-          <a:off x="0" y="0"/>
-          <a:ext cx="0" cy="0"/>
-          <a:chOff x="0" y="0"/>
-          <a:chExt cx="0" cy="0"/>
-        </a:xfrm>
-      </p:grpSpPr>
-      <p:sp>
-        <p:nvSpPr>
-          <p:cNvPr id="2" name="Title 1"/>
-          <p:cNvSpPr>
-            <a:spLocks noGrp="1"/>
-          </p:cNvSpPr>
-          <p:nvPr>
-            <p:ph type="title"/>
-          </p:nvPr>
-        </p:nvSpPr>
-        <p:spPr/>
-        <p:txBody>
-          <a:bodyPr/>
-          <a:lstStyle/>
-          <a:p>
-            <a:r>
-              <a:rPr lang="en-US" dirty="0" err="1" smtClean="0"/>
-              <a:t>ListMP</a:t>
-            </a:r>
-            <a:r>
-              <a:rPr lang="en-US" dirty="0" smtClean="0"/>
-              <a:t> Module</a:t>
-            </a:r>
-            <a:endParaRPr lang="en-US" dirty="0"/>
-          </a:p>
-        </p:txBody>
-      </p:sp>
-      <p:sp>
-        <p:nvSpPr>
-          <p:cNvPr id="3" name="Content Placeholder 2"/>
-          <p:cNvSpPr>
-            <a:spLocks noGrp="1"/>
-          </p:cNvSpPr>
-          <p:nvPr>
-            <p:ph idx="1"/>
-          </p:nvPr>
-        </p:nvSpPr>
-        <p:spPr/>
-        <p:txBody>
-          <a:bodyPr/>
-          <a:lstStyle/>
-          <a:p>
-            <a:r>
-              <a:rPr lang="en-US" dirty="0" smtClean="0"/>
-              <a:t>Uses shared memory to provide a way for processors to share, pass, and store data buffers</a:t>
-            </a:r>
-          </a:p>
-          <a:p>
-            <a:r>
-              <a:rPr lang="en-US" dirty="0" smtClean="0"/>
-              <a:t>Uses multi-processor gate to prevent multiple processors from simultaneously accessing the same linked list</a:t>
-            </a:r>
-          </a:p>
-          <a:p>
-            <a:endParaRPr lang="en-US" dirty="0"/>
-          </a:p>
-        </p:txBody>
-      </p:sp>
-    </p:spTree>
-  </p:cSld>
-  <p:clrMapOvr>
-    <a:masterClrMapping/>
-  </p:clrMapOvr>
-</p:sld>
-</file>
-
-<file path=ppt/slides/slide14.xml><?xml version="1.0" encoding="utf-8"?>
-<p:sld xmlns:a="http://schemas.openxmlformats.org/drawingml/2006/main" xmlns:r="http://schemas.openxmlformats.org/officeDocument/2006/relationships" xmlns:p="http://schemas.openxmlformats.org/presentationml/2006/main">
-  <p:cSld>
-    <p:spTree>
-      <p:nvGrpSpPr>
-        <p:cNvPr id="1" name=""/>
-        <p:cNvGrpSpPr/>
-        <p:nvPr/>
-      </p:nvGrpSpPr>
-      <p:grpSpPr>
-        <a:xfrm>
-          <a:off x="0" y="0"/>
-          <a:ext cx="0" cy="0"/>
-          <a:chOff x="0" y="0"/>
-          <a:chExt cx="0" cy="0"/>
-        </a:xfrm>
-      </p:grpSpPr>
-      <p:sp>
-        <p:nvSpPr>
-          <p:cNvPr id="2" name="Title 1"/>
-          <p:cNvSpPr>
-            <a:spLocks noGrp="1"/>
-          </p:cNvSpPr>
-          <p:nvPr>
-            <p:ph type="title"/>
-          </p:nvPr>
-        </p:nvSpPr>
-        <p:spPr/>
-        <p:txBody>
-          <a:bodyPr/>
-          <a:lstStyle/>
-          <a:p>
-            <a:r>
-              <a:rPr lang="en-US" dirty="0" err="1" smtClean="0"/>
-              <a:t>ListMP</a:t>
-            </a:r>
-            <a:r>
-              <a:rPr lang="en-US" dirty="0" smtClean="0"/>
-              <a:t> APIs</a:t>
-            </a:r>
-            <a:endParaRPr lang="en-US" dirty="0"/>
-          </a:p>
-        </p:txBody>
-      </p:sp>
-      <p:sp>
-        <p:nvSpPr>
-          <p:cNvPr id="3" name="Content Placeholder 2"/>
-          <p:cNvSpPr>
-            <a:spLocks noGrp="1"/>
-          </p:cNvSpPr>
-          <p:nvPr>
-            <p:ph idx="1"/>
-          </p:nvPr>
-        </p:nvSpPr>
-        <p:spPr/>
-        <p:txBody>
-          <a:bodyPr/>
-          <a:lstStyle/>
-          <a:p>
-            <a:r>
-              <a:rPr lang="en-US" sz="2400" dirty="0" err="1" smtClean="0"/>
-              <a:t>ListMP_empty</a:t>
-            </a:r>
-            <a:r>
-              <a:rPr lang="en-US" sz="2400" dirty="0" smtClean="0"/>
-              <a:t>() – test for empty </a:t>
-            </a:r>
-            <a:r>
-              <a:rPr lang="en-US" sz="2400" dirty="0" err="1" smtClean="0"/>
-              <a:t>ListMP</a:t>
-            </a:r>
-            <a:endParaRPr lang="en-US" sz="2400" dirty="0" smtClean="0"/>
-          </a:p>
-          <a:p>
-            <a:r>
-              <a:rPr lang="en-US" sz="2400" dirty="0" err="1" smtClean="0"/>
-              <a:t>ListMP_getHead</a:t>
-            </a:r>
-            <a:r>
-              <a:rPr lang="en-US" sz="2400" dirty="0" smtClean="0"/>
-              <a:t>() – Get the element from the front of the </a:t>
-            </a:r>
-            <a:r>
-              <a:rPr lang="en-US" sz="2400" dirty="0" err="1" smtClean="0"/>
-              <a:t>ListMP</a:t>
-            </a:r>
-            <a:endParaRPr lang="en-US" sz="2400" dirty="0" smtClean="0"/>
-          </a:p>
-          <a:p>
-            <a:r>
-              <a:rPr lang="en-US" sz="2400" dirty="0" err="1" smtClean="0"/>
-              <a:t>ListMP_getTail</a:t>
-            </a:r>
-            <a:r>
-              <a:rPr lang="en-US" sz="2400" dirty="0" smtClean="0"/>
-              <a:t>() – Get the element from the end of the </a:t>
-            </a:r>
-            <a:r>
-              <a:rPr lang="en-US" sz="2400" dirty="0" err="1" smtClean="0"/>
-              <a:t>ListMP</a:t>
-            </a:r>
-            <a:endParaRPr lang="en-US" sz="2400" dirty="0" smtClean="0"/>
-          </a:p>
-          <a:p>
-            <a:r>
-              <a:rPr lang="en-US" sz="2400" dirty="0" err="1" smtClean="0"/>
-              <a:t>ListMP_insert</a:t>
-            </a:r>
-            <a:r>
-              <a:rPr lang="en-US" sz="2400" dirty="0" smtClean="0"/>
-              <a:t>() – Insert element into </a:t>
-            </a:r>
-            <a:r>
-              <a:rPr lang="en-US" sz="2400" dirty="0" err="1" smtClean="0"/>
-              <a:t>ListMP</a:t>
-            </a:r>
-            <a:r>
-              <a:rPr lang="en-US" sz="2400" dirty="0" smtClean="0"/>
-              <a:t> at current location</a:t>
-            </a:r>
-          </a:p>
-          <a:p>
-            <a:r>
-              <a:rPr lang="en-US" sz="2400" dirty="0" err="1" smtClean="0"/>
-              <a:t>ListMP_next</a:t>
-            </a:r>
-            <a:r>
-              <a:rPr lang="en-US" sz="2400" dirty="0" smtClean="0"/>
-              <a:t>() – Return the next element in the </a:t>
-            </a:r>
-            <a:r>
-              <a:rPr lang="en-US" sz="2400" dirty="0" err="1" smtClean="0"/>
-              <a:t>ListMP</a:t>
-            </a:r>
-            <a:endParaRPr lang="en-US" sz="2400" dirty="0" smtClean="0"/>
-          </a:p>
-          <a:p>
-            <a:r>
-              <a:rPr lang="en-US" sz="2400" dirty="0" err="1" smtClean="0"/>
-              <a:t>ListMP_prev</a:t>
-            </a:r>
-            <a:r>
-              <a:rPr lang="en-US" sz="2400" dirty="0" smtClean="0"/>
-              <a:t>() – Return the previous element in the </a:t>
-            </a:r>
-            <a:r>
-              <a:rPr lang="en-US" sz="2400" dirty="0" err="1" smtClean="0"/>
-              <a:t>ListMP</a:t>
-            </a:r>
-            <a:endParaRPr lang="en-US" sz="2400" dirty="0" smtClean="0"/>
-          </a:p>
-          <a:p>
-            <a:r>
-              <a:rPr lang="en-US" sz="2400" dirty="0" err="1" smtClean="0"/>
-              <a:t>ListMP_putHead</a:t>
-            </a:r>
-            <a:r>
-              <a:rPr lang="en-US" sz="2400" dirty="0" smtClean="0"/>
-              <a:t>() – Put an element at the head of the </a:t>
-            </a:r>
-            <a:r>
-              <a:rPr lang="en-US" sz="2400" dirty="0" err="1" smtClean="0"/>
-              <a:t>ListMP</a:t>
-            </a:r>
-            <a:endParaRPr lang="en-US" sz="2400" dirty="0" smtClean="0"/>
-          </a:p>
-          <a:p>
-            <a:r>
-              <a:rPr lang="en-US" sz="2400" dirty="0" err="1" smtClean="0"/>
-              <a:t>ListMP_putTail</a:t>
-            </a:r>
-            <a:r>
-              <a:rPr lang="en-US" sz="2400" dirty="0" smtClean="0"/>
-              <a:t>() – Put an element at the tail of the </a:t>
-            </a:r>
-            <a:r>
-              <a:rPr lang="en-US" sz="2400" dirty="0" err="1" smtClean="0"/>
-              <a:t>ListMP</a:t>
-            </a:r>
-            <a:endParaRPr lang="en-US" sz="2400" dirty="0" smtClean="0"/>
-          </a:p>
-          <a:p>
-            <a:r>
-              <a:rPr lang="en-US" sz="2400" dirty="0" err="1" smtClean="0"/>
-              <a:t>ListMP_remove</a:t>
-            </a:r>
-            <a:r>
-              <a:rPr lang="en-US" sz="2400" dirty="0" smtClean="0"/>
-              <a:t>() – Remove the current element from the </a:t>
-            </a:r>
-            <a:r>
-              <a:rPr lang="en-US" sz="2400" dirty="0" err="1" smtClean="0"/>
-              <a:t>ListMP</a:t>
-            </a:r>
-            <a:endParaRPr lang="en-US" sz="2400" dirty="0" smtClean="0"/>
-          </a:p>
-          <a:p>
-            <a:endParaRPr lang="en-US" sz="2400" dirty="0"/>
-          </a:p>
-        </p:txBody>
-      </p:sp>
-    </p:spTree>
-  </p:cSld>
-  <p:clrMapOvr>
-    <a:masterClrMapping/>
-  </p:clrMapOvr>
-</p:sld>
-</file>
-
-<file path=ppt/slides/slide15.xml><?xml version="1.0" encoding="utf-8"?>
-<p:sld xmlns:a="http://schemas.openxmlformats.org/drawingml/2006/main" xmlns:r="http://schemas.openxmlformats.org/officeDocument/2006/relationships" xmlns:p="http://schemas.openxmlformats.org/presentationml/2006/main">
-  <p:cSld>
-    <p:spTree>
-      <p:nvGrpSpPr>
-        <p:cNvPr id="1" name=""/>
-        <p:cNvGrpSpPr/>
-        <p:nvPr/>
-      </p:nvGrpSpPr>
-      <p:grpSpPr>
-        <a:xfrm>
-          <a:off x="0" y="0"/>
-          <a:ext cx="0" cy="0"/>
-          <a:chOff x="0" y="0"/>
-          <a:chExt cx="0" cy="0"/>
-        </a:xfrm>
-      </p:grpSpPr>
-      <p:sp>
-        <p:nvSpPr>
-          <p:cNvPr id="2" name="Title 1"/>
-          <p:cNvSpPr>
-            <a:spLocks noGrp="1"/>
-          </p:cNvSpPr>
-          <p:nvPr>
-            <p:ph type="title"/>
-          </p:nvPr>
-        </p:nvSpPr>
-        <p:spPr/>
-        <p:txBody>
-          <a:bodyPr/>
-          <a:lstStyle/>
-          <a:p>
-            <a:r>
-              <a:rPr lang="en-US" dirty="0" smtClean="0"/>
-              <a:t>Heap*MP Modules</a:t>
-            </a:r>
-            <a:endParaRPr lang="en-US" dirty="0"/>
-          </a:p>
-        </p:txBody>
-      </p:sp>
-      <p:sp>
-        <p:nvSpPr>
-          <p:cNvPr id="3" name="Content Placeholder 2"/>
-          <p:cNvSpPr>
-            <a:spLocks noGrp="1"/>
-          </p:cNvSpPr>
-          <p:nvPr>
-            <p:ph idx="1"/>
-          </p:nvPr>
-        </p:nvSpPr>
-        <p:spPr/>
-        <p:txBody>
-          <a:bodyPr/>
-          <a:lstStyle/>
-          <a:p>
-            <a:r>
-              <a:rPr lang="en-US" dirty="0" err="1" smtClean="0"/>
-              <a:t>HeapBufMP</a:t>
-            </a:r>
-            <a:r>
-              <a:rPr lang="en-US" dirty="0" smtClean="0"/>
-              <a:t> – Fixed size memory manager (All allocated buffers are of the same size)</a:t>
-            </a:r>
-          </a:p>
-          <a:p>
-            <a:r>
-              <a:rPr lang="en-US" dirty="0" err="1" smtClean="0"/>
-              <a:t>HeapMultiBufMP</a:t>
-            </a:r>
-            <a:r>
-              <a:rPr lang="en-US" dirty="0" smtClean="0"/>
-              <a:t> – Each instance supports up to 8 different fixed sizes of buffers.</a:t>
-            </a:r>
-          </a:p>
-          <a:p>
-            <a:r>
-              <a:rPr lang="en-US" dirty="0" err="1" smtClean="0"/>
-              <a:t>HeapMemMP</a:t>
-            </a:r>
-            <a:r>
-              <a:rPr lang="en-US" dirty="0" smtClean="0"/>
-              <a:t> – Variable-size memory manager</a:t>
-            </a:r>
-          </a:p>
-          <a:p>
-            <a:endParaRPr lang="en-US" dirty="0" smtClean="0"/>
-          </a:p>
-          <a:p>
-            <a:endParaRPr lang="en-US" dirty="0"/>
-          </a:p>
-        </p:txBody>
-      </p:sp>
-    </p:spTree>
-  </p:cSld>
-  <p:clrMapOvr>
-    <a:masterClrMapping/>
-  </p:clrMapOvr>
-</p:sld>
-</file>
-
 <file path=ppt/slides/slide16.xml><?xml version="1.0" encoding="utf-8"?>
 <p:sld xmlns:a="http://schemas.openxmlformats.org/drawingml/2006/main" xmlns:r="http://schemas.openxmlformats.org/officeDocument/2006/relationships" xmlns:p="http://schemas.openxmlformats.org/presentationml/2006/main">
   <p:cSld>
@@ -6554,7 +9122,7 @@
           <a:p>
             <a:r>
               <a:rPr lang="en-US" dirty="0" err="1" smtClean="0"/>
-              <a:t>GateMP</a:t>
+              <a:t>ListMP</a:t>
             </a:r>
             <a:r>
               <a:rPr lang="en-US" dirty="0" smtClean="0"/>
@@ -6581,39 +9149,16 @@
           <a:p>
             <a:r>
               <a:rPr lang="en-US" dirty="0" smtClean="0"/>
-              <a:t>Can be used to enforce both local and remote </a:t>
-            </a:r>
-            <a:r>
-              <a:rPr lang="en-US" dirty="0" err="1" smtClean="0"/>
-              <a:t>contect</a:t>
-            </a:r>
+              <a:t>Uses shared memory to provide a way for processors to share, pass, and store data buffers</a:t>
+            </a:r>
+          </a:p>
+          <a:p>
             <a:r>
               <a:rPr lang="en-US" dirty="0" smtClean="0"/>
-              <a:t> protection</a:t>
-            </a:r>
-          </a:p>
-          <a:p>
-            <a:pPr lvl="1"/>
-            <a:r>
-              <a:rPr lang="en-US" dirty="0" smtClean="0"/>
-              <a:t>Can prevent preemption by another thread running on the same processor</a:t>
-            </a:r>
-          </a:p>
-          <a:p>
-            <a:pPr lvl="1"/>
-            <a:r>
-              <a:rPr lang="en-US" dirty="0" smtClean="0"/>
-              <a:t>Can prevent a remote processor from entering the same Gate.</a:t>
-            </a:r>
-          </a:p>
-          <a:p>
-            <a:r>
-              <a:rPr lang="en-US" dirty="0" smtClean="0"/>
-              <a:t>Typically used to protect reads/writes to a shared resource</a:t>
-            </a:r>
-          </a:p>
-          <a:p>
-            <a:pPr lvl="1"/>
+              <a:t>Uses multi-processor gate to prevent multiple processors from simultaneously accessing the same linked list</a:t>
+            </a:r>
+          </a:p>
+          <a:p>
             <a:endParaRPr lang="en-US" dirty="0"/>
           </a:p>
         </p:txBody>
@@ -6660,7 +9205,7 @@
           <a:p>
             <a:r>
               <a:rPr lang="en-US" dirty="0" err="1" smtClean="0"/>
-              <a:t>GateMP</a:t>
+              <a:t>ListMP</a:t>
             </a:r>
             <a:r>
               <a:rPr lang="en-US" dirty="0" smtClean="0"/>
@@ -6686,80 +9231,144 @@
           <a:lstStyle/>
           <a:p>
             <a:r>
-              <a:rPr lang="en-US" dirty="0" err="1" smtClean="0"/>
-              <a:t>GateMP_open</a:t>
-            </a:r>
-            <a:r>
-              <a:rPr lang="en-US" dirty="0" smtClean="0"/>
-              <a:t>() – create </a:t>
-            </a:r>
-            <a:r>
-              <a:rPr lang="en-US" dirty="0" err="1" smtClean="0"/>
-              <a:t>GateMP</a:t>
-            </a:r>
-            <a:r>
-              <a:rPr lang="en-US" dirty="0" smtClean="0"/>
-              <a:t> instance</a:t>
-            </a:r>
-          </a:p>
-          <a:p>
-            <a:r>
-              <a:rPr lang="en-US" dirty="0" err="1" smtClean="0"/>
-              <a:t>GateMP_close</a:t>
-            </a:r>
-            <a:r>
-              <a:rPr lang="en-US" dirty="0" smtClean="0"/>
-              <a:t>() – free </a:t>
-            </a:r>
-            <a:r>
-              <a:rPr lang="en-US" dirty="0" err="1" smtClean="0"/>
-              <a:t>GateMP</a:t>
-            </a:r>
-            <a:r>
-              <a:rPr lang="en-US" dirty="0" smtClean="0"/>
-              <a:t> instance</a:t>
-            </a:r>
-          </a:p>
-          <a:p>
-            <a:r>
-              <a:rPr lang="en-US" dirty="0" err="1" smtClean="0"/>
-              <a:t>GateMP_delete</a:t>
-            </a:r>
-            <a:r>
-              <a:rPr lang="en-US" dirty="0" smtClean="0"/>
-              <a:t>() – similar to –close() with the addition of the shared memory being flagged</a:t>
-            </a:r>
-          </a:p>
-          <a:p>
-            <a:r>
-              <a:rPr lang="en-US" dirty="0" err="1" smtClean="0"/>
-              <a:t>GateMP_enter</a:t>
-            </a:r>
-            <a:r>
-              <a:rPr lang="en-US" dirty="0" smtClean="0"/>
-              <a:t>() – gain access to the shared data protected by the gate</a:t>
-            </a:r>
-          </a:p>
-          <a:p>
-            <a:r>
-              <a:rPr lang="en-US" dirty="0" err="1" smtClean="0"/>
-              <a:t>GateMP_leave</a:t>
-            </a:r>
-            <a:r>
-              <a:rPr lang="en-US" dirty="0" smtClean="0"/>
-              <a:t>() – Return access control to the shared data</a:t>
-            </a:r>
-          </a:p>
-          <a:p>
-            <a:r>
-              <a:rPr lang="en-US" dirty="0" err="1" smtClean="0"/>
-              <a:t>GateMP_query</a:t>
-            </a:r>
-            <a:r>
-              <a:rPr lang="en-US" dirty="0" smtClean="0"/>
-              <a:t>() – Test a gate for Blocking and Preempting qualities</a:t>
-            </a:r>
-            <a:endParaRPr lang="en-US" dirty="0"/>
+              <a:rPr lang="en-US" sz="2400" dirty="0" err="1" smtClean="0"/>
+              <a:t>ListMP_empty</a:t>
+            </a:r>
+            <a:r>
+              <a:rPr lang="en-US" sz="2400" dirty="0" smtClean="0"/>
+              <a:t>() – test for empty </a:t>
+            </a:r>
+            <a:r>
+              <a:rPr lang="en-US" sz="2400" dirty="0" err="1" smtClean="0"/>
+              <a:t>ListMP</a:t>
+            </a:r>
+            <a:endParaRPr lang="en-US" sz="2400" dirty="0" smtClean="0"/>
+          </a:p>
+          <a:p>
+            <a:r>
+              <a:rPr lang="en-US" sz="2400" dirty="0" err="1" smtClean="0"/>
+              <a:t>ListMP_getHead</a:t>
+            </a:r>
+            <a:r>
+              <a:rPr lang="en-US" sz="2400" dirty="0" smtClean="0"/>
+              <a:t>() – Get the element from the front of the </a:t>
+            </a:r>
+            <a:r>
+              <a:rPr lang="en-US" sz="2400" dirty="0" err="1" smtClean="0"/>
+              <a:t>ListMP</a:t>
+            </a:r>
+            <a:endParaRPr lang="en-US" sz="2400" dirty="0" smtClean="0"/>
+          </a:p>
+          <a:p>
+            <a:r>
+              <a:rPr lang="en-US" sz="2400" dirty="0" err="1" smtClean="0"/>
+              <a:t>ListMP_getTail</a:t>
+            </a:r>
+            <a:r>
+              <a:rPr lang="en-US" sz="2400" dirty="0" smtClean="0"/>
+              <a:t>() – Get the element from the end of the </a:t>
+            </a:r>
+            <a:r>
+              <a:rPr lang="en-US" sz="2400" dirty="0" err="1" smtClean="0"/>
+              <a:t>ListMP</a:t>
+            </a:r>
+            <a:endParaRPr lang="en-US" sz="2400" dirty="0" smtClean="0"/>
+          </a:p>
+          <a:p>
+            <a:r>
+              <a:rPr lang="en-US" sz="2400" dirty="0" err="1" smtClean="0"/>
+              <a:t>ListMP_insert</a:t>
+            </a:r>
+            <a:r>
+              <a:rPr lang="en-US" sz="2400" dirty="0" smtClean="0"/>
+              <a:t>() – Insert element into </a:t>
+            </a:r>
+            <a:r>
+              <a:rPr lang="en-US" sz="2400" dirty="0" err="1" smtClean="0"/>
+              <a:t>ListMP</a:t>
+            </a:r>
+            <a:r>
+              <a:rPr lang="en-US" sz="2400" dirty="0" smtClean="0"/>
+              <a:t> at current location</a:t>
+            </a:r>
+          </a:p>
+          <a:p>
+            <a:r>
+              <a:rPr lang="en-US" sz="2400" dirty="0" err="1" smtClean="0"/>
+              <a:t>ListMP_next</a:t>
+            </a:r>
+            <a:r>
+              <a:rPr lang="en-US" sz="2400" dirty="0" smtClean="0"/>
+              <a:t>() – Return the next element in the </a:t>
+            </a:r>
+            <a:r>
+              <a:rPr lang="en-US" sz="2400" dirty="0" err="1" smtClean="0"/>
+              <a:t>ListMP</a:t>
+            </a:r>
+            <a:endParaRPr lang="en-US" sz="2400" dirty="0" smtClean="0"/>
+          </a:p>
+          <a:p>
+            <a:r>
+              <a:rPr lang="en-US" sz="2400" dirty="0" err="1" smtClean="0"/>
+              <a:t>ListMP_prev</a:t>
+            </a:r>
+            <a:r>
+              <a:rPr lang="en-US" sz="2400" dirty="0" smtClean="0"/>
+              <a:t>() – Return the previous element in the </a:t>
+            </a:r>
+            <a:r>
+              <a:rPr lang="en-US" sz="2400" dirty="0" err="1" smtClean="0"/>
+              <a:t>ListMP</a:t>
+            </a:r>
+            <a:endParaRPr lang="en-US" sz="2400" dirty="0" smtClean="0"/>
+          </a:p>
+          <a:p>
+            <a:r>
+              <a:rPr lang="en-US" sz="2400" dirty="0" err="1" smtClean="0"/>
+              <a:t>ListMP_putHead</a:t>
+            </a:r>
+            <a:r>
+              <a:rPr lang="en-US" sz="2400" dirty="0" smtClean="0"/>
+              <a:t>() – Put an element at the head of the </a:t>
+            </a:r>
+            <a:r>
+              <a:rPr lang="en-US" sz="2400" dirty="0" err="1" smtClean="0"/>
+              <a:t>ListMP</a:t>
+            </a:r>
+            <a:endParaRPr lang="en-US" sz="2400" dirty="0" smtClean="0"/>
+          </a:p>
+          <a:p>
+            <a:r>
+              <a:rPr lang="en-US" sz="2400" dirty="0" err="1" smtClean="0"/>
+              <a:t>ListMP_putTail</a:t>
+            </a:r>
+            <a:r>
+              <a:rPr lang="en-US" sz="2400" dirty="0" smtClean="0"/>
+              <a:t>() – Put an element at the tail of the </a:t>
+            </a:r>
+            <a:r>
+              <a:rPr lang="en-US" sz="2400" dirty="0" err="1" smtClean="0"/>
+              <a:t>ListMP</a:t>
+            </a:r>
+            <a:endParaRPr lang="en-US" sz="2400" dirty="0" smtClean="0"/>
+          </a:p>
+          <a:p>
+            <a:r>
+              <a:rPr lang="en-US" sz="2400" dirty="0" err="1" smtClean="0"/>
+              <a:t>ListMP_remove</a:t>
+            </a:r>
+            <a:r>
+              <a:rPr lang="en-US" sz="2400" dirty="0" smtClean="0"/>
+              <a:t>() – Remove the current element from the </a:t>
+            </a:r>
+            <a:r>
+              <a:rPr lang="en-US" sz="2400" dirty="0" err="1" smtClean="0"/>
+              <a:t>ListMP</a:t>
+            </a:r>
+            <a:endParaRPr lang="en-US" sz="2400" dirty="0" smtClean="0"/>
+          </a:p>
+          <a:p>
+            <a:endParaRPr lang="en-US" sz="2400" dirty="0"/>
           </a:p>
         </p:txBody>
       </p:sp>
@@ -6805,7 +9414,7 @@
           <a:p>
             <a:r>
               <a:rPr lang="en-US" dirty="0" smtClean="0"/>
-              <a:t>Utilities Package</a:t>
+              <a:t>Heap*MP Modules</a:t>
             </a:r>
             <a:endParaRPr lang="en-US" dirty="0"/>
           </a:p>
@@ -6827,29 +9436,38 @@
           <a:lstStyle/>
           <a:p>
             <a:r>
+              <a:rPr lang="en-US" dirty="0" err="1" smtClean="0"/>
+              <a:t>HeapBufMP</a:t>
+            </a:r>
+            <a:r>
               <a:rPr lang="en-US" dirty="0" smtClean="0"/>
-              <a:t>List Module</a:t>
+              <a:t> – Fixed size memory manager (All allocated buffers are of the same size)</a:t>
             </a:r>
           </a:p>
           <a:p>
             <a:r>
               <a:rPr lang="en-US" dirty="0" err="1" smtClean="0"/>
-              <a:t>MultiProc</a:t>
+              <a:t>HeapMultiBufMP</a:t>
             </a:r>
             <a:r>
               <a:rPr lang="en-US" dirty="0" smtClean="0"/>
-              <a:t> Module</a:t>
+              <a:t> – Each instance supports up to 8 different fixed sizes of buffers.</a:t>
             </a:r>
           </a:p>
           <a:p>
             <a:r>
               <a:rPr lang="en-US" dirty="0" err="1" smtClean="0"/>
-              <a:t>NameServer</a:t>
+              <a:t>HeapMemMP</a:t>
             </a:r>
             <a:r>
               <a:rPr lang="en-US" dirty="0" smtClean="0"/>
-              <a:t> Module</a:t>
-            </a:r>
+              <a:t> – Variable-size memory manager</a:t>
+            </a:r>
+          </a:p>
+          <a:p>
+            <a:endParaRPr lang="en-US" dirty="0" smtClean="0"/>
+          </a:p>
+          <a:p>
             <a:endParaRPr lang="en-US" dirty="0"/>
           </a:p>
         </p:txBody>
@@ -6895,6 +9513,433 @@
           <a:lstStyle/>
           <a:p>
             <a:r>
+              <a:rPr lang="en-US" dirty="0" err="1" smtClean="0"/>
+              <a:t>GateMP</a:t>
+            </a:r>
+            <a:r>
+              <a:rPr lang="en-US" dirty="0" smtClean="0"/>
+              <a:t> Module</a:t>
+            </a:r>
+            <a:endParaRPr lang="en-US" dirty="0"/>
+          </a:p>
+        </p:txBody>
+      </p:sp>
+      <p:sp>
+        <p:nvSpPr>
+          <p:cNvPr id="3" name="Content Placeholder 2"/>
+          <p:cNvSpPr>
+            <a:spLocks noGrp="1"/>
+          </p:cNvSpPr>
+          <p:nvPr>
+            <p:ph idx="1"/>
+          </p:nvPr>
+        </p:nvSpPr>
+        <p:spPr/>
+        <p:txBody>
+          <a:bodyPr/>
+          <a:lstStyle/>
+          <a:p>
+            <a:r>
+              <a:rPr lang="en-US" dirty="0" smtClean="0"/>
+              <a:t>Can be used to enforce both local and remote </a:t>
+            </a:r>
+            <a:r>
+              <a:rPr lang="en-US" dirty="0" err="1" smtClean="0"/>
+              <a:t>contect</a:t>
+            </a:r>
+            <a:r>
+              <a:rPr lang="en-US" dirty="0" smtClean="0"/>
+              <a:t> protection</a:t>
+            </a:r>
+          </a:p>
+          <a:p>
+            <a:pPr lvl="1"/>
+            <a:r>
+              <a:rPr lang="en-US" dirty="0" smtClean="0"/>
+              <a:t>Can prevent preemption by another thread running on the same processor</a:t>
+            </a:r>
+          </a:p>
+          <a:p>
+            <a:pPr lvl="1"/>
+            <a:r>
+              <a:rPr lang="en-US" dirty="0" smtClean="0"/>
+              <a:t>Can prevent a remote processor from entering the same Gate.</a:t>
+            </a:r>
+          </a:p>
+          <a:p>
+            <a:r>
+              <a:rPr lang="en-US" dirty="0" smtClean="0"/>
+              <a:t>Typically used to protect reads/writes to a shared resource</a:t>
+            </a:r>
+          </a:p>
+          <a:p>
+            <a:pPr lvl="1"/>
+            <a:endParaRPr lang="en-US" dirty="0"/>
+          </a:p>
+        </p:txBody>
+      </p:sp>
+    </p:spTree>
+  </p:cSld>
+  <p:clrMapOvr>
+    <a:masterClrMapping/>
+  </p:clrMapOvr>
+</p:sld>
+</file>
+
+<file path=ppt/slides/slide2.xml><?xml version="1.0" encoding="utf-8"?>
+<p:sld xmlns:a="http://schemas.openxmlformats.org/drawingml/2006/main" xmlns:r="http://schemas.openxmlformats.org/officeDocument/2006/relationships" xmlns:p="http://schemas.openxmlformats.org/presentationml/2006/main">
+  <p:cSld>
+    <p:spTree>
+      <p:nvGrpSpPr>
+        <p:cNvPr id="1" name=""/>
+        <p:cNvGrpSpPr/>
+        <p:nvPr/>
+      </p:nvGrpSpPr>
+      <p:grpSpPr>
+        <a:xfrm>
+          <a:off x="0" y="0"/>
+          <a:ext cx="0" cy="0"/>
+          <a:chOff x="0" y="0"/>
+          <a:chExt cx="0" cy="0"/>
+        </a:xfrm>
+      </p:grpSpPr>
+      <p:sp>
+        <p:nvSpPr>
+          <p:cNvPr id="2" name="Title 1"/>
+          <p:cNvSpPr>
+            <a:spLocks noGrp="1"/>
+          </p:cNvSpPr>
+          <p:nvPr>
+            <p:ph type="title"/>
+          </p:nvPr>
+        </p:nvSpPr>
+        <p:spPr/>
+        <p:txBody>
+          <a:bodyPr/>
+          <a:lstStyle/>
+          <a:p>
+            <a:r>
+              <a:rPr lang="en-US" dirty="0" smtClean="0"/>
+              <a:t>Agenda</a:t>
+            </a:r>
+            <a:endParaRPr lang="en-US" dirty="0"/>
+          </a:p>
+        </p:txBody>
+      </p:sp>
+      <p:sp>
+        <p:nvSpPr>
+          <p:cNvPr id="3" name="Content Placeholder 2"/>
+          <p:cNvSpPr>
+            <a:spLocks noGrp="1"/>
+          </p:cNvSpPr>
+          <p:nvPr>
+            <p:ph idx="1"/>
+          </p:nvPr>
+        </p:nvSpPr>
+        <p:spPr/>
+        <p:txBody>
+          <a:bodyPr/>
+          <a:lstStyle/>
+          <a:p>
+            <a:r>
+              <a:rPr lang="en-US" dirty="0" smtClean="0"/>
+              <a:t>IPC Overview</a:t>
+            </a:r>
+          </a:p>
+          <a:p>
+            <a:r>
+              <a:rPr lang="en-US" dirty="0" smtClean="0"/>
+              <a:t>IPC Configurations</a:t>
+            </a:r>
+          </a:p>
+          <a:p>
+            <a:r>
+              <a:rPr lang="en-US" dirty="0" smtClean="0"/>
+              <a:t>IPC Module Details</a:t>
+            </a:r>
+          </a:p>
+          <a:p>
+            <a:endParaRPr lang="en-US" dirty="0"/>
+          </a:p>
+        </p:txBody>
+      </p:sp>
+    </p:spTree>
+  </p:cSld>
+  <p:clrMapOvr>
+    <a:masterClrMapping/>
+  </p:clrMapOvr>
+</p:sld>
+</file>
+
+<file path=ppt/slides/slide20.xml><?xml version="1.0" encoding="utf-8"?>
+<p:sld xmlns:a="http://schemas.openxmlformats.org/drawingml/2006/main" xmlns:r="http://schemas.openxmlformats.org/officeDocument/2006/relationships" xmlns:p="http://schemas.openxmlformats.org/presentationml/2006/main">
+  <p:cSld>
+    <p:spTree>
+      <p:nvGrpSpPr>
+        <p:cNvPr id="1" name=""/>
+        <p:cNvGrpSpPr/>
+        <p:nvPr/>
+      </p:nvGrpSpPr>
+      <p:grpSpPr>
+        <a:xfrm>
+          <a:off x="0" y="0"/>
+          <a:ext cx="0" cy="0"/>
+          <a:chOff x="0" y="0"/>
+          <a:chExt cx="0" cy="0"/>
+        </a:xfrm>
+      </p:grpSpPr>
+      <p:sp>
+        <p:nvSpPr>
+          <p:cNvPr id="2" name="Title 1"/>
+          <p:cNvSpPr>
+            <a:spLocks noGrp="1"/>
+          </p:cNvSpPr>
+          <p:nvPr>
+            <p:ph type="title"/>
+          </p:nvPr>
+        </p:nvSpPr>
+        <p:spPr/>
+        <p:txBody>
+          <a:bodyPr/>
+          <a:lstStyle/>
+          <a:p>
+            <a:r>
+              <a:rPr lang="en-US" dirty="0" err="1" smtClean="0"/>
+              <a:t>GateMP</a:t>
+            </a:r>
+            <a:r>
+              <a:rPr lang="en-US" dirty="0" smtClean="0"/>
+              <a:t> APIs</a:t>
+            </a:r>
+            <a:endParaRPr lang="en-US" dirty="0"/>
+          </a:p>
+        </p:txBody>
+      </p:sp>
+      <p:sp>
+        <p:nvSpPr>
+          <p:cNvPr id="3" name="Content Placeholder 2"/>
+          <p:cNvSpPr>
+            <a:spLocks noGrp="1"/>
+          </p:cNvSpPr>
+          <p:nvPr>
+            <p:ph idx="1"/>
+          </p:nvPr>
+        </p:nvSpPr>
+        <p:spPr/>
+        <p:txBody>
+          <a:bodyPr/>
+          <a:lstStyle/>
+          <a:p>
+            <a:r>
+              <a:rPr lang="en-US" dirty="0" err="1" smtClean="0"/>
+              <a:t>GateMP_open</a:t>
+            </a:r>
+            <a:r>
+              <a:rPr lang="en-US" dirty="0" smtClean="0"/>
+              <a:t>() – create </a:t>
+            </a:r>
+            <a:r>
+              <a:rPr lang="en-US" dirty="0" err="1" smtClean="0"/>
+              <a:t>GateMP</a:t>
+            </a:r>
+            <a:r>
+              <a:rPr lang="en-US" dirty="0" smtClean="0"/>
+              <a:t> instance</a:t>
+            </a:r>
+          </a:p>
+          <a:p>
+            <a:r>
+              <a:rPr lang="en-US" dirty="0" err="1" smtClean="0"/>
+              <a:t>GateMP_close</a:t>
+            </a:r>
+            <a:r>
+              <a:rPr lang="en-US" dirty="0" smtClean="0"/>
+              <a:t>() – free </a:t>
+            </a:r>
+            <a:r>
+              <a:rPr lang="en-US" dirty="0" err="1" smtClean="0"/>
+              <a:t>GateMP</a:t>
+            </a:r>
+            <a:r>
+              <a:rPr lang="en-US" dirty="0" smtClean="0"/>
+              <a:t> instance</a:t>
+            </a:r>
+          </a:p>
+          <a:p>
+            <a:r>
+              <a:rPr lang="en-US" dirty="0" err="1" smtClean="0"/>
+              <a:t>GateMP_delete</a:t>
+            </a:r>
+            <a:r>
+              <a:rPr lang="en-US" dirty="0" smtClean="0"/>
+              <a:t>() – similar to –close() with the addition of the shared memory being flagged</a:t>
+            </a:r>
+          </a:p>
+          <a:p>
+            <a:r>
+              <a:rPr lang="en-US" dirty="0" err="1" smtClean="0"/>
+              <a:t>GateMP_enter</a:t>
+            </a:r>
+            <a:r>
+              <a:rPr lang="en-US" dirty="0" smtClean="0"/>
+              <a:t>() – gain access to the shared data protected by the gate</a:t>
+            </a:r>
+          </a:p>
+          <a:p>
+            <a:r>
+              <a:rPr lang="en-US" dirty="0" err="1" smtClean="0"/>
+              <a:t>GateMP_leave</a:t>
+            </a:r>
+            <a:r>
+              <a:rPr lang="en-US" dirty="0" smtClean="0"/>
+              <a:t>() – Return access control to the shared data</a:t>
+            </a:r>
+          </a:p>
+          <a:p>
+            <a:r>
+              <a:rPr lang="en-US" dirty="0" err="1" smtClean="0"/>
+              <a:t>GateMP_query</a:t>
+            </a:r>
+            <a:r>
+              <a:rPr lang="en-US" dirty="0" smtClean="0"/>
+              <a:t>() – Test a gate for Blocking and Preempting qualities</a:t>
+            </a:r>
+            <a:endParaRPr lang="en-US" dirty="0"/>
+          </a:p>
+        </p:txBody>
+      </p:sp>
+    </p:spTree>
+  </p:cSld>
+  <p:clrMapOvr>
+    <a:masterClrMapping/>
+  </p:clrMapOvr>
+</p:sld>
+</file>
+
+<file path=ppt/slides/slide21.xml><?xml version="1.0" encoding="utf-8"?>
+<p:sld xmlns:a="http://schemas.openxmlformats.org/drawingml/2006/main" xmlns:r="http://schemas.openxmlformats.org/officeDocument/2006/relationships" xmlns:p="http://schemas.openxmlformats.org/presentationml/2006/main">
+  <p:cSld>
+    <p:spTree>
+      <p:nvGrpSpPr>
+        <p:cNvPr id="1" name=""/>
+        <p:cNvGrpSpPr/>
+        <p:nvPr/>
+      </p:nvGrpSpPr>
+      <p:grpSpPr>
+        <a:xfrm>
+          <a:off x="0" y="0"/>
+          <a:ext cx="0" cy="0"/>
+          <a:chOff x="0" y="0"/>
+          <a:chExt cx="0" cy="0"/>
+        </a:xfrm>
+      </p:grpSpPr>
+      <p:sp>
+        <p:nvSpPr>
+          <p:cNvPr id="2" name="Title 1"/>
+          <p:cNvSpPr>
+            <a:spLocks noGrp="1"/>
+          </p:cNvSpPr>
+          <p:nvPr>
+            <p:ph type="title"/>
+          </p:nvPr>
+        </p:nvSpPr>
+        <p:spPr/>
+        <p:txBody>
+          <a:bodyPr/>
+          <a:lstStyle/>
+          <a:p>
+            <a:r>
+              <a:rPr lang="en-US" dirty="0" smtClean="0"/>
+              <a:t>Utilities Package</a:t>
+            </a:r>
+            <a:endParaRPr lang="en-US" dirty="0"/>
+          </a:p>
+        </p:txBody>
+      </p:sp>
+      <p:sp>
+        <p:nvSpPr>
+          <p:cNvPr id="3" name="Content Placeholder 2"/>
+          <p:cNvSpPr>
+            <a:spLocks noGrp="1"/>
+          </p:cNvSpPr>
+          <p:nvPr>
+            <p:ph idx="1"/>
+          </p:nvPr>
+        </p:nvSpPr>
+        <p:spPr/>
+        <p:txBody>
+          <a:bodyPr/>
+          <a:lstStyle/>
+          <a:p>
+            <a:r>
+              <a:rPr lang="en-US" dirty="0" smtClean="0"/>
+              <a:t>List Module</a:t>
+            </a:r>
+          </a:p>
+          <a:p>
+            <a:r>
+              <a:rPr lang="en-US" dirty="0" err="1" smtClean="0"/>
+              <a:t>MultiProc</a:t>
+            </a:r>
+            <a:r>
+              <a:rPr lang="en-US" dirty="0" smtClean="0"/>
+              <a:t> Module</a:t>
+            </a:r>
+          </a:p>
+          <a:p>
+            <a:r>
+              <a:rPr lang="en-US" dirty="0" err="1" smtClean="0"/>
+              <a:t>NameServer</a:t>
+            </a:r>
+            <a:r>
+              <a:rPr lang="en-US" dirty="0" smtClean="0"/>
+              <a:t> Module</a:t>
+            </a:r>
+            <a:endParaRPr lang="en-US" dirty="0"/>
+          </a:p>
+        </p:txBody>
+      </p:sp>
+    </p:spTree>
+  </p:cSld>
+  <p:clrMapOvr>
+    <a:masterClrMapping/>
+  </p:clrMapOvr>
+</p:sld>
+</file>
+
+<file path=ppt/slides/slide22.xml><?xml version="1.0" encoding="utf-8"?>
+<p:sld xmlns:a="http://schemas.openxmlformats.org/drawingml/2006/main" xmlns:r="http://schemas.openxmlformats.org/officeDocument/2006/relationships" xmlns:p="http://schemas.openxmlformats.org/presentationml/2006/main">
+  <p:cSld>
+    <p:spTree>
+      <p:nvGrpSpPr>
+        <p:cNvPr id="1" name=""/>
+        <p:cNvGrpSpPr/>
+        <p:nvPr/>
+      </p:nvGrpSpPr>
+      <p:grpSpPr>
+        <a:xfrm>
+          <a:off x="0" y="0"/>
+          <a:ext cx="0" cy="0"/>
+          <a:chOff x="0" y="0"/>
+          <a:chExt cx="0" cy="0"/>
+        </a:xfrm>
+      </p:grpSpPr>
+      <p:sp>
+        <p:nvSpPr>
+          <p:cNvPr id="2" name="Title 1"/>
+          <p:cNvSpPr>
+            <a:spLocks noGrp="1"/>
+          </p:cNvSpPr>
+          <p:nvPr>
+            <p:ph type="title"/>
+          </p:nvPr>
+        </p:nvSpPr>
+        <p:spPr/>
+        <p:txBody>
+          <a:bodyPr/>
+          <a:lstStyle/>
+          <a:p>
+            <a:r>
               <a:rPr lang="en-US" sz="3600" dirty="0" smtClean="0"/>
               <a:t>List Module (Single Core, Multi Thread)</a:t>
             </a:r>
@@ -7688,225 +10733,6 @@
 </p:sld>
 </file>
 
-<file path=ppt/slides/slide2.xml><?xml version="1.0" encoding="utf-8"?>
-<p:sld xmlns:a="http://schemas.openxmlformats.org/drawingml/2006/main" xmlns:r="http://schemas.openxmlformats.org/officeDocument/2006/relationships" xmlns:p="http://schemas.openxmlformats.org/presentationml/2006/main">
-  <p:cSld>
-    <p:spTree>
-      <p:nvGrpSpPr>
-        <p:cNvPr id="1" name=""/>
-        <p:cNvGrpSpPr/>
-        <p:nvPr/>
-      </p:nvGrpSpPr>
-      <p:grpSpPr>
-        <a:xfrm>
-          <a:off x="0" y="0"/>
-          <a:ext cx="0" cy="0"/>
-          <a:chOff x="0" y="0"/>
-          <a:chExt cx="0" cy="0"/>
-        </a:xfrm>
-      </p:grpSpPr>
-      <p:sp>
-        <p:nvSpPr>
-          <p:cNvPr id="2" name="Title 1"/>
-          <p:cNvSpPr>
-            <a:spLocks noGrp="1"/>
-          </p:cNvSpPr>
-          <p:nvPr>
-            <p:ph type="title"/>
-          </p:nvPr>
-        </p:nvSpPr>
-        <p:spPr/>
-        <p:txBody>
-          <a:bodyPr/>
-          <a:lstStyle/>
-          <a:p>
-            <a:r>
-              <a:rPr lang="en-US" dirty="0" smtClean="0"/>
-              <a:t>Agenda</a:t>
-            </a:r>
-            <a:endParaRPr lang="en-US" dirty="0"/>
-          </a:p>
-        </p:txBody>
-      </p:sp>
-      <p:sp>
-        <p:nvSpPr>
-          <p:cNvPr id="3" name="Content Placeholder 2"/>
-          <p:cNvSpPr>
-            <a:spLocks noGrp="1"/>
-          </p:cNvSpPr>
-          <p:nvPr>
-            <p:ph idx="1"/>
-          </p:nvPr>
-        </p:nvSpPr>
-        <p:spPr/>
-        <p:txBody>
-          <a:bodyPr/>
-          <a:lstStyle/>
-          <a:p>
-            <a:r>
-              <a:rPr lang="en-US" dirty="0" smtClean="0"/>
-              <a:t>IPC Overview</a:t>
-            </a:r>
-          </a:p>
-          <a:p>
-            <a:r>
-              <a:rPr lang="en-US" dirty="0" smtClean="0"/>
-              <a:t>IPC Configurations</a:t>
-            </a:r>
-          </a:p>
-          <a:p>
-            <a:r>
-              <a:rPr lang="en-US" dirty="0" smtClean="0"/>
-              <a:t>IPC Module Details</a:t>
-            </a:r>
-          </a:p>
-          <a:p>
-            <a:endParaRPr lang="en-US" dirty="0"/>
-          </a:p>
-        </p:txBody>
-      </p:sp>
-    </p:spTree>
-  </p:cSld>
-  <p:clrMapOvr>
-    <a:masterClrMapping/>
-  </p:clrMapOvr>
-</p:sld>
-</file>
-
-<file path=ppt/slides/slide20.xml><?xml version="1.0" encoding="utf-8"?>
-<p:sld xmlns:a="http://schemas.openxmlformats.org/drawingml/2006/main" xmlns:r="http://schemas.openxmlformats.org/officeDocument/2006/relationships" xmlns:p="http://schemas.openxmlformats.org/presentationml/2006/main">
-  <p:cSld>
-    <p:spTree>
-      <p:nvGrpSpPr>
-        <p:cNvPr id="1" name=""/>
-        <p:cNvGrpSpPr/>
-        <p:nvPr/>
-      </p:nvGrpSpPr>
-      <p:grpSpPr>
-        <a:xfrm>
-          <a:off x="0" y="0"/>
-          <a:ext cx="0" cy="0"/>
-          <a:chOff x="0" y="0"/>
-          <a:chExt cx="0" cy="0"/>
-        </a:xfrm>
-      </p:grpSpPr>
-      <p:sp>
-        <p:nvSpPr>
-          <p:cNvPr id="2" name="Title 1"/>
-          <p:cNvSpPr>
-            <a:spLocks noGrp="1"/>
-          </p:cNvSpPr>
-          <p:nvPr>
-            <p:ph type="title"/>
-          </p:nvPr>
-        </p:nvSpPr>
-        <p:spPr/>
-        <p:txBody>
-          <a:bodyPr/>
-          <a:lstStyle/>
-          <a:p>
-            <a:r>
-              <a:rPr lang="en-US" dirty="0" err="1" smtClean="0"/>
-              <a:t>MultiProc</a:t>
-            </a:r>
-            <a:r>
-              <a:rPr lang="en-US" smtClean="0"/>
-              <a:t> Module</a:t>
-            </a:r>
-            <a:endParaRPr lang="en-US" dirty="0"/>
-          </a:p>
-        </p:txBody>
-      </p:sp>
-      <p:sp>
-        <p:nvSpPr>
-          <p:cNvPr id="3" name="Content Placeholder 2"/>
-          <p:cNvSpPr>
-            <a:spLocks noGrp="1"/>
-          </p:cNvSpPr>
-          <p:nvPr>
-            <p:ph idx="1"/>
-          </p:nvPr>
-        </p:nvSpPr>
-        <p:spPr/>
-        <p:txBody>
-          <a:bodyPr/>
-          <a:lstStyle/>
-          <a:p>
-            <a:endParaRPr lang="en-US"/>
-          </a:p>
-        </p:txBody>
-      </p:sp>
-    </p:spTree>
-  </p:cSld>
-  <p:clrMapOvr>
-    <a:masterClrMapping/>
-  </p:clrMapOvr>
-</p:sld>
-</file>
-
-<file path=ppt/slides/slide21.xml><?xml version="1.0" encoding="utf-8"?>
-<p:sld xmlns:a="http://schemas.openxmlformats.org/drawingml/2006/main" xmlns:r="http://schemas.openxmlformats.org/officeDocument/2006/relationships" xmlns:p="http://schemas.openxmlformats.org/presentationml/2006/main">
-  <p:cSld>
-    <p:spTree>
-      <p:nvGrpSpPr>
-        <p:cNvPr id="1" name=""/>
-        <p:cNvGrpSpPr/>
-        <p:nvPr/>
-      </p:nvGrpSpPr>
-      <p:grpSpPr>
-        <a:xfrm>
-          <a:off x="0" y="0"/>
-          <a:ext cx="0" cy="0"/>
-          <a:chOff x="0" y="0"/>
-          <a:chExt cx="0" cy="0"/>
-        </a:xfrm>
-      </p:grpSpPr>
-      <p:sp>
-        <p:nvSpPr>
-          <p:cNvPr id="2" name="Title 1"/>
-          <p:cNvSpPr>
-            <a:spLocks noGrp="1"/>
-          </p:cNvSpPr>
-          <p:nvPr>
-            <p:ph type="title"/>
-          </p:nvPr>
-        </p:nvSpPr>
-        <p:spPr/>
-        <p:txBody>
-          <a:bodyPr/>
-          <a:lstStyle/>
-          <a:p>
-            <a:endParaRPr lang="en-US"/>
-          </a:p>
-        </p:txBody>
-      </p:sp>
-      <p:sp>
-        <p:nvSpPr>
-          <p:cNvPr id="3" name="Content Placeholder 2"/>
-          <p:cNvSpPr>
-            <a:spLocks noGrp="1"/>
-          </p:cNvSpPr>
-          <p:nvPr>
-            <p:ph idx="1"/>
-          </p:nvPr>
-        </p:nvSpPr>
-        <p:spPr/>
-        <p:txBody>
-          <a:bodyPr/>
-          <a:lstStyle/>
-          <a:p>
-            <a:endParaRPr lang="en-US"/>
-          </a:p>
-        </p:txBody>
-      </p:sp>
-    </p:spTree>
-  </p:cSld>
-  <p:clrMapOvr>
-    <a:masterClrMapping/>
-  </p:clrMapOvr>
-</p:sld>
-</file>
-
 <file path=ppt/slides/slide3.xml><?xml version="1.0" encoding="utf-8"?>
 <p:sld xmlns:a="http://schemas.openxmlformats.org/drawingml/2006/main" xmlns:r="http://schemas.openxmlformats.org/officeDocument/2006/relationships" xmlns:p="http://schemas.openxmlformats.org/presentationml/2006/main">
   <p:cSld>
@@ -7926,135 +10752,25 @@
       </p:grpSpPr>
       <p:sp>
         <p:nvSpPr>
-          <p:cNvPr id="3" name="Content Placeholder 2"/>
-          <p:cNvSpPr>
-            <a:spLocks noGrp="1"/>
-          </p:cNvSpPr>
-          <p:nvPr>
-            <p:ph idx="1"/>
-          </p:nvPr>
-        </p:nvSpPr>
-        <p:spPr/>
-        <p:txBody>
-          <a:bodyPr/>
-          <a:lstStyle/>
-          <a:p>
-            <a:r>
-              <a:rPr lang="en-US" dirty="0" smtClean="0"/>
-              <a:t>SYS/BIOS component that allows Communication:</a:t>
-            </a:r>
-          </a:p>
-          <a:p>
-            <a:pPr lvl="1"/>
-            <a:r>
-              <a:rPr lang="en-US" dirty="0" smtClean="0"/>
-              <a:t>between processors in a Multiprocessor Environment</a:t>
-            </a:r>
-          </a:p>
-          <a:p>
-            <a:pPr lvl="1"/>
-            <a:r>
-              <a:rPr lang="en-US" dirty="0" smtClean="0"/>
-              <a:t>to Peripherals</a:t>
-            </a:r>
-          </a:p>
-          <a:p>
-            <a:r>
-              <a:rPr lang="en-US" dirty="0" smtClean="0"/>
-              <a:t>Communication Methods</a:t>
-            </a:r>
-          </a:p>
-          <a:p>
-            <a:pPr lvl="1"/>
-            <a:r>
-              <a:rPr lang="en-US" dirty="0" smtClean="0"/>
-              <a:t>Message Passing</a:t>
-            </a:r>
-          </a:p>
-          <a:p>
-            <a:pPr lvl="1"/>
-            <a:r>
-              <a:rPr lang="en-US" dirty="0" smtClean="0"/>
-              <a:t>Streams</a:t>
-            </a:r>
-          </a:p>
-          <a:p>
-            <a:pPr lvl="1"/>
-            <a:r>
-              <a:rPr lang="en-US" dirty="0" smtClean="0"/>
-              <a:t>Linked Lists</a:t>
-            </a:r>
-          </a:p>
-          <a:p>
-            <a:pPr lvl="1"/>
-            <a:endParaRPr lang="en-US" dirty="0"/>
-          </a:p>
-        </p:txBody>
-      </p:sp>
-      <p:pic>
-        <p:nvPicPr>
-          <p:cNvPr id="5" name="Picture 4" descr="paper-note-background4.jpg"/>
-          <p:cNvPicPr>
-            <a:picLocks noChangeAspect="1"/>
-          </p:cNvPicPr>
+          <p:cNvPr id="4" name="Rectangle 3"/>
+          <p:cNvSpPr/>
           <p:nvPr/>
-        </p:nvPicPr>
-        <p:blipFill>
-          <a:blip r:embed="rId3" cstate="print"/>
-          <a:stretch>
-            <a:fillRect/>
-          </a:stretch>
-        </p:blipFill>
-        <p:spPr>
+        </p:nvSpPr>
+        <p:spPr bwMode="auto">
           <a:xfrm>
-            <a:off x="4953000" y="2895600"/>
-            <a:ext cx="3962400" cy="3276600"/>
+            <a:off x="0" y="990600"/>
+            <a:ext cx="9144000" cy="609600"/>
           </a:xfrm>
           <a:prstGeom prst="rect">
             <a:avLst/>
           </a:prstGeom>
-        </p:spPr>
-      </p:pic>
-      <p:sp>
-        <p:nvSpPr>
-          <p:cNvPr id="2" name="Title 1"/>
-          <p:cNvSpPr>
-            <a:spLocks noGrp="1"/>
-          </p:cNvSpPr>
-          <p:nvPr>
-            <p:ph type="title"/>
-          </p:nvPr>
-        </p:nvSpPr>
-        <p:spPr/>
-        <p:txBody>
-          <a:bodyPr/>
-          <a:lstStyle/>
-          <a:p>
-            <a:r>
-              <a:rPr lang="en-US" dirty="0" smtClean="0"/>
-              <a:t>What is IPC?</a:t>
-            </a:r>
-            <a:endParaRPr lang="en-US" dirty="0"/>
-          </a:p>
-        </p:txBody>
-      </p:sp>
-      <p:sp>
-        <p:nvSpPr>
-          <p:cNvPr id="4" name="Rectangle 3"/>
-          <p:cNvSpPr/>
-          <p:nvPr/>
-        </p:nvSpPr>
-        <p:spPr bwMode="auto">
-          <a:xfrm>
-            <a:off x="5562600" y="4114800"/>
-            <a:ext cx="2895600" cy="1752600"/>
-          </a:xfrm>
-          <a:prstGeom prst="rect">
-            <a:avLst/>
-          </a:prstGeom>
-          <a:noFill/>
+          <a:solidFill>
+            <a:srgbClr val="FFFF00"/>
+          </a:solidFill>
           <a:ln w="9525" cap="flat" cmpd="sng" algn="ctr">
-            <a:noFill/>
+            <a:solidFill>
+              <a:schemeClr val="tx1"/>
+            </a:solidFill>
             <a:prstDash val="solid"/>
             <a:round/>
             <a:headEnd type="none" w="med" len="med"/>
@@ -8070,7 +10786,7 @@
           </a:bodyPr>
           <a:lstStyle/>
           <a:p>
-            <a:pPr marL="0" marR="0" indent="0" defTabSz="914400" rtl="0" eaLnBrk="0" fontAlgn="base" latinLnBrk="0" hangingPunct="0">
+            <a:pPr marL="0" marR="0" indent="0" algn="l" defTabSz="914400" rtl="0" eaLnBrk="0" fontAlgn="base" latinLnBrk="0" hangingPunct="0">
               <a:lnSpc>
                 <a:spcPct val="100000"/>
               </a:lnSpc>
@@ -8086,88 +10802,76 @@
               <a:buNone/>
               <a:tabLst/>
             </a:pPr>
-            <a:r>
-              <a:rPr kumimoji="0" lang="en-US" sz="1800" b="0" i="0" u="none" strike="noStrike" cap="none" normalizeH="0" baseline="0" dirty="0" smtClean="0">
-                <a:ln>
-                  <a:noFill/>
-                </a:ln>
-                <a:solidFill>
-                  <a:srgbClr val="FF0000"/>
-                </a:solidFill>
-                <a:effectLst/>
-                <a:latin typeface="Comic Sans MS" pitchFamily="66" charset="0"/>
-              </a:rPr>
-              <a:t>Communication Mechanisms work</a:t>
-            </a:r>
-            <a:r>
-              <a:rPr kumimoji="0" lang="en-US" sz="1800" b="0" i="0" u="none" strike="noStrike" cap="none" normalizeH="0" dirty="0" smtClean="0">
-                <a:ln>
-                  <a:noFill/>
-                </a:ln>
-                <a:solidFill>
-                  <a:srgbClr val="FF0000"/>
-                </a:solidFill>
-                <a:effectLst/>
-                <a:latin typeface="Comic Sans MS" pitchFamily="66" charset="0"/>
-              </a:rPr>
-              <a:t> transparently in both single and multi-processor systems</a:t>
-            </a:r>
-            <a:endParaRPr kumimoji="0" lang="en-US" sz="1800" b="0" i="0" u="none" strike="noStrike" cap="none" normalizeH="0" baseline="0" dirty="0" smtClean="0">
+            <a:endParaRPr kumimoji="0" lang="en-US" sz="1800" b="0" i="0" u="none" strike="noStrike" cap="none" normalizeH="0" baseline="0" smtClean="0">
               <a:ln>
                 <a:noFill/>
               </a:ln>
               <a:solidFill>
-                <a:srgbClr val="FF0000"/>
+                <a:schemeClr val="tx1"/>
               </a:solidFill>
               <a:effectLst/>
-              <a:latin typeface="Comic Sans MS" pitchFamily="66" charset="0"/>
+              <a:latin typeface="Arial" pitchFamily="34" charset="0"/>
             </a:endParaRPr>
           </a:p>
         </p:txBody>
       </p:sp>
       <p:sp>
         <p:nvSpPr>
-          <p:cNvPr id="7" name="TextBox 6"/>
-          <p:cNvSpPr txBox="1"/>
-          <p:nvPr/>
-        </p:nvSpPr>
-        <p:spPr>
-          <a:xfrm>
-            <a:off x="6096000" y="3657600"/>
-            <a:ext cx="1391728" cy="523220"/>
-          </a:xfrm>
-          <a:prstGeom prst="rect">
-            <a:avLst/>
-          </a:prstGeom>
-          <a:noFill/>
-        </p:spPr>
-        <p:txBody>
-          <a:bodyPr wrap="none" rtlCol="0">
-            <a:spAutoFit/>
-          </a:bodyPr>
-          <a:lstStyle/>
-          <a:p>
-            <a:r>
-              <a:rPr lang="en-US" sz="2800" b="1" dirty="0" smtClean="0">
-                <a:solidFill>
-                  <a:schemeClr val="tx2">
-                    <a:lumMod val="75000"/>
-                  </a:schemeClr>
-                </a:solidFill>
-                <a:latin typeface="MV Boli" pitchFamily="2" charset="0"/>
-                <a:cs typeface="MV Boli" pitchFamily="2" charset="0"/>
-              </a:rPr>
-              <a:t>NOTES</a:t>
-            </a:r>
-            <a:endParaRPr lang="en-US" sz="2800" b="1" dirty="0">
-              <a:solidFill>
-                <a:schemeClr val="tx2">
-                  <a:lumMod val="75000"/>
-                </a:schemeClr>
-              </a:solidFill>
-              <a:latin typeface="MV Boli" pitchFamily="2" charset="0"/>
-              <a:cs typeface="MV Boli" pitchFamily="2" charset="0"/>
-            </a:endParaRPr>
+          <p:cNvPr id="2" name="Title 1"/>
+          <p:cNvSpPr>
+            <a:spLocks noGrp="1"/>
+          </p:cNvSpPr>
+          <p:nvPr>
+            <p:ph type="title"/>
+          </p:nvPr>
+        </p:nvSpPr>
+        <p:spPr/>
+        <p:txBody>
+          <a:bodyPr/>
+          <a:lstStyle/>
+          <a:p>
+            <a:r>
+              <a:rPr lang="en-US" dirty="0" smtClean="0"/>
+              <a:t>Agenda</a:t>
+            </a:r>
+            <a:endParaRPr lang="en-US" dirty="0"/>
+          </a:p>
+        </p:txBody>
+      </p:sp>
+      <p:sp>
+        <p:nvSpPr>
+          <p:cNvPr id="3" name="Content Placeholder 2"/>
+          <p:cNvSpPr>
+            <a:spLocks noGrp="1"/>
+          </p:cNvSpPr>
+          <p:nvPr>
+            <p:ph idx="1"/>
+          </p:nvPr>
+        </p:nvSpPr>
+        <p:spPr/>
+        <p:txBody>
+          <a:bodyPr/>
+          <a:lstStyle/>
+          <a:p>
+            <a:r>
+              <a:rPr lang="en-US" dirty="0" smtClean="0"/>
+              <a:t>IPC Overview</a:t>
+            </a:r>
+          </a:p>
+          <a:p>
+            <a:r>
+              <a:rPr lang="en-US" dirty="0" smtClean="0"/>
+              <a:t>IPC Configurations</a:t>
+            </a:r>
+          </a:p>
+          <a:p>
+            <a:r>
+              <a:rPr lang="en-US" dirty="0" smtClean="0"/>
+              <a:t>IPC Module Details</a:t>
+            </a:r>
+          </a:p>
+          <a:p>
+            <a:endParaRPr lang="en-US" dirty="0"/>
           </a:p>
         </p:txBody>
       </p:sp>
@@ -8198,6 +10902,97 @@
       </p:grpSpPr>
       <p:sp>
         <p:nvSpPr>
+          <p:cNvPr id="3" name="Content Placeholder 2"/>
+          <p:cNvSpPr>
+            <a:spLocks noGrp="1"/>
+          </p:cNvSpPr>
+          <p:nvPr>
+            <p:ph idx="1"/>
+          </p:nvPr>
+        </p:nvSpPr>
+        <p:spPr/>
+        <p:txBody>
+          <a:bodyPr/>
+          <a:lstStyle/>
+          <a:p>
+            <a:r>
+              <a:rPr lang="en-US" dirty="0" smtClean="0"/>
+              <a:t>SYS/BIOS component that allows Communication:</a:t>
+            </a:r>
+          </a:p>
+          <a:p>
+            <a:pPr lvl="1"/>
+            <a:r>
+              <a:rPr lang="en-US" dirty="0" smtClean="0"/>
+              <a:t>between processors in a Multiprocessor Environment</a:t>
+            </a:r>
+          </a:p>
+          <a:p>
+            <a:pPr lvl="1"/>
+            <a:r>
+              <a:rPr lang="en-US" dirty="0" smtClean="0"/>
+              <a:t>to Peripherals</a:t>
+            </a:r>
+          </a:p>
+          <a:p>
+            <a:r>
+              <a:rPr lang="en-US" dirty="0" smtClean="0"/>
+              <a:t>Communication Methods</a:t>
+            </a:r>
+          </a:p>
+          <a:p>
+            <a:pPr lvl="1"/>
+            <a:r>
+              <a:rPr lang="en-US" dirty="0" smtClean="0"/>
+              <a:t>Message Passing</a:t>
+            </a:r>
+          </a:p>
+          <a:p>
+            <a:pPr lvl="1"/>
+            <a:r>
+              <a:rPr lang="en-US" dirty="0" smtClean="0"/>
+              <a:t>Streams</a:t>
+            </a:r>
+          </a:p>
+          <a:p>
+            <a:pPr lvl="1"/>
+            <a:r>
+              <a:rPr lang="en-US" dirty="0" smtClean="0"/>
+              <a:t>Linked Lists</a:t>
+            </a:r>
+          </a:p>
+          <a:p>
+            <a:pPr lvl="1"/>
+            <a:endParaRPr lang="en-US" dirty="0"/>
+          </a:p>
+        </p:txBody>
+      </p:sp>
+      <p:pic>
+        <p:nvPicPr>
+          <p:cNvPr id="5" name="Picture 4" descr="paper-note-background4.jpg"/>
+          <p:cNvPicPr>
+            <a:picLocks noChangeAspect="1"/>
+          </p:cNvPicPr>
+          <p:nvPr/>
+        </p:nvPicPr>
+        <p:blipFill>
+          <a:blip r:embed="rId3" cstate="print"/>
+          <a:stretch>
+            <a:fillRect/>
+          </a:stretch>
+        </p:blipFill>
+        <p:spPr>
+          <a:xfrm>
+            <a:off x="4953000" y="2895600"/>
+            <a:ext cx="3962400" cy="3276600"/>
+          </a:xfrm>
+          <a:prstGeom prst="rect">
+            <a:avLst/>
+          </a:prstGeom>
+        </p:spPr>
+      </p:pic>
+      <p:sp>
+        <p:nvSpPr>
           <p:cNvPr id="2" name="Title 1"/>
           <p:cNvSpPr>
             <a:spLocks noGrp="1"/>
@@ -8213,7 +11008,7 @@
           <a:p>
             <a:r>
               <a:rPr lang="en-US" dirty="0" smtClean="0"/>
-              <a:t>How can IPC be used?</a:t>
+              <a:t>What is IPC?</a:t>
             </a:r>
             <a:endParaRPr lang="en-US" dirty="0"/>
           </a:p>
@@ -8221,91 +11016,134 @@
       </p:sp>
       <p:sp>
         <p:nvSpPr>
-          <p:cNvPr id="3" name="Content Placeholder 2"/>
-          <p:cNvSpPr>
-            <a:spLocks noGrp="1"/>
-          </p:cNvSpPr>
-          <p:nvPr>
-            <p:ph idx="1"/>
-          </p:nvPr>
+          <p:cNvPr id="4" name="Rectangle 3"/>
+          <p:cNvSpPr/>
+          <p:nvPr/>
+        </p:nvSpPr>
+        <p:spPr bwMode="auto">
+          <a:xfrm>
+            <a:off x="5562600" y="4114800"/>
+            <a:ext cx="2895600" cy="1752600"/>
+          </a:xfrm>
+          <a:prstGeom prst="rect">
+            <a:avLst/>
+          </a:prstGeom>
+          <a:noFill/>
+          <a:ln w="9525" cap="flat" cmpd="sng" algn="ctr">
+            <a:noFill/>
+            <a:prstDash val="solid"/>
+            <a:round/>
+            <a:headEnd type="none" w="med" len="med"/>
+            <a:tailEnd type="none" w="med" len="med"/>
+          </a:ln>
+          <a:effectLst/>
+        </p:spPr>
+        <p:txBody>
+          <a:bodyPr vert="horz" wrap="square" lIns="91440" tIns="45720" rIns="91440" bIns="45720" numCol="1" rtlCol="0" anchor="t" anchorCtr="0" compatLnSpc="1">
+            <a:prstTxWarp prst="textNoShape">
+              <a:avLst/>
+            </a:prstTxWarp>
+          </a:bodyPr>
+          <a:lstStyle/>
+          <a:p>
+            <a:pPr marL="0" marR="0" indent="0" defTabSz="914400" rtl="0" eaLnBrk="0" fontAlgn="base" latinLnBrk="0" hangingPunct="0">
+              <a:lnSpc>
+                <a:spcPct val="100000"/>
+              </a:lnSpc>
+              <a:spcBef>
+                <a:spcPct val="0"/>
+              </a:spcBef>
+              <a:spcAft>
+                <a:spcPct val="0"/>
+              </a:spcAft>
+              <a:buClrTx/>
+              <a:buSzTx/>
+              <a:buFontTx/>
+              <a:buNone/>
+              <a:tabLst/>
+            </a:pPr>
+            <a:r>
+              <a:rPr kumimoji="0" lang="en-US" sz="1800" b="0" i="0" u="none" strike="noStrike" cap="none" normalizeH="0" baseline="0" dirty="0" smtClean="0">
+                <a:ln>
+                  <a:noFill/>
+                </a:ln>
+                <a:solidFill>
+                  <a:srgbClr val="FF0000"/>
+                </a:solidFill>
+                <a:effectLst/>
+                <a:latin typeface="Comic Sans MS" pitchFamily="66" charset="0"/>
+              </a:rPr>
+              <a:t>Communication Mechanisms work</a:t>
+            </a:r>
+            <a:r>
+              <a:rPr kumimoji="0" lang="en-US" sz="1800" b="0" i="0" u="none" strike="noStrike" cap="none" normalizeH="0" dirty="0" smtClean="0">
+                <a:ln>
+                  <a:noFill/>
+                </a:ln>
+                <a:solidFill>
+                  <a:srgbClr val="FF0000"/>
+                </a:solidFill>
+                <a:effectLst/>
+                <a:latin typeface="Comic Sans MS" pitchFamily="66" charset="0"/>
+              </a:rPr>
+              <a:t> transparently in both single and multi-processor systems</a:t>
+            </a:r>
+            <a:endParaRPr kumimoji="0" lang="en-US" sz="1800" b="0" i="0" u="none" strike="noStrike" cap="none" normalizeH="0" baseline="0" dirty="0" smtClean="0">
+              <a:ln>
+                <a:noFill/>
+              </a:ln>
+              <a:solidFill>
+                <a:srgbClr val="FF0000"/>
+              </a:solidFill>
+              <a:effectLst/>
+              <a:latin typeface="Comic Sans MS" pitchFamily="66" charset="0"/>
+            </a:endParaRPr>
+          </a:p>
+        </p:txBody>
+      </p:sp>
+      <p:sp>
+        <p:nvSpPr>
+          <p:cNvPr id="7" name="TextBox 6"/>
+          <p:cNvSpPr txBox="1"/>
+          <p:nvPr/>
         </p:nvSpPr>
         <p:spPr>
           <a:xfrm>
-            <a:off x="457200" y="762000"/>
-            <a:ext cx="8229600" cy="5562600"/>
+            <a:off x="6096000" y="3657600"/>
+            <a:ext cx="1391728" cy="523220"/>
           </a:xfrm>
+          <a:prstGeom prst="rect">
+            <a:avLst/>
+          </a:prstGeom>
+          <a:noFill/>
         </p:spPr>
         <p:txBody>
-          <a:bodyPr/>
-          <a:lstStyle/>
-          <a:p>
-            <a:r>
-              <a:rPr lang="en-US" dirty="0" smtClean="0"/>
-              <a:t>IPC Can natively be used to communicate with:</a:t>
-            </a:r>
-          </a:p>
-          <a:p>
-            <a:pPr lvl="1"/>
-            <a:r>
-              <a:rPr lang="en-US" dirty="0" smtClean="0"/>
-              <a:t>Other threads on the same processor</a:t>
-            </a:r>
-          </a:p>
-          <a:p>
-            <a:pPr lvl="1"/>
-            <a:r>
-              <a:rPr lang="en-US" dirty="0" smtClean="0"/>
-              <a:t>Threads on other processors running SYS/Bios</a:t>
-            </a:r>
-          </a:p>
-          <a:p>
-            <a:pPr lvl="1"/>
-            <a:r>
-              <a:rPr lang="en-US" dirty="0" smtClean="0"/>
-              <a:t>Threads on General Purpose processors running SYS/Link</a:t>
-            </a:r>
-          </a:p>
-          <a:p>
-            <a:r>
-              <a:rPr lang="en-US" dirty="0" smtClean="0"/>
-              <a:t>Supported Operating Systems</a:t>
-            </a:r>
-          </a:p>
-          <a:p>
-            <a:pPr lvl="1"/>
-            <a:r>
-              <a:rPr lang="en-US" dirty="0" smtClean="0"/>
-              <a:t>Windows XP (SP 2, SP3)</a:t>
-            </a:r>
-          </a:p>
-          <a:p>
-            <a:pPr lvl="1"/>
-            <a:r>
-              <a:rPr lang="en-US" dirty="0" smtClean="0"/>
-              <a:t>Windows Vista</a:t>
-            </a:r>
-          </a:p>
-          <a:p>
-            <a:pPr lvl="1"/>
-            <a:r>
-              <a:rPr lang="en-US" dirty="0" smtClean="0"/>
-              <a:t>Windows 7</a:t>
-            </a:r>
-          </a:p>
-          <a:p>
-            <a:pPr lvl="1"/>
-            <a:r>
-              <a:rPr lang="en-US" dirty="0" err="1" smtClean="0"/>
-              <a:t>Redhat</a:t>
-            </a:r>
-            <a:r>
-              <a:rPr lang="en-US" dirty="0" smtClean="0"/>
-              <a:t> Linux (4, 5)</a:t>
-            </a:r>
-          </a:p>
-          <a:p>
-            <a:pPr lvl="1"/>
-            <a:endParaRPr lang="en-US" dirty="0"/>
+          <a:bodyPr wrap="none" rtlCol="0">
+            <a:spAutoFit/>
+          </a:bodyPr>
+          <a:lstStyle/>
+          <a:p>
+            <a:r>
+              <a:rPr lang="en-US" sz="2800" b="1" dirty="0" smtClean="0">
+                <a:solidFill>
+                  <a:schemeClr val="tx2">
+                    <a:lumMod val="75000"/>
+                  </a:schemeClr>
+                </a:solidFill>
+                <a:latin typeface="MV Boli" pitchFamily="2" charset="0"/>
+                <a:cs typeface="MV Boli" pitchFamily="2" charset="0"/>
+              </a:rPr>
+              <a:t>NOTES</a:t>
+            </a:r>
+            <a:endParaRPr lang="en-US" sz="2800" b="1" dirty="0">
+              <a:solidFill>
+                <a:schemeClr val="tx2">
+                  <a:lumMod val="75000"/>
+                </a:schemeClr>
+              </a:solidFill>
+              <a:latin typeface="MV Boli" pitchFamily="2" charset="0"/>
+              <a:cs typeface="MV Boli" pitchFamily="2" charset="0"/>
+            </a:endParaRPr>
           </a:p>
         </p:txBody>
       </p:sp>
@@ -8351,7 +11189,7 @@
           <a:p>
             <a:r>
               <a:rPr lang="en-US" dirty="0" smtClean="0"/>
-              <a:t>	Supplied Packages</a:t>
+              <a:t>How can IPC be used?</a:t>
             </a:r>
             <a:endParaRPr lang="en-US" dirty="0"/>
           </a:p>
@@ -8367,95 +11205,82 @@
             <p:ph idx="1"/>
           </p:nvPr>
         </p:nvSpPr>
-        <p:spPr/>
+        <p:spPr>
+          <a:xfrm>
+            <a:off x="457200" y="762000"/>
+            <a:ext cx="8229600" cy="5562600"/>
+          </a:xfrm>
+        </p:spPr>
         <p:txBody>
           <a:bodyPr/>
           <a:lstStyle/>
           <a:p>
             <a:r>
+              <a:rPr lang="en-US" dirty="0" smtClean="0"/>
+              <a:t>IPC Can natively be used to communicate with:</a:t>
+            </a:r>
+          </a:p>
+          <a:p>
+            <a:pPr lvl="1"/>
+            <a:r>
+              <a:rPr lang="en-US" dirty="0" smtClean="0"/>
+              <a:t>Other threads on the same processor</a:t>
+            </a:r>
+          </a:p>
+          <a:p>
+            <a:pPr lvl="1"/>
+            <a:r>
+              <a:rPr lang="en-US" dirty="0" smtClean="0"/>
+              <a:t>Threads on other processors running SYS/Bios</a:t>
+            </a:r>
+          </a:p>
+          <a:p>
+            <a:pPr lvl="1"/>
+            <a:r>
+              <a:rPr lang="en-US" dirty="0" smtClean="0"/>
+              <a:t>Threads on General Purpose processors running SYS/Link</a:t>
+            </a:r>
+          </a:p>
+          <a:p>
+            <a:r>
+              <a:rPr lang="en-US" dirty="0" smtClean="0"/>
+              <a:t>Supported Operating Systems</a:t>
+            </a:r>
+          </a:p>
+          <a:p>
+            <a:pPr lvl="1"/>
+            <a:r>
+              <a:rPr lang="en-US" dirty="0" smtClean="0"/>
+              <a:t>Windows XP (SP 2, SP3)</a:t>
+            </a:r>
+          </a:p>
+          <a:p>
+            <a:pPr lvl="1"/>
+            <a:r>
+              <a:rPr lang="en-US" dirty="0" smtClean="0"/>
+              <a:t>Windows Vista</a:t>
+            </a:r>
+          </a:p>
+          <a:p>
+            <a:pPr lvl="1"/>
+            <a:r>
+              <a:rPr lang="en-US" dirty="0" smtClean="0"/>
+              <a:t>Windows 7</a:t>
+            </a:r>
+          </a:p>
+          <a:p>
+            <a:pPr lvl="1"/>
+            <a:r>
               <a:rPr lang="en-US" dirty="0" err="1" smtClean="0"/>
-              <a:t>Input/Output</a:t>
+              <a:t>Redhat</a:t>
             </a:r>
             <a:r>
               <a:rPr lang="en-US" dirty="0" smtClean="0"/>
-              <a:t> Package</a:t>
+              <a:t> Linux (4, 5)</a:t>
             </a:r>
           </a:p>
           <a:p>
             <a:pPr lvl="1"/>
-            <a:r>
-              <a:rPr lang="en-US" dirty="0" smtClean="0"/>
-              <a:t>Streams</a:t>
-            </a:r>
-          </a:p>
-          <a:p>
-            <a:pPr lvl="1"/>
-            <a:r>
-              <a:rPr lang="en-US" dirty="0" smtClean="0"/>
-              <a:t>ti.sdo.io</a:t>
-            </a:r>
-          </a:p>
-          <a:p>
-            <a:r>
-              <a:rPr lang="en-US" dirty="0" smtClean="0"/>
-              <a:t>Inter-Processor Communication Package</a:t>
-            </a:r>
-          </a:p>
-          <a:p>
-            <a:pPr lvl="1"/>
-            <a:r>
-              <a:rPr lang="en-US" dirty="0" smtClean="0"/>
-              <a:t>Gates, Heaps, Linked Lists (</a:t>
-            </a:r>
-            <a:r>
-              <a:rPr lang="en-US" dirty="0" err="1" smtClean="0"/>
-              <a:t>ShMem</a:t>
-            </a:r>
-            <a:r>
-              <a:rPr lang="en-US" dirty="0" smtClean="0"/>
-              <a:t>), Variable Size Messages, Notify</a:t>
-            </a:r>
-          </a:p>
-          <a:p>
-            <a:pPr lvl="1"/>
-            <a:r>
-              <a:rPr lang="en-US" dirty="0" err="1" smtClean="0"/>
-              <a:t>ti.sdo.ipc</a:t>
-            </a:r>
-            <a:endParaRPr lang="en-US" dirty="0" smtClean="0"/>
-          </a:p>
-          <a:p>
-            <a:r>
-              <a:rPr lang="en-US" dirty="0" smtClean="0"/>
-              <a:t>Utilities Package</a:t>
-            </a:r>
-          </a:p>
-          <a:p>
-            <a:pPr lvl="1"/>
-            <a:r>
-              <a:rPr lang="en-US" dirty="0" smtClean="0"/>
-              <a:t>List, </a:t>
-            </a:r>
-            <a:r>
-              <a:rPr lang="en-US" dirty="0" err="1" smtClean="0"/>
-              <a:t>MultiProc</a:t>
-            </a:r>
-            <a:r>
-              <a:rPr lang="en-US" dirty="0" smtClean="0"/>
-              <a:t>, </a:t>
-            </a:r>
-            <a:r>
-              <a:rPr lang="en-US" dirty="0" err="1" smtClean="0"/>
-              <a:t>NameServer</a:t>
-            </a:r>
-            <a:endParaRPr lang="en-US" dirty="0" smtClean="0"/>
-          </a:p>
-          <a:p>
-            <a:pPr lvl="1"/>
-            <a:r>
-              <a:rPr lang="en-US" dirty="0" err="1" smtClean="0"/>
-              <a:t>ti.sdo.utils</a:t>
-            </a:r>
             <a:endParaRPr lang="en-US" dirty="0"/>
           </a:p>
         </p:txBody>
@@ -8502,7 +11327,7 @@
           <a:p>
             <a:r>
               <a:rPr lang="en-US" dirty="0" smtClean="0"/>
-              <a:t>IPC Configurations</a:t>
+              <a:t>	Supplied Packages</a:t>
             </a:r>
             <a:endParaRPr lang="en-US" dirty="0"/>
           </a:p>
@@ -8524,62 +11349,89 @@
           <a:lstStyle/>
           <a:p>
             <a:r>
+              <a:rPr lang="en-US" dirty="0" err="1" smtClean="0"/>
+              <a:t>Input/Output</a:t>
+            </a:r>
+            <a:r>
               <a:rPr lang="en-US" dirty="0" smtClean="0"/>
-              <a:t>Minimal Use</a:t>
+              <a:t> Package</a:t>
             </a:r>
           </a:p>
           <a:p>
             <a:pPr lvl="1"/>
             <a:r>
               <a:rPr lang="en-US" dirty="0" smtClean="0"/>
-              <a:t>Minimal data passing</a:t>
-            </a:r>
-          </a:p>
-          <a:p>
+              <a:t>Streams</a:t>
+            </a:r>
+          </a:p>
+          <a:p>
+            <a:pPr lvl="1"/>
             <a:r>
               <a:rPr lang="en-US" dirty="0" smtClean="0"/>
-              <a:t>Data Passing</a:t>
+              <a:t>ti.sdo.io</a:t>
+            </a:r>
+          </a:p>
+          <a:p>
+            <a:r>
+              <a:rPr lang="en-US" dirty="0" smtClean="0"/>
+              <a:t>Inter-Processor Communication Package</a:t>
             </a:r>
           </a:p>
           <a:p>
             <a:pPr lvl="1"/>
             <a:r>
               <a:rPr lang="en-US" dirty="0" smtClean="0"/>
-              <a:t>Passed linked list elements between processors</a:t>
-            </a:r>
-          </a:p>
-          <a:p>
+              <a:t>Gates, Heaps, Linked Lists (</a:t>
+            </a:r>
+            <a:r>
+              <a:rPr lang="en-US" dirty="0" err="1" smtClean="0"/>
+              <a:t>ShMem</a:t>
+            </a:r>
             <a:r>
               <a:rPr lang="en-US" dirty="0" smtClean="0"/>
-              <a:t>Dynamic Allocation</a:t>
+              <a:t>), Variable Size Messages, Notify</a:t>
             </a:r>
           </a:p>
           <a:p>
             <a:pPr lvl="1"/>
             <a:r>
+              <a:rPr lang="en-US" dirty="0" err="1" smtClean="0"/>
+              <a:t>ti.sdo.ipc</a:t>
+            </a:r>
+            <a:endParaRPr lang="en-US" dirty="0" smtClean="0"/>
+          </a:p>
+          <a:p>
+            <a:r>
               <a:rPr lang="en-US" dirty="0" smtClean="0"/>
-              <a:t>Dynamically Allocate linked list elements from a heap</a:t>
-            </a:r>
-          </a:p>
-          <a:p>
+              <a:t>Utilities Package</a:t>
+            </a:r>
+          </a:p>
+          <a:p>
+            <a:pPr lvl="1"/>
             <a:r>
               <a:rPr lang="en-US" dirty="0" smtClean="0"/>
-              <a:t>Powerful, Easy Messaging</a:t>
-            </a:r>
+              <a:t>List, </a:t>
+            </a:r>
+            <a:r>
+              <a:rPr lang="en-US" dirty="0" err="1" smtClean="0"/>
+              <a:t>MultiProc</a:t>
+            </a:r>
+            <a:r>
+              <a:rPr lang="en-US" dirty="0" smtClean="0"/>
+              <a:t>, </a:t>
+            </a:r>
+            <a:r>
+              <a:rPr lang="en-US" dirty="0" err="1" smtClean="0"/>
+              <a:t>NameServer</a:t>
+            </a:r>
+            <a:endParaRPr lang="en-US" dirty="0" smtClean="0"/>
           </a:p>
           <a:p>
             <a:pPr lvl="1"/>
             <a:r>
               <a:rPr lang="en-US" dirty="0" err="1" smtClean="0"/>
-              <a:t>MessageQ</a:t>
-            </a:r>
-            <a:r>
-              <a:rPr lang="en-US" dirty="0" smtClean="0"/>
-              <a:t> Module </a:t>
-            </a:r>
-          </a:p>
-          <a:p>
-            <a:pPr lvl="1"/>
+              <a:t>ti.sdo.utils</a:t>
+            </a:r>
             <a:endParaRPr lang="en-US" dirty="0"/>
           </a:p>
         </p:txBody>
@@ -8593,6 +11445,280 @@
 </file>
 
 <file path=ppt/slides/slide7.xml><?xml version="1.0" encoding="utf-8"?>
+<p:sld xmlns:a="http://schemas.openxmlformats.org/drawingml/2006/main" xmlns:r="http://schemas.openxmlformats.org/officeDocument/2006/relationships" xmlns:p="http://schemas.openxmlformats.org/presentationml/2006/main">
+  <p:cSld>
+    <p:spTree>
+      <p:nvGrpSpPr>
+        <p:cNvPr id="1" name=""/>
+        <p:cNvGrpSpPr/>
+        <p:nvPr/>
+      </p:nvGrpSpPr>
+      <p:grpSpPr>
+        <a:xfrm>
+          <a:off x="0" y="0"/>
+          <a:ext cx="0" cy="0"/>
+          <a:chOff x="0" y="0"/>
+          <a:chExt cx="0" cy="0"/>
+        </a:xfrm>
+      </p:grpSpPr>
+      <p:sp>
+        <p:nvSpPr>
+          <p:cNvPr id="4" name="Rectangle 3"/>
+          <p:cNvSpPr/>
+          <p:nvPr/>
+        </p:nvSpPr>
+        <p:spPr bwMode="auto">
+          <a:xfrm>
+            <a:off x="0" y="1524000"/>
+            <a:ext cx="9144000" cy="609600"/>
+          </a:xfrm>
+          <a:prstGeom prst="rect">
+            <a:avLst/>
+          </a:prstGeom>
+          <a:solidFill>
+            <a:srgbClr val="FFFF00"/>
+          </a:solidFill>
+          <a:ln w="9525" cap="flat" cmpd="sng" algn="ctr">
+            <a:solidFill>
+              <a:schemeClr val="tx1"/>
+            </a:solidFill>
+            <a:prstDash val="solid"/>
+            <a:round/>
+            <a:headEnd type="none" w="med" len="med"/>
+            <a:tailEnd type="none" w="med" len="med"/>
+          </a:ln>
+          <a:effectLst/>
+        </p:spPr>
+        <p:txBody>
+          <a:bodyPr vert="horz" wrap="square" lIns="91440" tIns="45720" rIns="91440" bIns="45720" numCol="1" rtlCol="0" anchor="t" anchorCtr="0" compatLnSpc="1">
+            <a:prstTxWarp prst="textNoShape">
+              <a:avLst/>
+            </a:prstTxWarp>
+          </a:bodyPr>
+          <a:lstStyle/>
+          <a:p>
+            <a:pPr marL="0" marR="0" indent="0" algn="l" defTabSz="914400" rtl="0" eaLnBrk="0" fontAlgn="base" latinLnBrk="0" hangingPunct="0">
+              <a:lnSpc>
+                <a:spcPct val="100000"/>
+              </a:lnSpc>
+              <a:spcBef>
+                <a:spcPct val="0"/>
+              </a:spcBef>
+              <a:spcAft>
+                <a:spcPct val="0"/>
+              </a:spcAft>
+              <a:buClrTx/>
+              <a:buSzTx/>
+              <a:buFontTx/>
+              <a:buNone/>
+              <a:tabLst/>
+            </a:pPr>
+            <a:endParaRPr kumimoji="0" lang="en-US" sz="1800" b="0" i="0" u="none" strike="noStrike" cap="none" normalizeH="0" baseline="0" smtClean="0">
+              <a:ln>
+                <a:noFill/>
+              </a:ln>
+              <a:solidFill>
+                <a:schemeClr val="tx1"/>
+              </a:solidFill>
+              <a:effectLst/>
+              <a:latin typeface="Arial" pitchFamily="34" charset="0"/>
+            </a:endParaRPr>
+          </a:p>
+        </p:txBody>
+      </p:sp>
+      <p:sp>
+        <p:nvSpPr>
+          <p:cNvPr id="2" name="Title 1"/>
+          <p:cNvSpPr>
+            <a:spLocks noGrp="1"/>
+          </p:cNvSpPr>
+          <p:nvPr>
+            <p:ph type="title"/>
+          </p:nvPr>
+        </p:nvSpPr>
+        <p:spPr/>
+        <p:txBody>
+          <a:bodyPr/>
+          <a:lstStyle/>
+          <a:p>
+            <a:r>
+              <a:rPr lang="en-US" dirty="0" smtClean="0"/>
+              <a:t>Agenda</a:t>
+            </a:r>
+            <a:endParaRPr lang="en-US" dirty="0"/>
+          </a:p>
+        </p:txBody>
+      </p:sp>
+      <p:sp>
+        <p:nvSpPr>
+          <p:cNvPr id="3" name="Content Placeholder 2"/>
+          <p:cNvSpPr>
+            <a:spLocks noGrp="1"/>
+          </p:cNvSpPr>
+          <p:nvPr>
+            <p:ph idx="1"/>
+          </p:nvPr>
+        </p:nvSpPr>
+        <p:spPr/>
+        <p:txBody>
+          <a:bodyPr/>
+          <a:lstStyle/>
+          <a:p>
+            <a:r>
+              <a:rPr lang="en-US" dirty="0" smtClean="0"/>
+              <a:t>IPC Overview</a:t>
+            </a:r>
+          </a:p>
+          <a:p>
+            <a:r>
+              <a:rPr lang="en-US" dirty="0" smtClean="0"/>
+              <a:t>IPC Configurations</a:t>
+            </a:r>
+          </a:p>
+          <a:p>
+            <a:r>
+              <a:rPr lang="en-US" dirty="0" smtClean="0"/>
+              <a:t>IPC Module Details</a:t>
+            </a:r>
+          </a:p>
+          <a:p>
+            <a:endParaRPr lang="en-US" dirty="0"/>
+          </a:p>
+        </p:txBody>
+      </p:sp>
+    </p:spTree>
+  </p:cSld>
+  <p:clrMapOvr>
+    <a:masterClrMapping/>
+  </p:clrMapOvr>
+</p:sld>
+</file>
+
+<file path=ppt/slides/slide8.xml><?xml version="1.0" encoding="utf-8"?>
+<p:sld xmlns:a="http://schemas.openxmlformats.org/drawingml/2006/main" xmlns:r="http://schemas.openxmlformats.org/officeDocument/2006/relationships" xmlns:p="http://schemas.openxmlformats.org/presentationml/2006/main">
+  <p:cSld>
+    <p:spTree>
+      <p:nvGrpSpPr>
+        <p:cNvPr id="1" name=""/>
+        <p:cNvGrpSpPr/>
+        <p:nvPr/>
+      </p:nvGrpSpPr>
+      <p:grpSpPr>
+        <a:xfrm>
+          <a:off x="0" y="0"/>
+          <a:ext cx="0" cy="0"/>
+          <a:chOff x="0" y="0"/>
+          <a:chExt cx="0" cy="0"/>
+        </a:xfrm>
+      </p:grpSpPr>
+      <p:sp>
+        <p:nvSpPr>
+          <p:cNvPr id="2" name="Title 1"/>
+          <p:cNvSpPr>
+            <a:spLocks noGrp="1"/>
+          </p:cNvSpPr>
+          <p:nvPr>
+            <p:ph type="title"/>
+          </p:nvPr>
+        </p:nvSpPr>
+        <p:spPr/>
+        <p:txBody>
+          <a:bodyPr/>
+          <a:lstStyle/>
+          <a:p>
+            <a:r>
+              <a:rPr lang="en-US" dirty="0" smtClean="0"/>
+              <a:t>IPC Configurations</a:t>
+            </a:r>
+            <a:endParaRPr lang="en-US" dirty="0"/>
+          </a:p>
+        </p:txBody>
+      </p:sp>
+      <p:sp>
+        <p:nvSpPr>
+          <p:cNvPr id="3" name="Content Placeholder 2"/>
+          <p:cNvSpPr>
+            <a:spLocks noGrp="1"/>
+          </p:cNvSpPr>
+          <p:nvPr>
+            <p:ph idx="1"/>
+          </p:nvPr>
+        </p:nvSpPr>
+        <p:spPr/>
+        <p:txBody>
+          <a:bodyPr/>
+          <a:lstStyle/>
+          <a:p>
+            <a:r>
+              <a:rPr lang="en-US" dirty="0" smtClean="0"/>
+              <a:t>Minimal Use</a:t>
+            </a:r>
+          </a:p>
+          <a:p>
+            <a:pPr lvl="1"/>
+            <a:r>
+              <a:rPr lang="en-US" dirty="0" smtClean="0"/>
+              <a:t>Minimal data passing</a:t>
+            </a:r>
+          </a:p>
+          <a:p>
+            <a:r>
+              <a:rPr lang="en-US" dirty="0" smtClean="0"/>
+              <a:t>Data Passing</a:t>
+            </a:r>
+          </a:p>
+          <a:p>
+            <a:pPr lvl="1"/>
+            <a:r>
+              <a:rPr lang="en-US" dirty="0" smtClean="0"/>
+              <a:t>Passed linked list elements between processors</a:t>
+            </a:r>
+          </a:p>
+          <a:p>
+            <a:r>
+              <a:rPr lang="en-US" dirty="0" smtClean="0"/>
+              <a:t>Dynamic Allocation</a:t>
+            </a:r>
+          </a:p>
+          <a:p>
+            <a:pPr lvl="1"/>
+            <a:r>
+              <a:rPr lang="en-US" dirty="0" smtClean="0"/>
+              <a:t>Dynamically Allocate linked list elements from a heap</a:t>
+            </a:r>
+          </a:p>
+          <a:p>
+            <a:r>
+              <a:rPr lang="en-US" dirty="0" smtClean="0"/>
+              <a:t>Powerful, Easy Messaging</a:t>
+            </a:r>
+          </a:p>
+          <a:p>
+            <a:pPr lvl="1"/>
+            <a:r>
+              <a:rPr lang="en-US" dirty="0" err="1" smtClean="0"/>
+              <a:t>MessageQ</a:t>
+            </a:r>
+            <a:r>
+              <a:rPr lang="en-US" dirty="0" smtClean="0"/>
+              <a:t> Module </a:t>
+            </a:r>
+          </a:p>
+          <a:p>
+            <a:pPr lvl="1"/>
+            <a:endParaRPr lang="en-US" dirty="0"/>
+          </a:p>
+        </p:txBody>
+      </p:sp>
+    </p:spTree>
+  </p:cSld>
+  <p:clrMapOvr>
+    <a:masterClrMapping/>
+  </p:clrMapOvr>
+</p:sld>
+</file>
+
+<file path=ppt/slides/slide9.xml><?xml version="1.0" encoding="utf-8"?>
 <p:sld xmlns:a="http://schemas.openxmlformats.org/drawingml/2006/main" xmlns:r="http://schemas.openxmlformats.org/officeDocument/2006/relationships" xmlns:p="http://schemas.openxmlformats.org/presentationml/2006/main">
   <p:cSld>
     <p:spTree>
@@ -10042,2733 +13168,6 @@
           </p:txBody>
         </p:sp>
       </p:grpSp>
-    </p:spTree>
-  </p:cSld>
-  <p:clrMapOvr>
-    <a:masterClrMapping/>
-  </p:clrMapOvr>
-</p:sld>
-</file>
-
-<file path=ppt/slides/slide8.xml><?xml version="1.0" encoding="utf-8"?>
-<p:sld xmlns:a="http://schemas.openxmlformats.org/drawingml/2006/main" xmlns:r="http://schemas.openxmlformats.org/officeDocument/2006/relationships" xmlns:p="http://schemas.openxmlformats.org/presentationml/2006/main">
-  <p:cSld>
-    <p:spTree>
-      <p:nvGrpSpPr>
-        <p:cNvPr id="1" name=""/>
-        <p:cNvGrpSpPr/>
-        <p:nvPr/>
-      </p:nvGrpSpPr>
-      <p:grpSpPr>
-        <a:xfrm>
-          <a:off x="0" y="0"/>
-          <a:ext cx="0" cy="0"/>
-          <a:chOff x="0" y="0"/>
-          <a:chExt cx="0" cy="0"/>
-        </a:xfrm>
-      </p:grpSpPr>
-      <p:sp>
-        <p:nvSpPr>
-          <p:cNvPr id="2" name="Title 1"/>
-          <p:cNvSpPr>
-            <a:spLocks noGrp="1"/>
-          </p:cNvSpPr>
-          <p:nvPr>
-            <p:ph type="title"/>
-          </p:nvPr>
-        </p:nvSpPr>
-        <p:spPr/>
-        <p:txBody>
-          <a:bodyPr/>
-          <a:lstStyle/>
-          <a:p>
-            <a:r>
-              <a:rPr lang="en-US" dirty="0" smtClean="0"/>
-              <a:t>Data Passing</a:t>
-            </a:r>
-            <a:endParaRPr lang="en-US" dirty="0"/>
-          </a:p>
-        </p:txBody>
-      </p:sp>
-      <p:sp>
-        <p:nvSpPr>
-          <p:cNvPr id="5" name="Rectangle 4"/>
-          <p:cNvSpPr/>
-          <p:nvPr/>
-        </p:nvSpPr>
-        <p:spPr bwMode="auto">
-          <a:xfrm>
-            <a:off x="685800" y="762000"/>
-            <a:ext cx="838200" cy="381000"/>
-          </a:xfrm>
-          <a:prstGeom prst="rect">
-            <a:avLst/>
-          </a:prstGeom>
-          <a:solidFill>
-            <a:srgbClr val="0070C0"/>
-          </a:solidFill>
-          <a:ln w="9525" cap="flat" cmpd="sng" algn="ctr">
-            <a:solidFill>
-              <a:schemeClr val="tx1"/>
-            </a:solidFill>
-            <a:prstDash val="solid"/>
-            <a:round/>
-            <a:headEnd type="none" w="med" len="med"/>
-            <a:tailEnd type="none" w="med" len="med"/>
-          </a:ln>
-          <a:effectLst/>
-        </p:spPr>
-        <p:txBody>
-          <a:bodyPr vert="horz" wrap="square" lIns="91440" tIns="45720" rIns="91440" bIns="45720" numCol="1" rtlCol="0" anchor="t" anchorCtr="0" compatLnSpc="1">
-            <a:prstTxWarp prst="textNoShape">
-              <a:avLst/>
-            </a:prstTxWarp>
-          </a:bodyPr>
-          <a:lstStyle/>
-          <a:p>
-            <a:pPr marL="0" marR="0" indent="0" algn="ctr" defTabSz="914400" rtl="0" eaLnBrk="0" fontAlgn="base" latinLnBrk="0" hangingPunct="0">
-              <a:lnSpc>
-                <a:spcPct val="100000"/>
-              </a:lnSpc>
-              <a:spcBef>
-                <a:spcPct val="0"/>
-              </a:spcBef>
-              <a:spcAft>
-                <a:spcPct val="0"/>
-              </a:spcAft>
-              <a:buClrTx/>
-              <a:buSzTx/>
-              <a:buFontTx/>
-              <a:buNone/>
-              <a:tabLst/>
-            </a:pPr>
-            <a:r>
-              <a:rPr kumimoji="0" lang="en-US" sz="1800" b="0" i="0" u="none" strike="noStrike" cap="none" normalizeH="0" baseline="0" dirty="0" smtClean="0">
-                <a:ln>
-                  <a:noFill/>
-                </a:ln>
-                <a:solidFill>
-                  <a:schemeClr val="bg1"/>
-                </a:solidFill>
-                <a:effectLst/>
-                <a:latin typeface="Arial" pitchFamily="34" charset="0"/>
-              </a:rPr>
-              <a:t>Notify</a:t>
-            </a:r>
-          </a:p>
-        </p:txBody>
-      </p:sp>
-      <p:sp>
-        <p:nvSpPr>
-          <p:cNvPr id="6" name="Rectangle 5"/>
-          <p:cNvSpPr/>
-          <p:nvPr/>
-        </p:nvSpPr>
-        <p:spPr bwMode="auto">
-          <a:xfrm>
-            <a:off x="1981200" y="1752600"/>
-            <a:ext cx="1143000" cy="369332"/>
-          </a:xfrm>
-          <a:prstGeom prst="rect">
-            <a:avLst/>
-          </a:prstGeom>
-          <a:solidFill>
-            <a:srgbClr val="FF0000"/>
-          </a:solidFill>
-          <a:ln w="9525" cap="flat" cmpd="sng" algn="ctr">
-            <a:solidFill>
-              <a:schemeClr val="tx1"/>
-            </a:solidFill>
-            <a:prstDash val="solid"/>
-            <a:round/>
-            <a:headEnd type="none" w="med" len="med"/>
-            <a:tailEnd type="none" w="med" len="med"/>
-          </a:ln>
-          <a:effectLst/>
-        </p:spPr>
-        <p:txBody>
-          <a:bodyPr vert="horz" wrap="square" lIns="91440" tIns="45720" rIns="91440" bIns="45720" numCol="1" rtlCol="0" anchor="t" anchorCtr="0" compatLnSpc="1">
-            <a:prstTxWarp prst="textNoShape">
-              <a:avLst/>
-            </a:prstTxWarp>
-            <a:spAutoFit/>
-          </a:bodyPr>
-          <a:lstStyle/>
-          <a:p>
-            <a:pPr marL="0" marR="0" indent="0" algn="ctr" defTabSz="914400" rtl="0" eaLnBrk="0" fontAlgn="base" latinLnBrk="0" hangingPunct="0">
-              <a:lnSpc>
-                <a:spcPct val="100000"/>
-              </a:lnSpc>
-              <a:spcBef>
-                <a:spcPct val="0"/>
-              </a:spcBef>
-              <a:spcAft>
-                <a:spcPct val="0"/>
-              </a:spcAft>
-              <a:buClrTx/>
-              <a:buSzTx/>
-              <a:buFontTx/>
-              <a:buNone/>
-              <a:tabLst/>
-            </a:pPr>
-            <a:r>
-              <a:rPr kumimoji="0" lang="en-US" sz="1800" b="0" i="0" u="none" strike="noStrike" cap="none" normalizeH="0" baseline="0" dirty="0" err="1" smtClean="0">
-                <a:ln>
-                  <a:noFill/>
-                </a:ln>
-                <a:solidFill>
-                  <a:schemeClr val="bg1"/>
-                </a:solidFill>
-                <a:effectLst/>
-                <a:latin typeface="Arial" pitchFamily="34" charset="0"/>
-              </a:rPr>
-              <a:t>MultiProc</a:t>
-            </a:r>
-            <a:endParaRPr kumimoji="0" lang="en-US" sz="1800" b="0" i="0" u="none" strike="noStrike" cap="none" normalizeH="0" baseline="0" dirty="0" smtClean="0">
-              <a:ln>
-                <a:noFill/>
-              </a:ln>
-              <a:solidFill>
-                <a:schemeClr val="bg1"/>
-              </a:solidFill>
-              <a:effectLst/>
-              <a:latin typeface="Arial" pitchFamily="34" charset="0"/>
-            </a:endParaRPr>
-          </a:p>
-        </p:txBody>
-      </p:sp>
-      <p:cxnSp>
-        <p:nvCxnSpPr>
-          <p:cNvPr id="7" name="Shape 6"/>
-          <p:cNvCxnSpPr>
-            <a:stCxn id="5" idx="2"/>
-            <a:endCxn id="6" idx="1"/>
-          </p:cNvCxnSpPr>
-          <p:nvPr/>
-        </p:nvCxnSpPr>
-        <p:spPr bwMode="auto">
-          <a:xfrm rot="16200000" flipH="1">
-            <a:off x="1145917" y="1101983"/>
-            <a:ext cx="794266" cy="876300"/>
-          </a:xfrm>
-          <a:prstGeom prst="bentConnector2">
-            <a:avLst/>
-          </a:prstGeom>
-          <a:solidFill>
-            <a:schemeClr val="accent1"/>
-          </a:solidFill>
-          <a:ln w="9525" cap="flat" cmpd="sng" algn="ctr">
-            <a:solidFill>
-              <a:schemeClr val="tx1"/>
-            </a:solidFill>
-            <a:prstDash val="solid"/>
-            <a:round/>
-            <a:headEnd type="none" w="med" len="med"/>
-            <a:tailEnd type="arrow"/>
-          </a:ln>
-          <a:effectLst/>
-        </p:spPr>
-      </p:cxnSp>
-      <p:sp>
-        <p:nvSpPr>
-          <p:cNvPr id="8" name="TextBox 7"/>
-          <p:cNvSpPr txBox="1"/>
-          <p:nvPr/>
-        </p:nvSpPr>
-        <p:spPr>
-          <a:xfrm>
-            <a:off x="1143000" y="1600200"/>
-            <a:ext cx="627095" cy="369332"/>
-          </a:xfrm>
-          <a:prstGeom prst="rect">
-            <a:avLst/>
-          </a:prstGeom>
-          <a:noFill/>
-        </p:spPr>
-        <p:txBody>
-          <a:bodyPr wrap="none" rtlCol="0">
-            <a:spAutoFit/>
-          </a:bodyPr>
-          <a:lstStyle/>
-          <a:p>
-            <a:r>
-              <a:rPr lang="en-US" dirty="0" smtClean="0"/>
-              <a:t>Uses</a:t>
-            </a:r>
-            <a:endParaRPr lang="en-US" dirty="0"/>
-          </a:p>
-        </p:txBody>
-      </p:sp>
-      <p:sp>
-        <p:nvSpPr>
-          <p:cNvPr id="13" name="Rectangle 12"/>
-          <p:cNvSpPr/>
-          <p:nvPr/>
-        </p:nvSpPr>
-        <p:spPr bwMode="auto">
-          <a:xfrm>
-            <a:off x="4191000" y="762000"/>
-            <a:ext cx="914400" cy="381000"/>
-          </a:xfrm>
-          <a:prstGeom prst="rect">
-            <a:avLst/>
-          </a:prstGeom>
-          <a:solidFill>
-            <a:srgbClr val="0070C0"/>
-          </a:solidFill>
-          <a:ln w="9525" cap="flat" cmpd="sng" algn="ctr">
-            <a:solidFill>
-              <a:schemeClr val="tx1"/>
-            </a:solidFill>
-            <a:prstDash val="solid"/>
-            <a:round/>
-            <a:headEnd type="none" w="med" len="med"/>
-            <a:tailEnd type="none" w="med" len="med"/>
-          </a:ln>
-          <a:effectLst/>
-        </p:spPr>
-        <p:txBody>
-          <a:bodyPr vert="horz" wrap="square" lIns="91440" tIns="45720" rIns="91440" bIns="45720" numCol="1" rtlCol="0" anchor="t" anchorCtr="0" compatLnSpc="1">
-            <a:prstTxWarp prst="textNoShape">
-              <a:avLst/>
-            </a:prstTxWarp>
-          </a:bodyPr>
-          <a:lstStyle/>
-          <a:p>
-            <a:pPr marL="0" marR="0" indent="0" algn="ctr" defTabSz="914400" rtl="0" eaLnBrk="0" fontAlgn="base" latinLnBrk="0" hangingPunct="0">
-              <a:lnSpc>
-                <a:spcPct val="100000"/>
-              </a:lnSpc>
-              <a:spcBef>
-                <a:spcPct val="0"/>
-              </a:spcBef>
-              <a:spcAft>
-                <a:spcPct val="0"/>
-              </a:spcAft>
-              <a:buClrTx/>
-              <a:buSzTx/>
-              <a:buFontTx/>
-              <a:buNone/>
-              <a:tabLst/>
-            </a:pPr>
-            <a:r>
-              <a:rPr kumimoji="0" lang="en-US" sz="1800" b="0" i="0" u="none" strike="noStrike" cap="none" normalizeH="0" baseline="0" dirty="0" err="1" smtClean="0">
-                <a:ln>
-                  <a:noFill/>
-                </a:ln>
-                <a:solidFill>
-                  <a:schemeClr val="bg1"/>
-                </a:solidFill>
-                <a:effectLst/>
-                <a:latin typeface="Arial" pitchFamily="34" charset="0"/>
-              </a:rPr>
-              <a:t>ListMP</a:t>
-            </a:r>
-            <a:endParaRPr kumimoji="0" lang="en-US" sz="1800" b="0" i="0" u="none" strike="noStrike" cap="none" normalizeH="0" baseline="0" dirty="0" smtClean="0">
-              <a:ln>
-                <a:noFill/>
-              </a:ln>
-              <a:solidFill>
-                <a:schemeClr val="bg1"/>
-              </a:solidFill>
-              <a:effectLst/>
-              <a:latin typeface="Arial" pitchFamily="34" charset="0"/>
-            </a:endParaRPr>
-          </a:p>
-        </p:txBody>
-      </p:sp>
-      <p:sp>
-        <p:nvSpPr>
-          <p:cNvPr id="28" name="Rectangle 27"/>
-          <p:cNvSpPr/>
-          <p:nvPr/>
-        </p:nvSpPr>
-        <p:spPr bwMode="auto">
-          <a:xfrm>
-            <a:off x="5181600" y="1752600"/>
-            <a:ext cx="1676400" cy="369332"/>
-          </a:xfrm>
-          <a:prstGeom prst="rect">
-            <a:avLst/>
-          </a:prstGeom>
-          <a:solidFill>
-            <a:srgbClr val="FF0000"/>
-          </a:solidFill>
-          <a:ln w="9525" cap="flat" cmpd="sng" algn="ctr">
-            <a:solidFill>
-              <a:schemeClr val="tx1"/>
-            </a:solidFill>
-            <a:prstDash val="solid"/>
-            <a:round/>
-            <a:headEnd type="none" w="med" len="med"/>
-            <a:tailEnd type="none" w="med" len="med"/>
-          </a:ln>
-          <a:effectLst/>
-        </p:spPr>
-        <p:txBody>
-          <a:bodyPr vert="horz" wrap="square" lIns="91440" tIns="45720" rIns="91440" bIns="45720" numCol="1" rtlCol="0" anchor="t" anchorCtr="0" compatLnSpc="1">
-            <a:prstTxWarp prst="textNoShape">
-              <a:avLst/>
-            </a:prstTxWarp>
-            <a:spAutoFit/>
-          </a:bodyPr>
-          <a:lstStyle/>
-          <a:p>
-            <a:pPr marL="0" marR="0" indent="0" algn="ctr" defTabSz="914400" rtl="0" eaLnBrk="0" fontAlgn="base" latinLnBrk="0" hangingPunct="0">
-              <a:lnSpc>
-                <a:spcPct val="100000"/>
-              </a:lnSpc>
-              <a:spcBef>
-                <a:spcPct val="0"/>
-              </a:spcBef>
-              <a:spcAft>
-                <a:spcPct val="0"/>
-              </a:spcAft>
-              <a:buClrTx/>
-              <a:buSzTx/>
-              <a:buFontTx/>
-              <a:buNone/>
-              <a:tabLst/>
-            </a:pPr>
-            <a:r>
-              <a:rPr kumimoji="0" lang="en-US" sz="1800" b="0" i="0" u="none" strike="noStrike" cap="none" normalizeH="0" baseline="0" dirty="0" err="1" smtClean="0">
-                <a:ln>
-                  <a:noFill/>
-                </a:ln>
-                <a:solidFill>
-                  <a:schemeClr val="bg1"/>
-                </a:solidFill>
-                <a:effectLst/>
-                <a:latin typeface="Arial" pitchFamily="34" charset="0"/>
-              </a:rPr>
-              <a:t>SharedRegion</a:t>
-            </a:r>
-            <a:endParaRPr kumimoji="0" lang="en-US" sz="1800" b="0" i="0" u="none" strike="noStrike" cap="none" normalizeH="0" baseline="0" dirty="0" smtClean="0">
-              <a:ln>
-                <a:noFill/>
-              </a:ln>
-              <a:solidFill>
-                <a:schemeClr val="bg1"/>
-              </a:solidFill>
-              <a:effectLst/>
-              <a:latin typeface="Arial" pitchFamily="34" charset="0"/>
-            </a:endParaRPr>
-          </a:p>
-        </p:txBody>
-      </p:sp>
-      <p:sp>
-        <p:nvSpPr>
-          <p:cNvPr id="30" name="Rectangle 29"/>
-          <p:cNvSpPr/>
-          <p:nvPr/>
-        </p:nvSpPr>
-        <p:spPr bwMode="auto">
-          <a:xfrm>
-            <a:off x="5181600" y="2221468"/>
-            <a:ext cx="1676400" cy="369332"/>
-          </a:xfrm>
-          <a:prstGeom prst="rect">
-            <a:avLst/>
-          </a:prstGeom>
-          <a:solidFill>
-            <a:schemeClr val="accent4">
-              <a:lumMod val="50000"/>
-              <a:lumOff val="50000"/>
-            </a:schemeClr>
-          </a:solidFill>
-          <a:ln w="9525" cap="flat" cmpd="sng" algn="ctr">
-            <a:solidFill>
-              <a:schemeClr val="tx1"/>
-            </a:solidFill>
-            <a:prstDash val="solid"/>
-            <a:round/>
-            <a:headEnd type="none" w="med" len="med"/>
-            <a:tailEnd type="none" w="med" len="med"/>
-          </a:ln>
-          <a:effectLst/>
-        </p:spPr>
-        <p:txBody>
-          <a:bodyPr vert="horz" wrap="square" lIns="91440" tIns="45720" rIns="91440" bIns="45720" numCol="1" rtlCol="0" anchor="t" anchorCtr="0" compatLnSpc="1">
-            <a:prstTxWarp prst="textNoShape">
-              <a:avLst/>
-            </a:prstTxWarp>
-            <a:spAutoFit/>
-          </a:bodyPr>
-          <a:lstStyle/>
-          <a:p>
-            <a:pPr marL="0" marR="0" indent="0" algn="ctr" defTabSz="914400" rtl="0" eaLnBrk="0" fontAlgn="base" latinLnBrk="0" hangingPunct="0">
-              <a:lnSpc>
-                <a:spcPct val="100000"/>
-              </a:lnSpc>
-              <a:spcBef>
-                <a:spcPct val="0"/>
-              </a:spcBef>
-              <a:spcAft>
-                <a:spcPct val="0"/>
-              </a:spcAft>
-              <a:buClrTx/>
-              <a:buSzTx/>
-              <a:buFontTx/>
-              <a:buNone/>
-              <a:tabLst/>
-            </a:pPr>
-            <a:r>
-              <a:rPr kumimoji="0" lang="en-US" sz="1800" b="0" i="0" u="none" strike="noStrike" cap="none" normalizeH="0" baseline="0" dirty="0" err="1" smtClean="0">
-                <a:ln>
-                  <a:noFill/>
-                </a:ln>
-                <a:solidFill>
-                  <a:schemeClr val="bg1"/>
-                </a:solidFill>
-                <a:effectLst/>
-                <a:latin typeface="Arial" pitchFamily="34" charset="0"/>
-              </a:rPr>
-              <a:t>NameServer</a:t>
-            </a:r>
-            <a:endParaRPr kumimoji="0" lang="en-US" sz="1800" b="0" i="0" u="none" strike="noStrike" cap="none" normalizeH="0" baseline="0" dirty="0" smtClean="0">
-              <a:ln>
-                <a:noFill/>
-              </a:ln>
-              <a:solidFill>
-                <a:schemeClr val="bg1"/>
-              </a:solidFill>
-              <a:effectLst/>
-              <a:latin typeface="Arial" pitchFamily="34" charset="0"/>
-            </a:endParaRPr>
-          </a:p>
-        </p:txBody>
-      </p:sp>
-      <p:sp>
-        <p:nvSpPr>
-          <p:cNvPr id="31" name="Rectangle 30"/>
-          <p:cNvSpPr/>
-          <p:nvPr/>
-        </p:nvSpPr>
-        <p:spPr bwMode="auto">
-          <a:xfrm>
-            <a:off x="5181600" y="2743200"/>
-            <a:ext cx="1676400" cy="369332"/>
-          </a:xfrm>
-          <a:prstGeom prst="rect">
-            <a:avLst/>
-          </a:prstGeom>
-          <a:solidFill>
-            <a:srgbClr val="FF0000"/>
-          </a:solidFill>
-          <a:ln w="9525" cap="flat" cmpd="sng" algn="ctr">
-            <a:solidFill>
-              <a:schemeClr val="tx1"/>
-            </a:solidFill>
-            <a:prstDash val="solid"/>
-            <a:round/>
-            <a:headEnd type="none" w="med" len="med"/>
-            <a:tailEnd type="none" w="med" len="med"/>
-          </a:ln>
-          <a:effectLst/>
-        </p:spPr>
-        <p:txBody>
-          <a:bodyPr vert="horz" wrap="square" lIns="91440" tIns="45720" rIns="91440" bIns="45720" numCol="1" rtlCol="0" anchor="t" anchorCtr="0" compatLnSpc="1">
-            <a:prstTxWarp prst="textNoShape">
-              <a:avLst/>
-            </a:prstTxWarp>
-            <a:spAutoFit/>
-          </a:bodyPr>
-          <a:lstStyle/>
-          <a:p>
-            <a:pPr marL="0" marR="0" indent="0" algn="ctr" defTabSz="914400" rtl="0" eaLnBrk="0" fontAlgn="base" latinLnBrk="0" hangingPunct="0">
-              <a:lnSpc>
-                <a:spcPct val="100000"/>
-              </a:lnSpc>
-              <a:spcBef>
-                <a:spcPct val="0"/>
-              </a:spcBef>
-              <a:spcAft>
-                <a:spcPct val="0"/>
-              </a:spcAft>
-              <a:buClrTx/>
-              <a:buSzTx/>
-              <a:buFontTx/>
-              <a:buNone/>
-              <a:tabLst/>
-            </a:pPr>
-            <a:r>
-              <a:rPr kumimoji="0" lang="en-US" sz="1800" b="0" i="0" u="none" strike="noStrike" cap="none" normalizeH="0" baseline="0" dirty="0" err="1" smtClean="0">
-                <a:ln>
-                  <a:noFill/>
-                </a:ln>
-                <a:solidFill>
-                  <a:schemeClr val="bg1"/>
-                </a:solidFill>
-                <a:effectLst/>
-                <a:latin typeface="Arial" pitchFamily="34" charset="0"/>
-              </a:rPr>
-              <a:t>GateMP</a:t>
-            </a:r>
-            <a:endParaRPr kumimoji="0" lang="en-US" sz="1800" b="0" i="0" u="none" strike="noStrike" cap="none" normalizeH="0" baseline="0" dirty="0" smtClean="0">
-              <a:ln>
-                <a:noFill/>
-              </a:ln>
-              <a:solidFill>
-                <a:schemeClr val="bg1"/>
-              </a:solidFill>
-              <a:effectLst/>
-              <a:latin typeface="Arial" pitchFamily="34" charset="0"/>
-            </a:endParaRPr>
-          </a:p>
-        </p:txBody>
-      </p:sp>
-      <p:cxnSp>
-        <p:nvCxnSpPr>
-          <p:cNvPr id="33" name="Straight Arrow Connector 32"/>
-          <p:cNvCxnSpPr>
-            <a:stCxn id="6" idx="3"/>
-            <a:endCxn id="28" idx="1"/>
-          </p:cNvCxnSpPr>
-          <p:nvPr/>
-        </p:nvCxnSpPr>
-        <p:spPr bwMode="auto">
-          <a:xfrm>
-            <a:off x="3124200" y="1937266"/>
-            <a:ext cx="2057400" cy="0"/>
-          </a:xfrm>
-          <a:prstGeom prst="straightConnector1">
-            <a:avLst/>
-          </a:prstGeom>
-          <a:solidFill>
-            <a:schemeClr val="accent1"/>
-          </a:solidFill>
-          <a:ln w="9525" cap="flat" cmpd="sng" algn="ctr">
-            <a:solidFill>
-              <a:schemeClr val="tx1"/>
-            </a:solidFill>
-            <a:prstDash val="solid"/>
-            <a:round/>
-            <a:headEnd type="arrow"/>
-            <a:tailEnd type="arrow"/>
-          </a:ln>
-          <a:effectLst/>
-        </p:spPr>
-      </p:cxnSp>
-      <p:cxnSp>
-        <p:nvCxnSpPr>
-          <p:cNvPr id="35" name="Shape 34"/>
-          <p:cNvCxnSpPr>
-            <a:stCxn id="13" idx="2"/>
-            <a:endCxn id="30" idx="1"/>
-          </p:cNvCxnSpPr>
-          <p:nvPr/>
-        </p:nvCxnSpPr>
-        <p:spPr bwMode="auto">
-          <a:xfrm rot="16200000" flipH="1">
-            <a:off x="4283333" y="1507867"/>
-            <a:ext cx="1263134" cy="533400"/>
-          </a:xfrm>
-          <a:prstGeom prst="bentConnector2">
-            <a:avLst/>
-          </a:prstGeom>
-          <a:solidFill>
-            <a:schemeClr val="accent1"/>
-          </a:solidFill>
-          <a:ln w="9525" cap="flat" cmpd="sng" algn="ctr">
-            <a:solidFill>
-              <a:schemeClr val="tx1"/>
-            </a:solidFill>
-            <a:prstDash val="solid"/>
-            <a:round/>
-            <a:headEnd type="none" w="med" len="med"/>
-            <a:tailEnd type="arrow"/>
-          </a:ln>
-          <a:effectLst/>
-        </p:spPr>
-      </p:cxnSp>
-      <p:cxnSp>
-        <p:nvCxnSpPr>
-          <p:cNvPr id="39" name="Shape 38"/>
-          <p:cNvCxnSpPr>
-            <a:stCxn id="13" idx="2"/>
-            <a:endCxn id="31" idx="1"/>
-          </p:cNvCxnSpPr>
-          <p:nvPr/>
-        </p:nvCxnSpPr>
-        <p:spPr bwMode="auto">
-          <a:xfrm rot="16200000" flipH="1">
-            <a:off x="4022467" y="1768733"/>
-            <a:ext cx="1784866" cy="533400"/>
-          </a:xfrm>
-          <a:prstGeom prst="bentConnector2">
-            <a:avLst/>
-          </a:prstGeom>
-          <a:solidFill>
-            <a:schemeClr val="accent1"/>
-          </a:solidFill>
-          <a:ln w="9525" cap="flat" cmpd="sng" algn="ctr">
-            <a:solidFill>
-              <a:schemeClr val="tx1"/>
-            </a:solidFill>
-            <a:prstDash val="solid"/>
-            <a:round/>
-            <a:headEnd type="none" w="med" len="med"/>
-            <a:tailEnd type="arrow"/>
-          </a:ln>
-          <a:effectLst/>
-        </p:spPr>
-      </p:cxnSp>
-      <p:sp>
-        <p:nvSpPr>
-          <p:cNvPr id="41" name="TextBox 40"/>
-          <p:cNvSpPr txBox="1"/>
-          <p:nvPr/>
-        </p:nvSpPr>
-        <p:spPr>
-          <a:xfrm>
-            <a:off x="4343400" y="1611868"/>
-            <a:ext cx="627095" cy="369332"/>
-          </a:xfrm>
-          <a:prstGeom prst="rect">
-            <a:avLst/>
-          </a:prstGeom>
-          <a:noFill/>
-        </p:spPr>
-        <p:txBody>
-          <a:bodyPr wrap="none" rtlCol="0">
-            <a:spAutoFit/>
-          </a:bodyPr>
-          <a:lstStyle/>
-          <a:p>
-            <a:r>
-              <a:rPr lang="en-US" dirty="0" smtClean="0"/>
-              <a:t>Uses</a:t>
-            </a:r>
-            <a:endParaRPr lang="en-US" dirty="0"/>
-          </a:p>
-        </p:txBody>
-      </p:sp>
-      <p:sp>
-        <p:nvSpPr>
-          <p:cNvPr id="43" name="TextBox 42"/>
-          <p:cNvSpPr txBox="1"/>
-          <p:nvPr/>
-        </p:nvSpPr>
-        <p:spPr>
-          <a:xfrm>
-            <a:off x="381000" y="3657600"/>
-            <a:ext cx="4191000" cy="2308324"/>
-          </a:xfrm>
-          <a:prstGeom prst="rect">
-            <a:avLst/>
-          </a:prstGeom>
-          <a:noFill/>
-        </p:spPr>
-        <p:txBody>
-          <a:bodyPr wrap="square" rtlCol="0">
-            <a:spAutoFit/>
-          </a:bodyPr>
-          <a:lstStyle/>
-          <a:p>
-            <a:pPr>
-              <a:buFont typeface="Arial" pitchFamily="34" charset="0"/>
-              <a:buChar char="•"/>
-            </a:pPr>
-            <a:r>
-              <a:rPr lang="en-US" dirty="0" err="1" smtClean="0"/>
-              <a:t>ListMP</a:t>
-            </a:r>
-            <a:r>
-              <a:rPr lang="en-US" dirty="0" smtClean="0"/>
-              <a:t> – doubly linked list designed to be shared by multiple processors</a:t>
-            </a:r>
-          </a:p>
-          <a:p>
-            <a:pPr lvl="1">
-              <a:buFont typeface="Arial" pitchFamily="34" charset="0"/>
-              <a:buChar char="•"/>
-            </a:pPr>
-            <a:r>
-              <a:rPr lang="en-US" dirty="0" smtClean="0"/>
-              <a:t>Address Translation performed internally</a:t>
-            </a:r>
-          </a:p>
-          <a:p>
-            <a:pPr lvl="1">
-              <a:buFont typeface="Arial" pitchFamily="34" charset="0"/>
-              <a:buChar char="•"/>
-            </a:pPr>
-            <a:r>
-              <a:rPr lang="en-US" dirty="0" smtClean="0"/>
-              <a:t>Cache coherency maintained when cacheable shared memory used</a:t>
-            </a:r>
-          </a:p>
-          <a:p>
-            <a:pPr lvl="1">
-              <a:buFont typeface="Arial" pitchFamily="34" charset="0"/>
-              <a:buChar char="•"/>
-            </a:pPr>
-            <a:r>
-              <a:rPr lang="en-US" dirty="0" err="1" smtClean="0"/>
-              <a:t>GateMP</a:t>
-            </a:r>
-            <a:r>
-              <a:rPr lang="en-US" dirty="0" smtClean="0"/>
-              <a:t> used to protect read/write accesses</a:t>
-            </a:r>
-            <a:endParaRPr lang="en-US" dirty="0"/>
-          </a:p>
-        </p:txBody>
-      </p:sp>
-      <p:grpSp>
-        <p:nvGrpSpPr>
-          <p:cNvPr id="50" name="Group 49"/>
-          <p:cNvGrpSpPr/>
-          <p:nvPr/>
-        </p:nvGrpSpPr>
-        <p:grpSpPr>
-          <a:xfrm>
-            <a:off x="6019800" y="5638800"/>
-            <a:ext cx="2743200" cy="762000"/>
-            <a:chOff x="6019800" y="5638800"/>
-            <a:chExt cx="2743200" cy="762000"/>
-          </a:xfrm>
-        </p:grpSpPr>
-        <p:sp>
-          <p:nvSpPr>
-            <p:cNvPr id="51" name="Rectangle 50"/>
-            <p:cNvSpPr/>
-            <p:nvPr/>
-          </p:nvSpPr>
-          <p:spPr bwMode="auto">
-            <a:xfrm>
-              <a:off x="6019800" y="5638800"/>
-              <a:ext cx="2743200" cy="762000"/>
-            </a:xfrm>
-            <a:prstGeom prst="rect">
-              <a:avLst/>
-            </a:prstGeom>
-            <a:solidFill>
-              <a:schemeClr val="bg1"/>
-            </a:solidFill>
-            <a:ln w="9525" cap="flat" cmpd="sng" algn="ctr">
-              <a:solidFill>
-                <a:schemeClr val="tx1"/>
-              </a:solidFill>
-              <a:prstDash val="solid"/>
-              <a:round/>
-              <a:headEnd type="none" w="med" len="med"/>
-              <a:tailEnd type="none" w="med" len="med"/>
-            </a:ln>
-            <a:effectLst/>
-          </p:spPr>
-          <p:txBody>
-            <a:bodyPr vert="horz" wrap="square" lIns="91440" tIns="45720" rIns="91440" bIns="45720" numCol="1" rtlCol="0" anchor="t" anchorCtr="0" compatLnSpc="1">
-              <a:prstTxWarp prst="textNoShape">
-                <a:avLst/>
-              </a:prstTxWarp>
-            </a:bodyPr>
-            <a:lstStyle/>
-            <a:p>
-              <a:pPr marL="0" marR="0" indent="0" algn="l" defTabSz="914400" rtl="0" eaLnBrk="0" fontAlgn="base" latinLnBrk="0" hangingPunct="0">
-                <a:lnSpc>
-                  <a:spcPct val="100000"/>
-                </a:lnSpc>
-                <a:spcBef>
-                  <a:spcPct val="0"/>
-                </a:spcBef>
-                <a:spcAft>
-                  <a:spcPct val="0"/>
-                </a:spcAft>
-                <a:buClrTx/>
-                <a:buSzTx/>
-                <a:buFontTx/>
-                <a:buNone/>
-                <a:tabLst/>
-              </a:pPr>
-              <a:endParaRPr kumimoji="0" lang="en-US" sz="1800" b="0" i="0" u="none" strike="noStrike" cap="none" normalizeH="0" baseline="0" smtClean="0">
-                <a:ln>
-                  <a:noFill/>
-                </a:ln>
-                <a:solidFill>
-                  <a:schemeClr val="tx1"/>
-                </a:solidFill>
-                <a:effectLst/>
-                <a:latin typeface="Arial" pitchFamily="34" charset="0"/>
-              </a:endParaRPr>
-            </a:p>
-          </p:txBody>
-        </p:sp>
-        <p:sp>
-          <p:nvSpPr>
-            <p:cNvPr id="52" name="Rectangle 51"/>
-            <p:cNvSpPr/>
-            <p:nvPr/>
-          </p:nvSpPr>
-          <p:spPr bwMode="auto">
-            <a:xfrm>
-              <a:off x="6096000" y="5715000"/>
-              <a:ext cx="152400" cy="152400"/>
-            </a:xfrm>
-            <a:prstGeom prst="rect">
-              <a:avLst/>
-            </a:prstGeom>
-            <a:solidFill>
-              <a:srgbClr val="0070C0"/>
-            </a:solidFill>
-            <a:ln w="9525" cap="flat" cmpd="sng" algn="ctr">
-              <a:solidFill>
-                <a:schemeClr val="tx1"/>
-              </a:solidFill>
-              <a:prstDash val="solid"/>
-              <a:round/>
-              <a:headEnd type="none" w="med" len="med"/>
-              <a:tailEnd type="none" w="med" len="med"/>
-            </a:ln>
-            <a:effectLst/>
-          </p:spPr>
-          <p:txBody>
-            <a:bodyPr vert="horz" wrap="square" lIns="91440" tIns="45720" rIns="91440" bIns="45720" numCol="1" rtlCol="0" anchor="t" anchorCtr="0" compatLnSpc="1">
-              <a:prstTxWarp prst="textNoShape">
-                <a:avLst/>
-              </a:prstTxWarp>
-            </a:bodyPr>
-            <a:lstStyle/>
-            <a:p>
-              <a:pPr marL="0" marR="0" indent="0" algn="l" defTabSz="914400" rtl="0" eaLnBrk="0" fontAlgn="base" latinLnBrk="0" hangingPunct="0">
-                <a:lnSpc>
-                  <a:spcPct val="100000"/>
-                </a:lnSpc>
-                <a:spcBef>
-                  <a:spcPct val="0"/>
-                </a:spcBef>
-                <a:spcAft>
-                  <a:spcPct val="0"/>
-                </a:spcAft>
-                <a:buClrTx/>
-                <a:buSzTx/>
-                <a:buFontTx/>
-                <a:buNone/>
-                <a:tabLst/>
-              </a:pPr>
-              <a:endParaRPr kumimoji="0" lang="en-US" sz="1800" b="0" i="0" u="none" strike="noStrike" cap="none" normalizeH="0" baseline="0" smtClean="0">
-                <a:ln>
-                  <a:noFill/>
-                </a:ln>
-                <a:solidFill>
-                  <a:schemeClr val="tx1"/>
-                </a:solidFill>
-                <a:effectLst/>
-                <a:latin typeface="Arial" pitchFamily="34" charset="0"/>
-              </a:endParaRPr>
-            </a:p>
-          </p:txBody>
-        </p:sp>
-        <p:sp>
-          <p:nvSpPr>
-            <p:cNvPr id="53" name="Rectangle 52"/>
-            <p:cNvSpPr/>
-            <p:nvPr/>
-          </p:nvSpPr>
-          <p:spPr bwMode="auto">
-            <a:xfrm>
-              <a:off x="6096000" y="5943600"/>
-              <a:ext cx="152400" cy="152400"/>
-            </a:xfrm>
-            <a:prstGeom prst="rect">
-              <a:avLst/>
-            </a:prstGeom>
-            <a:solidFill>
-              <a:srgbClr val="FF0000"/>
-            </a:solidFill>
-            <a:ln w="9525" cap="flat" cmpd="sng" algn="ctr">
-              <a:solidFill>
-                <a:schemeClr val="tx1"/>
-              </a:solidFill>
-              <a:prstDash val="solid"/>
-              <a:round/>
-              <a:headEnd type="none" w="med" len="med"/>
-              <a:tailEnd type="none" w="med" len="med"/>
-            </a:ln>
-            <a:effectLst/>
-          </p:spPr>
-          <p:txBody>
-            <a:bodyPr vert="horz" wrap="square" lIns="91440" tIns="45720" rIns="91440" bIns="45720" numCol="1" rtlCol="0" anchor="t" anchorCtr="0" compatLnSpc="1">
-              <a:prstTxWarp prst="textNoShape">
-                <a:avLst/>
-              </a:prstTxWarp>
-            </a:bodyPr>
-            <a:lstStyle/>
-            <a:p>
-              <a:pPr marL="0" marR="0" indent="0" algn="l" defTabSz="914400" rtl="0" eaLnBrk="0" fontAlgn="base" latinLnBrk="0" hangingPunct="0">
-                <a:lnSpc>
-                  <a:spcPct val="100000"/>
-                </a:lnSpc>
-                <a:spcBef>
-                  <a:spcPct val="0"/>
-                </a:spcBef>
-                <a:spcAft>
-                  <a:spcPct val="0"/>
-                </a:spcAft>
-                <a:buClrTx/>
-                <a:buSzTx/>
-                <a:buFontTx/>
-                <a:buNone/>
-                <a:tabLst/>
-              </a:pPr>
-              <a:endParaRPr kumimoji="0" lang="en-US" sz="1800" b="0" i="0" u="none" strike="noStrike" cap="none" normalizeH="0" baseline="0" smtClean="0">
-                <a:ln>
-                  <a:noFill/>
-                </a:ln>
-                <a:solidFill>
-                  <a:schemeClr val="tx1"/>
-                </a:solidFill>
-                <a:effectLst/>
-                <a:latin typeface="Arial" pitchFamily="34" charset="0"/>
-              </a:endParaRPr>
-            </a:p>
-          </p:txBody>
-        </p:sp>
-        <p:sp>
-          <p:nvSpPr>
-            <p:cNvPr id="54" name="Rectangle 53"/>
-            <p:cNvSpPr/>
-            <p:nvPr/>
-          </p:nvSpPr>
-          <p:spPr bwMode="auto">
-            <a:xfrm>
-              <a:off x="6096000" y="6172200"/>
-              <a:ext cx="152400" cy="152400"/>
-            </a:xfrm>
-            <a:prstGeom prst="rect">
-              <a:avLst/>
-            </a:prstGeom>
-            <a:solidFill>
-              <a:schemeClr val="accent4">
-                <a:lumMod val="50000"/>
-                <a:lumOff val="50000"/>
-              </a:schemeClr>
-            </a:solidFill>
-            <a:ln w="9525" cap="flat" cmpd="sng" algn="ctr">
-              <a:solidFill>
-                <a:schemeClr val="tx1"/>
-              </a:solidFill>
-              <a:prstDash val="solid"/>
-              <a:round/>
-              <a:headEnd type="none" w="med" len="med"/>
-              <a:tailEnd type="none" w="med" len="med"/>
-            </a:ln>
-            <a:effectLst/>
-          </p:spPr>
-          <p:txBody>
-            <a:bodyPr vert="horz" wrap="square" lIns="91440" tIns="45720" rIns="91440" bIns="45720" numCol="1" rtlCol="0" anchor="t" anchorCtr="0" compatLnSpc="1">
-              <a:prstTxWarp prst="textNoShape">
-                <a:avLst/>
-              </a:prstTxWarp>
-            </a:bodyPr>
-            <a:lstStyle/>
-            <a:p>
-              <a:pPr marL="0" marR="0" indent="0" algn="l" defTabSz="914400" rtl="0" eaLnBrk="0" fontAlgn="base" latinLnBrk="0" hangingPunct="0">
-                <a:lnSpc>
-                  <a:spcPct val="100000"/>
-                </a:lnSpc>
-                <a:spcBef>
-                  <a:spcPct val="0"/>
-                </a:spcBef>
-                <a:spcAft>
-                  <a:spcPct val="0"/>
-                </a:spcAft>
-                <a:buClrTx/>
-                <a:buSzTx/>
-                <a:buFontTx/>
-                <a:buNone/>
-                <a:tabLst/>
-              </a:pPr>
-              <a:endParaRPr kumimoji="0" lang="en-US" sz="1800" b="0" i="0" u="none" strike="noStrike" cap="none" normalizeH="0" baseline="0" smtClean="0">
-                <a:ln>
-                  <a:noFill/>
-                </a:ln>
-                <a:solidFill>
-                  <a:schemeClr val="tx1"/>
-                </a:solidFill>
-                <a:effectLst/>
-                <a:latin typeface="Arial" pitchFamily="34" charset="0"/>
-              </a:endParaRPr>
-            </a:p>
-          </p:txBody>
-        </p:sp>
-        <p:sp>
-          <p:nvSpPr>
-            <p:cNvPr id="55" name="TextBox 54"/>
-            <p:cNvSpPr txBox="1"/>
-            <p:nvPr/>
-          </p:nvSpPr>
-          <p:spPr>
-            <a:xfrm>
-              <a:off x="6324600" y="5638800"/>
-              <a:ext cx="2362200" cy="738664"/>
-            </a:xfrm>
-            <a:prstGeom prst="rect">
-              <a:avLst/>
-            </a:prstGeom>
-            <a:noFill/>
-          </p:spPr>
-          <p:txBody>
-            <a:bodyPr wrap="square" rtlCol="0">
-              <a:spAutoFit/>
-            </a:bodyPr>
-            <a:lstStyle/>
-            <a:p>
-              <a:pPr>
-                <a:buFont typeface="Calibri" pitchFamily="34" charset="0"/>
-                <a:buChar char="—"/>
-              </a:pPr>
-              <a:r>
-                <a:rPr lang="en-US" sz="1400" dirty="0" smtClean="0"/>
-                <a:t>Application Calls API</a:t>
-              </a:r>
-            </a:p>
-            <a:p>
-              <a:pPr>
-                <a:buFont typeface="Calibri" pitchFamily="34" charset="0"/>
-                <a:buChar char="—"/>
-              </a:pPr>
-              <a:r>
-                <a:rPr lang="en-US" sz="1400" dirty="0" smtClean="0"/>
-                <a:t>Configuration Only</a:t>
-              </a:r>
-            </a:p>
-            <a:p>
-              <a:pPr>
-                <a:buFont typeface="Calibri" pitchFamily="34" charset="0"/>
-                <a:buChar char="—"/>
-              </a:pPr>
-              <a:r>
-                <a:rPr lang="en-US" sz="1400" dirty="0" smtClean="0"/>
-                <a:t>No Configuration Necessary</a:t>
-              </a:r>
-              <a:endParaRPr lang="en-US" sz="1200" dirty="0"/>
-            </a:p>
-          </p:txBody>
-        </p:sp>
-      </p:grpSp>
-    </p:spTree>
-  </p:cSld>
-  <p:clrMapOvr>
-    <a:masterClrMapping/>
-  </p:clrMapOvr>
-</p:sld>
-</file>
-
-<file path=ppt/slides/slide9.xml><?xml version="1.0" encoding="utf-8"?>
-<p:sld xmlns:a="http://schemas.openxmlformats.org/drawingml/2006/main" xmlns:r="http://schemas.openxmlformats.org/officeDocument/2006/relationships" xmlns:p="http://schemas.openxmlformats.org/presentationml/2006/main">
-  <p:cSld>
-    <p:spTree>
-      <p:nvGrpSpPr>
-        <p:cNvPr id="1" name=""/>
-        <p:cNvGrpSpPr/>
-        <p:nvPr/>
-      </p:nvGrpSpPr>
-      <p:grpSpPr>
-        <a:xfrm>
-          <a:off x="0" y="0"/>
-          <a:ext cx="0" cy="0"/>
-          <a:chOff x="0" y="0"/>
-          <a:chExt cx="0" cy="0"/>
-        </a:xfrm>
-      </p:grpSpPr>
-      <p:sp>
-        <p:nvSpPr>
-          <p:cNvPr id="2" name="Title 1"/>
-          <p:cNvSpPr>
-            <a:spLocks noGrp="1"/>
-          </p:cNvSpPr>
-          <p:nvPr>
-            <p:ph type="title"/>
-          </p:nvPr>
-        </p:nvSpPr>
-        <p:spPr/>
-        <p:txBody>
-          <a:bodyPr/>
-          <a:lstStyle/>
-          <a:p>
-            <a:r>
-              <a:rPr lang="en-US" dirty="0" smtClean="0"/>
-              <a:t>Dynamic Allocation</a:t>
-            </a:r>
-            <a:endParaRPr lang="en-US" dirty="0"/>
-          </a:p>
-        </p:txBody>
-      </p:sp>
-      <p:sp>
-        <p:nvSpPr>
-          <p:cNvPr id="4" name="Rectangle 3"/>
-          <p:cNvSpPr/>
-          <p:nvPr/>
-        </p:nvSpPr>
-        <p:spPr bwMode="auto">
-          <a:xfrm>
-            <a:off x="685800" y="762000"/>
-            <a:ext cx="838200" cy="381000"/>
-          </a:xfrm>
-          <a:prstGeom prst="rect">
-            <a:avLst/>
-          </a:prstGeom>
-          <a:solidFill>
-            <a:srgbClr val="0070C0"/>
-          </a:solidFill>
-          <a:ln w="9525" cap="flat" cmpd="sng" algn="ctr">
-            <a:solidFill>
-              <a:schemeClr val="tx1"/>
-            </a:solidFill>
-            <a:prstDash val="solid"/>
-            <a:round/>
-            <a:headEnd type="none" w="med" len="med"/>
-            <a:tailEnd type="none" w="med" len="med"/>
-          </a:ln>
-          <a:effectLst/>
-        </p:spPr>
-        <p:txBody>
-          <a:bodyPr vert="horz" wrap="square" lIns="91440" tIns="45720" rIns="91440" bIns="45720" numCol="1" rtlCol="0" anchor="t" anchorCtr="0" compatLnSpc="1">
-            <a:prstTxWarp prst="textNoShape">
-              <a:avLst/>
-            </a:prstTxWarp>
-          </a:bodyPr>
-          <a:lstStyle/>
-          <a:p>
-            <a:pPr marL="0" marR="0" indent="0" algn="ctr" defTabSz="914400" rtl="0" eaLnBrk="0" fontAlgn="base" latinLnBrk="0" hangingPunct="0">
-              <a:lnSpc>
-                <a:spcPct val="100000"/>
-              </a:lnSpc>
-              <a:spcBef>
-                <a:spcPct val="0"/>
-              </a:spcBef>
-              <a:spcAft>
-                <a:spcPct val="0"/>
-              </a:spcAft>
-              <a:buClrTx/>
-              <a:buSzTx/>
-              <a:buFontTx/>
-              <a:buNone/>
-              <a:tabLst/>
-            </a:pPr>
-            <a:r>
-              <a:rPr kumimoji="0" lang="en-US" sz="1800" b="0" i="0" u="none" strike="noStrike" cap="none" normalizeH="0" baseline="0" dirty="0" smtClean="0">
-                <a:ln>
-                  <a:noFill/>
-                </a:ln>
-                <a:solidFill>
-                  <a:schemeClr val="bg1"/>
-                </a:solidFill>
-                <a:effectLst/>
-                <a:latin typeface="Arial" pitchFamily="34" charset="0"/>
-              </a:rPr>
-              <a:t>Notify</a:t>
-            </a:r>
-          </a:p>
-        </p:txBody>
-      </p:sp>
-      <p:sp>
-        <p:nvSpPr>
-          <p:cNvPr id="5" name="Rectangle 4"/>
-          <p:cNvSpPr/>
-          <p:nvPr/>
-        </p:nvSpPr>
-        <p:spPr bwMode="auto">
-          <a:xfrm>
-            <a:off x="1447800" y="1752600"/>
-            <a:ext cx="1143000" cy="369332"/>
-          </a:xfrm>
-          <a:prstGeom prst="rect">
-            <a:avLst/>
-          </a:prstGeom>
-          <a:solidFill>
-            <a:srgbClr val="FF0000"/>
-          </a:solidFill>
-          <a:ln w="9525" cap="flat" cmpd="sng" algn="ctr">
-            <a:solidFill>
-              <a:schemeClr val="tx1"/>
-            </a:solidFill>
-            <a:prstDash val="solid"/>
-            <a:round/>
-            <a:headEnd type="none" w="med" len="med"/>
-            <a:tailEnd type="none" w="med" len="med"/>
-          </a:ln>
-          <a:effectLst/>
-        </p:spPr>
-        <p:txBody>
-          <a:bodyPr vert="horz" wrap="square" lIns="91440" tIns="45720" rIns="91440" bIns="45720" numCol="1" rtlCol="0" anchor="t" anchorCtr="0" compatLnSpc="1">
-            <a:prstTxWarp prst="textNoShape">
-              <a:avLst/>
-            </a:prstTxWarp>
-            <a:spAutoFit/>
-          </a:bodyPr>
-          <a:lstStyle/>
-          <a:p>
-            <a:pPr marL="0" marR="0" indent="0" algn="ctr" defTabSz="914400" rtl="0" eaLnBrk="0" fontAlgn="base" latinLnBrk="0" hangingPunct="0">
-              <a:lnSpc>
-                <a:spcPct val="100000"/>
-              </a:lnSpc>
-              <a:spcBef>
-                <a:spcPct val="0"/>
-              </a:spcBef>
-              <a:spcAft>
-                <a:spcPct val="0"/>
-              </a:spcAft>
-              <a:buClrTx/>
-              <a:buSzTx/>
-              <a:buFontTx/>
-              <a:buNone/>
-              <a:tabLst/>
-            </a:pPr>
-            <a:r>
-              <a:rPr kumimoji="0" lang="en-US" sz="1800" b="0" i="0" u="none" strike="noStrike" cap="none" normalizeH="0" baseline="0" dirty="0" err="1" smtClean="0">
-                <a:ln>
-                  <a:noFill/>
-                </a:ln>
-                <a:solidFill>
-                  <a:schemeClr val="bg1"/>
-                </a:solidFill>
-                <a:effectLst/>
-                <a:latin typeface="Arial" pitchFamily="34" charset="0"/>
-              </a:rPr>
-              <a:t>MultiProc</a:t>
-            </a:r>
-            <a:endParaRPr kumimoji="0" lang="en-US" sz="1800" b="0" i="0" u="none" strike="noStrike" cap="none" normalizeH="0" baseline="0" dirty="0" smtClean="0">
-              <a:ln>
-                <a:noFill/>
-              </a:ln>
-              <a:solidFill>
-                <a:schemeClr val="bg1"/>
-              </a:solidFill>
-              <a:effectLst/>
-              <a:latin typeface="Arial" pitchFamily="34" charset="0"/>
-            </a:endParaRPr>
-          </a:p>
-        </p:txBody>
-      </p:sp>
-      <p:cxnSp>
-        <p:nvCxnSpPr>
-          <p:cNvPr id="6" name="Shape 5"/>
-          <p:cNvCxnSpPr>
-            <a:stCxn id="4" idx="2"/>
-            <a:endCxn id="5" idx="1"/>
-          </p:cNvCxnSpPr>
-          <p:nvPr/>
-        </p:nvCxnSpPr>
-        <p:spPr bwMode="auto">
-          <a:xfrm rot="16200000" flipH="1">
-            <a:off x="879217" y="1368683"/>
-            <a:ext cx="794266" cy="342900"/>
-          </a:xfrm>
-          <a:prstGeom prst="bentConnector2">
-            <a:avLst/>
-          </a:prstGeom>
-          <a:solidFill>
-            <a:schemeClr val="accent1"/>
-          </a:solidFill>
-          <a:ln w="9525" cap="flat" cmpd="sng" algn="ctr">
-            <a:solidFill>
-              <a:schemeClr val="tx1"/>
-            </a:solidFill>
-            <a:prstDash val="solid"/>
-            <a:round/>
-            <a:headEnd type="none" w="med" len="med"/>
-            <a:tailEnd type="arrow"/>
-          </a:ln>
-          <a:effectLst/>
-        </p:spPr>
-      </p:cxnSp>
-      <p:sp>
-        <p:nvSpPr>
-          <p:cNvPr id="7" name="TextBox 6"/>
-          <p:cNvSpPr txBox="1"/>
-          <p:nvPr/>
-        </p:nvSpPr>
-        <p:spPr>
-          <a:xfrm>
-            <a:off x="762000" y="1600200"/>
-            <a:ext cx="627095" cy="369332"/>
-          </a:xfrm>
-          <a:prstGeom prst="rect">
-            <a:avLst/>
-          </a:prstGeom>
-          <a:noFill/>
-        </p:spPr>
-        <p:txBody>
-          <a:bodyPr wrap="none" rtlCol="0">
-            <a:spAutoFit/>
-          </a:bodyPr>
-          <a:lstStyle/>
-          <a:p>
-            <a:r>
-              <a:rPr lang="en-US" dirty="0" smtClean="0"/>
-              <a:t>Uses</a:t>
-            </a:r>
-            <a:endParaRPr lang="en-US" dirty="0"/>
-          </a:p>
-        </p:txBody>
-      </p:sp>
-      <p:sp>
-        <p:nvSpPr>
-          <p:cNvPr id="8" name="Rectangle 7"/>
-          <p:cNvSpPr/>
-          <p:nvPr/>
-        </p:nvSpPr>
-        <p:spPr bwMode="auto">
-          <a:xfrm>
-            <a:off x="2819400" y="750332"/>
-            <a:ext cx="914400" cy="381000"/>
-          </a:xfrm>
-          <a:prstGeom prst="rect">
-            <a:avLst/>
-          </a:prstGeom>
-          <a:solidFill>
-            <a:srgbClr val="0070C0"/>
-          </a:solidFill>
-          <a:ln w="9525" cap="flat" cmpd="sng" algn="ctr">
-            <a:solidFill>
-              <a:schemeClr val="tx1"/>
-            </a:solidFill>
-            <a:prstDash val="solid"/>
-            <a:round/>
-            <a:headEnd type="none" w="med" len="med"/>
-            <a:tailEnd type="none" w="med" len="med"/>
-          </a:ln>
-          <a:effectLst/>
-        </p:spPr>
-        <p:txBody>
-          <a:bodyPr vert="horz" wrap="square" lIns="91440" tIns="45720" rIns="91440" bIns="45720" numCol="1" rtlCol="0" anchor="t" anchorCtr="0" compatLnSpc="1">
-            <a:prstTxWarp prst="textNoShape">
-              <a:avLst/>
-            </a:prstTxWarp>
-          </a:bodyPr>
-          <a:lstStyle/>
-          <a:p>
-            <a:pPr marL="0" marR="0" indent="0" algn="ctr" defTabSz="914400" rtl="0" eaLnBrk="0" fontAlgn="base" latinLnBrk="0" hangingPunct="0">
-              <a:lnSpc>
-                <a:spcPct val="100000"/>
-              </a:lnSpc>
-              <a:spcBef>
-                <a:spcPct val="0"/>
-              </a:spcBef>
-              <a:spcAft>
-                <a:spcPct val="0"/>
-              </a:spcAft>
-              <a:buClrTx/>
-              <a:buSzTx/>
-              <a:buFontTx/>
-              <a:buNone/>
-              <a:tabLst/>
-            </a:pPr>
-            <a:r>
-              <a:rPr kumimoji="0" lang="en-US" sz="1800" b="0" i="0" u="none" strike="noStrike" cap="none" normalizeH="0" baseline="0" dirty="0" err="1" smtClean="0">
-                <a:ln>
-                  <a:noFill/>
-                </a:ln>
-                <a:solidFill>
-                  <a:schemeClr val="bg1"/>
-                </a:solidFill>
-                <a:effectLst/>
-                <a:latin typeface="Arial" pitchFamily="34" charset="0"/>
-              </a:rPr>
-              <a:t>ListMP</a:t>
-            </a:r>
-            <a:endParaRPr kumimoji="0" lang="en-US" sz="1800" b="0" i="0" u="none" strike="noStrike" cap="none" normalizeH="0" baseline="0" dirty="0" smtClean="0">
-              <a:ln>
-                <a:noFill/>
-              </a:ln>
-              <a:solidFill>
-                <a:schemeClr val="bg1"/>
-              </a:solidFill>
-              <a:effectLst/>
-              <a:latin typeface="Arial" pitchFamily="34" charset="0"/>
-            </a:endParaRPr>
-          </a:p>
-        </p:txBody>
-      </p:sp>
-      <p:sp>
-        <p:nvSpPr>
-          <p:cNvPr id="9" name="Rectangle 8"/>
-          <p:cNvSpPr/>
-          <p:nvPr/>
-        </p:nvSpPr>
-        <p:spPr bwMode="auto">
-          <a:xfrm>
-            <a:off x="3810000" y="1740932"/>
-            <a:ext cx="1676400" cy="369332"/>
-          </a:xfrm>
-          <a:prstGeom prst="rect">
-            <a:avLst/>
-          </a:prstGeom>
-          <a:solidFill>
-            <a:srgbClr val="FF0000"/>
-          </a:solidFill>
-          <a:ln w="9525" cap="flat" cmpd="sng" algn="ctr">
-            <a:solidFill>
-              <a:schemeClr val="tx1"/>
-            </a:solidFill>
-            <a:prstDash val="solid"/>
-            <a:round/>
-            <a:headEnd type="none" w="med" len="med"/>
-            <a:tailEnd type="none" w="med" len="med"/>
-          </a:ln>
-          <a:effectLst/>
-        </p:spPr>
-        <p:txBody>
-          <a:bodyPr vert="horz" wrap="square" lIns="91440" tIns="45720" rIns="91440" bIns="45720" numCol="1" rtlCol="0" anchor="t" anchorCtr="0" compatLnSpc="1">
-            <a:prstTxWarp prst="textNoShape">
-              <a:avLst/>
-            </a:prstTxWarp>
-            <a:spAutoFit/>
-          </a:bodyPr>
-          <a:lstStyle/>
-          <a:p>
-            <a:pPr marL="0" marR="0" indent="0" algn="ctr" defTabSz="914400" rtl="0" eaLnBrk="0" fontAlgn="base" latinLnBrk="0" hangingPunct="0">
-              <a:lnSpc>
-                <a:spcPct val="100000"/>
-              </a:lnSpc>
-              <a:spcBef>
-                <a:spcPct val="0"/>
-              </a:spcBef>
-              <a:spcAft>
-                <a:spcPct val="0"/>
-              </a:spcAft>
-              <a:buClrTx/>
-              <a:buSzTx/>
-              <a:buFontTx/>
-              <a:buNone/>
-              <a:tabLst/>
-            </a:pPr>
-            <a:r>
-              <a:rPr kumimoji="0" lang="en-US" sz="1800" b="0" i="0" u="none" strike="noStrike" cap="none" normalizeH="0" baseline="0" dirty="0" err="1" smtClean="0">
-                <a:ln>
-                  <a:noFill/>
-                </a:ln>
-                <a:solidFill>
-                  <a:schemeClr val="bg1"/>
-                </a:solidFill>
-                <a:effectLst/>
-                <a:latin typeface="Arial" pitchFamily="34" charset="0"/>
-              </a:rPr>
-              <a:t>SharedRegion</a:t>
-            </a:r>
-            <a:endParaRPr kumimoji="0" lang="en-US" sz="1800" b="0" i="0" u="none" strike="noStrike" cap="none" normalizeH="0" baseline="0" dirty="0" smtClean="0">
-              <a:ln>
-                <a:noFill/>
-              </a:ln>
-              <a:solidFill>
-                <a:schemeClr val="bg1"/>
-              </a:solidFill>
-              <a:effectLst/>
-              <a:latin typeface="Arial" pitchFamily="34" charset="0"/>
-            </a:endParaRPr>
-          </a:p>
-        </p:txBody>
-      </p:sp>
-      <p:sp>
-        <p:nvSpPr>
-          <p:cNvPr id="10" name="Rectangle 9"/>
-          <p:cNvSpPr/>
-          <p:nvPr/>
-        </p:nvSpPr>
-        <p:spPr bwMode="auto">
-          <a:xfrm>
-            <a:off x="3810000" y="2209800"/>
-            <a:ext cx="1676400" cy="369332"/>
-          </a:xfrm>
-          <a:prstGeom prst="rect">
-            <a:avLst/>
-          </a:prstGeom>
-          <a:solidFill>
-            <a:schemeClr val="accent4">
-              <a:lumMod val="50000"/>
-              <a:lumOff val="50000"/>
-            </a:schemeClr>
-          </a:solidFill>
-          <a:ln w="9525" cap="flat" cmpd="sng" algn="ctr">
-            <a:solidFill>
-              <a:schemeClr val="tx1"/>
-            </a:solidFill>
-            <a:prstDash val="solid"/>
-            <a:round/>
-            <a:headEnd type="none" w="med" len="med"/>
-            <a:tailEnd type="none" w="med" len="med"/>
-          </a:ln>
-          <a:effectLst/>
-        </p:spPr>
-        <p:txBody>
-          <a:bodyPr vert="horz" wrap="square" lIns="91440" tIns="45720" rIns="91440" bIns="45720" numCol="1" rtlCol="0" anchor="t" anchorCtr="0" compatLnSpc="1">
-            <a:prstTxWarp prst="textNoShape">
-              <a:avLst/>
-            </a:prstTxWarp>
-            <a:spAutoFit/>
-          </a:bodyPr>
-          <a:lstStyle/>
-          <a:p>
-            <a:pPr marL="0" marR="0" indent="0" algn="ctr" defTabSz="914400" rtl="0" eaLnBrk="0" fontAlgn="base" latinLnBrk="0" hangingPunct="0">
-              <a:lnSpc>
-                <a:spcPct val="100000"/>
-              </a:lnSpc>
-              <a:spcBef>
-                <a:spcPct val="0"/>
-              </a:spcBef>
-              <a:spcAft>
-                <a:spcPct val="0"/>
-              </a:spcAft>
-              <a:buClrTx/>
-              <a:buSzTx/>
-              <a:buFontTx/>
-              <a:buNone/>
-              <a:tabLst/>
-            </a:pPr>
-            <a:r>
-              <a:rPr kumimoji="0" lang="en-US" sz="1800" b="0" i="0" u="none" strike="noStrike" cap="none" normalizeH="0" baseline="0" dirty="0" err="1" smtClean="0">
-                <a:ln>
-                  <a:noFill/>
-                </a:ln>
-                <a:solidFill>
-                  <a:schemeClr val="bg1"/>
-                </a:solidFill>
-                <a:effectLst/>
-                <a:latin typeface="Arial" pitchFamily="34" charset="0"/>
-              </a:rPr>
-              <a:t>NameServer</a:t>
-            </a:r>
-            <a:endParaRPr kumimoji="0" lang="en-US" sz="1800" b="0" i="0" u="none" strike="noStrike" cap="none" normalizeH="0" baseline="0" dirty="0" smtClean="0">
-              <a:ln>
-                <a:noFill/>
-              </a:ln>
-              <a:solidFill>
-                <a:schemeClr val="bg1"/>
-              </a:solidFill>
-              <a:effectLst/>
-              <a:latin typeface="Arial" pitchFamily="34" charset="0"/>
-            </a:endParaRPr>
-          </a:p>
-        </p:txBody>
-      </p:sp>
-      <p:sp>
-        <p:nvSpPr>
-          <p:cNvPr id="11" name="Rectangle 10"/>
-          <p:cNvSpPr/>
-          <p:nvPr/>
-        </p:nvSpPr>
-        <p:spPr bwMode="auto">
-          <a:xfrm>
-            <a:off x="3810000" y="2731532"/>
-            <a:ext cx="1676400" cy="369332"/>
-          </a:xfrm>
-          <a:prstGeom prst="rect">
-            <a:avLst/>
-          </a:prstGeom>
-          <a:solidFill>
-            <a:srgbClr val="FF0000"/>
-          </a:solidFill>
-          <a:ln w="9525" cap="flat" cmpd="sng" algn="ctr">
-            <a:solidFill>
-              <a:schemeClr val="tx1"/>
-            </a:solidFill>
-            <a:prstDash val="solid"/>
-            <a:round/>
-            <a:headEnd type="none" w="med" len="med"/>
-            <a:tailEnd type="none" w="med" len="med"/>
-          </a:ln>
-          <a:effectLst/>
-        </p:spPr>
-        <p:txBody>
-          <a:bodyPr vert="horz" wrap="square" lIns="91440" tIns="45720" rIns="91440" bIns="45720" numCol="1" rtlCol="0" anchor="t" anchorCtr="0" compatLnSpc="1">
-            <a:prstTxWarp prst="textNoShape">
-              <a:avLst/>
-            </a:prstTxWarp>
-            <a:spAutoFit/>
-          </a:bodyPr>
-          <a:lstStyle/>
-          <a:p>
-            <a:pPr marL="0" marR="0" indent="0" algn="ctr" defTabSz="914400" rtl="0" eaLnBrk="0" fontAlgn="base" latinLnBrk="0" hangingPunct="0">
-              <a:lnSpc>
-                <a:spcPct val="100000"/>
-              </a:lnSpc>
-              <a:spcBef>
-                <a:spcPct val="0"/>
-              </a:spcBef>
-              <a:spcAft>
-                <a:spcPct val="0"/>
-              </a:spcAft>
-              <a:buClrTx/>
-              <a:buSzTx/>
-              <a:buFontTx/>
-              <a:buNone/>
-              <a:tabLst/>
-            </a:pPr>
-            <a:r>
-              <a:rPr kumimoji="0" lang="en-US" sz="1800" b="0" i="0" u="none" strike="noStrike" cap="none" normalizeH="0" baseline="0" dirty="0" err="1" smtClean="0">
-                <a:ln>
-                  <a:noFill/>
-                </a:ln>
-                <a:solidFill>
-                  <a:schemeClr val="bg1"/>
-                </a:solidFill>
-                <a:effectLst/>
-                <a:latin typeface="Arial" pitchFamily="34" charset="0"/>
-              </a:rPr>
-              <a:t>GateMP</a:t>
-            </a:r>
-            <a:endParaRPr kumimoji="0" lang="en-US" sz="1800" b="0" i="0" u="none" strike="noStrike" cap="none" normalizeH="0" baseline="0" dirty="0" smtClean="0">
-              <a:ln>
-                <a:noFill/>
-              </a:ln>
-              <a:solidFill>
-                <a:schemeClr val="bg1"/>
-              </a:solidFill>
-              <a:effectLst/>
-              <a:latin typeface="Arial" pitchFamily="34" charset="0"/>
-            </a:endParaRPr>
-          </a:p>
-        </p:txBody>
-      </p:sp>
-      <p:cxnSp>
-        <p:nvCxnSpPr>
-          <p:cNvPr id="12" name="Straight Arrow Connector 11"/>
-          <p:cNvCxnSpPr>
-            <a:stCxn id="5" idx="3"/>
-            <a:endCxn id="9" idx="1"/>
-          </p:cNvCxnSpPr>
-          <p:nvPr/>
-        </p:nvCxnSpPr>
-        <p:spPr bwMode="auto">
-          <a:xfrm flipV="1">
-            <a:off x="2590800" y="1925598"/>
-            <a:ext cx="1219200" cy="11668"/>
-          </a:xfrm>
-          <a:prstGeom prst="straightConnector1">
-            <a:avLst/>
-          </a:prstGeom>
-          <a:solidFill>
-            <a:schemeClr val="accent1"/>
-          </a:solidFill>
-          <a:ln w="9525" cap="flat" cmpd="sng" algn="ctr">
-            <a:solidFill>
-              <a:schemeClr val="tx1"/>
-            </a:solidFill>
-            <a:prstDash val="solid"/>
-            <a:round/>
-            <a:headEnd type="arrow"/>
-            <a:tailEnd type="arrow"/>
-          </a:ln>
-          <a:effectLst/>
-        </p:spPr>
-      </p:cxnSp>
-      <p:cxnSp>
-        <p:nvCxnSpPr>
-          <p:cNvPr id="13" name="Shape 12"/>
-          <p:cNvCxnSpPr>
-            <a:stCxn id="8" idx="2"/>
-            <a:endCxn id="10" idx="1"/>
-          </p:cNvCxnSpPr>
-          <p:nvPr/>
-        </p:nvCxnSpPr>
-        <p:spPr bwMode="auto">
-          <a:xfrm rot="16200000" flipH="1">
-            <a:off x="2911733" y="1496199"/>
-            <a:ext cx="1263134" cy="533400"/>
-          </a:xfrm>
-          <a:prstGeom prst="bentConnector2">
-            <a:avLst/>
-          </a:prstGeom>
-          <a:solidFill>
-            <a:schemeClr val="accent1"/>
-          </a:solidFill>
-          <a:ln w="9525" cap="flat" cmpd="sng" algn="ctr">
-            <a:solidFill>
-              <a:schemeClr val="tx1"/>
-            </a:solidFill>
-            <a:prstDash val="solid"/>
-            <a:round/>
-            <a:headEnd type="none" w="med" len="med"/>
-            <a:tailEnd type="arrow"/>
-          </a:ln>
-          <a:effectLst/>
-        </p:spPr>
-      </p:cxnSp>
-      <p:cxnSp>
-        <p:nvCxnSpPr>
-          <p:cNvPr id="14" name="Shape 13"/>
-          <p:cNvCxnSpPr>
-            <a:stCxn id="8" idx="2"/>
-            <a:endCxn id="11" idx="1"/>
-          </p:cNvCxnSpPr>
-          <p:nvPr/>
-        </p:nvCxnSpPr>
-        <p:spPr bwMode="auto">
-          <a:xfrm rot="16200000" flipH="1">
-            <a:off x="2650867" y="1757065"/>
-            <a:ext cx="1784866" cy="533400"/>
-          </a:xfrm>
-          <a:prstGeom prst="bentConnector2">
-            <a:avLst/>
-          </a:prstGeom>
-          <a:solidFill>
-            <a:schemeClr val="accent1"/>
-          </a:solidFill>
-          <a:ln w="9525" cap="flat" cmpd="sng" algn="ctr">
-            <a:solidFill>
-              <a:schemeClr val="tx1"/>
-            </a:solidFill>
-            <a:prstDash val="solid"/>
-            <a:round/>
-            <a:headEnd type="none" w="med" len="med"/>
-            <a:tailEnd type="arrow"/>
-          </a:ln>
-          <a:effectLst/>
-        </p:spPr>
-      </p:cxnSp>
-      <p:sp>
-        <p:nvSpPr>
-          <p:cNvPr id="15" name="TextBox 14"/>
-          <p:cNvSpPr txBox="1"/>
-          <p:nvPr/>
-        </p:nvSpPr>
-        <p:spPr>
-          <a:xfrm>
-            <a:off x="2971800" y="1600200"/>
-            <a:ext cx="627095" cy="369332"/>
-          </a:xfrm>
-          <a:prstGeom prst="rect">
-            <a:avLst/>
-          </a:prstGeom>
-          <a:noFill/>
-        </p:spPr>
-        <p:txBody>
-          <a:bodyPr wrap="square" rtlCol="0">
-            <a:spAutoFit/>
-          </a:bodyPr>
-          <a:lstStyle/>
-          <a:p>
-            <a:r>
-              <a:rPr lang="en-US" dirty="0" smtClean="0"/>
-              <a:t>Uses</a:t>
-            </a:r>
-            <a:endParaRPr lang="en-US" dirty="0"/>
-          </a:p>
-        </p:txBody>
-      </p:sp>
-      <p:sp>
-        <p:nvSpPr>
-          <p:cNvPr id="17" name="Rectangle 16"/>
-          <p:cNvSpPr/>
-          <p:nvPr/>
-        </p:nvSpPr>
-        <p:spPr bwMode="auto">
-          <a:xfrm>
-            <a:off x="4495800" y="762000"/>
-            <a:ext cx="4343400" cy="685800"/>
-          </a:xfrm>
-          <a:prstGeom prst="rect">
-            <a:avLst/>
-          </a:prstGeom>
-          <a:solidFill>
-            <a:srgbClr val="0070C0"/>
-          </a:solidFill>
-          <a:ln w="9525" cap="flat" cmpd="sng" algn="ctr">
-            <a:solidFill>
-              <a:schemeClr val="tx1"/>
-            </a:solidFill>
-            <a:prstDash val="solid"/>
-            <a:round/>
-            <a:headEnd type="none" w="med" len="med"/>
-            <a:tailEnd type="none" w="med" len="med"/>
-          </a:ln>
-          <a:effectLst/>
-        </p:spPr>
-        <p:txBody>
-          <a:bodyPr vert="horz" wrap="square" lIns="91440" tIns="45720" rIns="91440" bIns="45720" numCol="1" rtlCol="0" anchor="t" anchorCtr="0" compatLnSpc="1">
-            <a:prstTxWarp prst="textNoShape">
-              <a:avLst/>
-            </a:prstTxWarp>
-          </a:bodyPr>
-          <a:lstStyle/>
-          <a:p>
-            <a:pPr marL="0" marR="0" indent="0" algn="ctr" defTabSz="914400" rtl="0" eaLnBrk="0" fontAlgn="base" latinLnBrk="0" hangingPunct="0">
-              <a:lnSpc>
-                <a:spcPct val="100000"/>
-              </a:lnSpc>
-              <a:spcBef>
-                <a:spcPct val="0"/>
-              </a:spcBef>
-              <a:spcAft>
-                <a:spcPct val="0"/>
-              </a:spcAft>
-              <a:buClrTx/>
-              <a:buSzTx/>
-              <a:buFontTx/>
-              <a:buNone/>
-              <a:tabLst/>
-            </a:pPr>
-            <a:r>
-              <a:rPr kumimoji="0" lang="en-US" sz="1800" b="0" i="0" u="none" strike="noStrike" cap="none" normalizeH="0" baseline="0" dirty="0" err="1" smtClean="0">
-                <a:ln>
-                  <a:noFill/>
-                </a:ln>
-                <a:solidFill>
-                  <a:schemeClr val="bg1"/>
-                </a:solidFill>
-                <a:effectLst/>
-                <a:latin typeface="Arial" pitchFamily="34" charset="0"/>
-              </a:rPr>
-              <a:t>HeapBufMP</a:t>
-            </a:r>
-            <a:r>
-              <a:rPr lang="en-US" dirty="0" smtClean="0">
-                <a:solidFill>
-                  <a:schemeClr val="bg1"/>
-                </a:solidFill>
-                <a:latin typeface="Arial" pitchFamily="34" charset="0"/>
-              </a:rPr>
-              <a:t>, </a:t>
-            </a:r>
-            <a:r>
-              <a:rPr kumimoji="0" lang="en-US" sz="1800" b="0" i="0" u="none" strike="noStrike" cap="none" normalizeH="0" dirty="0" err="1" smtClean="0">
-                <a:ln>
-                  <a:noFill/>
-                </a:ln>
-                <a:solidFill>
-                  <a:schemeClr val="bg1"/>
-                </a:solidFill>
-                <a:effectLst/>
-                <a:latin typeface="Arial" pitchFamily="34" charset="0"/>
-              </a:rPr>
-              <a:t>HeapMultiBufMP</a:t>
-            </a:r>
-            <a:r>
-              <a:rPr lang="en-US" dirty="0" smtClean="0">
-                <a:solidFill>
-                  <a:schemeClr val="bg1"/>
-                </a:solidFill>
-                <a:latin typeface="Arial" pitchFamily="34" charset="0"/>
-              </a:rPr>
-              <a:t>, </a:t>
-            </a:r>
-            <a:r>
-              <a:rPr kumimoji="0" lang="en-US" sz="1800" b="0" i="0" u="none" strike="noStrike" cap="none" normalizeH="0" dirty="0" smtClean="0">
-                <a:ln>
-                  <a:noFill/>
-                </a:ln>
-                <a:solidFill>
-                  <a:schemeClr val="bg1"/>
-                </a:solidFill>
-                <a:effectLst/>
-                <a:latin typeface="Arial" pitchFamily="34" charset="0"/>
-              </a:rPr>
-              <a:t>or </a:t>
-            </a:r>
-            <a:r>
-              <a:rPr kumimoji="0" lang="en-US" sz="1800" b="0" i="0" u="none" strike="noStrike" cap="none" normalizeH="0" dirty="0" err="1" smtClean="0">
-                <a:ln>
-                  <a:noFill/>
-                </a:ln>
-                <a:solidFill>
-                  <a:schemeClr val="bg1"/>
-                </a:solidFill>
-                <a:effectLst/>
-                <a:latin typeface="Arial" pitchFamily="34" charset="0"/>
-              </a:rPr>
-              <a:t>HeapMemMP</a:t>
-            </a:r>
-            <a:endParaRPr kumimoji="0" lang="en-US" sz="1800" b="0" i="0" u="none" strike="noStrike" cap="none" normalizeH="0" baseline="0" dirty="0" smtClean="0">
-              <a:ln>
-                <a:noFill/>
-              </a:ln>
-              <a:solidFill>
-                <a:schemeClr val="bg1"/>
-              </a:solidFill>
-              <a:effectLst/>
-              <a:latin typeface="Arial" pitchFamily="34" charset="0"/>
-            </a:endParaRPr>
-          </a:p>
-        </p:txBody>
-      </p:sp>
-      <p:cxnSp>
-        <p:nvCxnSpPr>
-          <p:cNvPr id="19" name="Shape 18"/>
-          <p:cNvCxnSpPr>
-            <a:stCxn id="17" idx="2"/>
-            <a:endCxn id="9" idx="3"/>
-          </p:cNvCxnSpPr>
-          <p:nvPr/>
-        </p:nvCxnSpPr>
-        <p:spPr bwMode="auto">
-          <a:xfrm rot="5400000">
-            <a:off x="5838051" y="1096149"/>
-            <a:ext cx="477798" cy="1181100"/>
-          </a:xfrm>
-          <a:prstGeom prst="bentConnector2">
-            <a:avLst/>
-          </a:prstGeom>
-          <a:solidFill>
-            <a:schemeClr val="accent1"/>
-          </a:solidFill>
-          <a:ln w="9525" cap="flat" cmpd="sng" algn="ctr">
-            <a:solidFill>
-              <a:schemeClr val="tx1"/>
-            </a:solidFill>
-            <a:prstDash val="solid"/>
-            <a:round/>
-            <a:headEnd type="none" w="med" len="med"/>
-            <a:tailEnd type="arrow"/>
-          </a:ln>
-          <a:effectLst/>
-        </p:spPr>
-      </p:cxnSp>
-      <p:cxnSp>
-        <p:nvCxnSpPr>
-          <p:cNvPr id="21" name="Shape 20"/>
-          <p:cNvCxnSpPr>
-            <a:stCxn id="17" idx="2"/>
-            <a:endCxn id="10" idx="3"/>
-          </p:cNvCxnSpPr>
-          <p:nvPr/>
-        </p:nvCxnSpPr>
-        <p:spPr bwMode="auto">
-          <a:xfrm rot="5400000">
-            <a:off x="5603617" y="1330583"/>
-            <a:ext cx="946666" cy="1181100"/>
-          </a:xfrm>
-          <a:prstGeom prst="bentConnector2">
-            <a:avLst/>
-          </a:prstGeom>
-          <a:solidFill>
-            <a:schemeClr val="accent1"/>
-          </a:solidFill>
-          <a:ln w="9525" cap="flat" cmpd="sng" algn="ctr">
-            <a:solidFill>
-              <a:schemeClr val="tx1"/>
-            </a:solidFill>
-            <a:prstDash val="solid"/>
-            <a:round/>
-            <a:headEnd type="none" w="med" len="med"/>
-            <a:tailEnd type="arrow"/>
-          </a:ln>
-          <a:effectLst/>
-        </p:spPr>
-      </p:cxnSp>
-      <p:sp>
-        <p:nvSpPr>
-          <p:cNvPr id="24" name="TextBox 23"/>
-          <p:cNvSpPr txBox="1"/>
-          <p:nvPr/>
-        </p:nvSpPr>
-        <p:spPr>
-          <a:xfrm>
-            <a:off x="6324600" y="1600200"/>
-            <a:ext cx="627095" cy="369332"/>
-          </a:xfrm>
-          <a:prstGeom prst="rect">
-            <a:avLst/>
-          </a:prstGeom>
-          <a:noFill/>
-        </p:spPr>
-        <p:txBody>
-          <a:bodyPr wrap="square" rtlCol="0">
-            <a:spAutoFit/>
-          </a:bodyPr>
-          <a:lstStyle/>
-          <a:p>
-            <a:r>
-              <a:rPr lang="en-US" dirty="0" smtClean="0"/>
-              <a:t>Uses</a:t>
-            </a:r>
-            <a:endParaRPr lang="en-US" dirty="0"/>
-          </a:p>
-        </p:txBody>
-      </p:sp>
-      <p:cxnSp>
-        <p:nvCxnSpPr>
-          <p:cNvPr id="26" name="Shape 25"/>
-          <p:cNvCxnSpPr>
-            <a:stCxn id="17" idx="2"/>
-            <a:endCxn id="11" idx="3"/>
-          </p:cNvCxnSpPr>
-          <p:nvPr/>
-        </p:nvCxnSpPr>
-        <p:spPr bwMode="auto">
-          <a:xfrm rot="5400000">
-            <a:off x="5342751" y="1591449"/>
-            <a:ext cx="1468398" cy="1181100"/>
-          </a:xfrm>
-          <a:prstGeom prst="bentConnector2">
-            <a:avLst/>
-          </a:prstGeom>
-          <a:solidFill>
-            <a:schemeClr val="accent1"/>
-          </a:solidFill>
-          <a:ln w="9525" cap="flat" cmpd="sng" algn="ctr">
-            <a:solidFill>
-              <a:schemeClr val="tx1"/>
-            </a:solidFill>
-            <a:prstDash val="solid"/>
-            <a:round/>
-            <a:headEnd type="none" w="med" len="med"/>
-            <a:tailEnd type="arrow"/>
-          </a:ln>
-          <a:effectLst/>
-        </p:spPr>
-      </p:cxnSp>
-      <p:sp>
-        <p:nvSpPr>
-          <p:cNvPr id="27" name="TextBox 26"/>
-          <p:cNvSpPr txBox="1"/>
-          <p:nvPr/>
-        </p:nvSpPr>
-        <p:spPr>
-          <a:xfrm>
-            <a:off x="381000" y="3124200"/>
-            <a:ext cx="5592557" cy="646331"/>
-          </a:xfrm>
-          <a:prstGeom prst="rect">
-            <a:avLst/>
-          </a:prstGeom>
-          <a:noFill/>
-        </p:spPr>
-        <p:txBody>
-          <a:bodyPr wrap="none" rtlCol="0">
-            <a:spAutoFit/>
-          </a:bodyPr>
-          <a:lstStyle/>
-          <a:p>
-            <a:pPr>
-              <a:buFont typeface="Arial" pitchFamily="34" charset="0"/>
-              <a:buChar char="•"/>
-            </a:pPr>
-            <a:r>
-              <a:rPr lang="en-US" dirty="0" smtClean="0"/>
-              <a:t>API Calls made to Notify, </a:t>
-            </a:r>
-            <a:r>
-              <a:rPr lang="en-US" dirty="0" err="1" smtClean="0"/>
-              <a:t>ListMP</a:t>
-            </a:r>
-            <a:r>
-              <a:rPr lang="en-US" dirty="0" smtClean="0"/>
-              <a:t>, and a Heap*MP module</a:t>
-            </a:r>
-          </a:p>
-          <a:p>
-            <a:pPr lvl="1">
-              <a:buFont typeface="Arial" pitchFamily="34" charset="0"/>
-              <a:buChar char="•"/>
-            </a:pPr>
-            <a:r>
-              <a:rPr lang="en-US" dirty="0" smtClean="0"/>
-              <a:t>Heap*MP modules use </a:t>
-            </a:r>
-            <a:r>
-              <a:rPr lang="en-US" dirty="0" err="1" smtClean="0"/>
-              <a:t>GateMP</a:t>
-            </a:r>
-            <a:r>
-              <a:rPr lang="en-US" dirty="0" smtClean="0"/>
-              <a:t> </a:t>
-            </a:r>
-            <a:endParaRPr lang="en-US" dirty="0"/>
-          </a:p>
-        </p:txBody>
-      </p:sp>
-      <p:grpSp>
-        <p:nvGrpSpPr>
-          <p:cNvPr id="28" name="Group 27"/>
-          <p:cNvGrpSpPr/>
-          <p:nvPr/>
-        </p:nvGrpSpPr>
-        <p:grpSpPr>
-          <a:xfrm>
-            <a:off x="6019800" y="5638800"/>
-            <a:ext cx="2743200" cy="762000"/>
-            <a:chOff x="6019800" y="5638800"/>
-            <a:chExt cx="2743200" cy="762000"/>
-          </a:xfrm>
-        </p:grpSpPr>
-        <p:sp>
-          <p:nvSpPr>
-            <p:cNvPr id="29" name="Rectangle 28"/>
-            <p:cNvSpPr/>
-            <p:nvPr/>
-          </p:nvSpPr>
-          <p:spPr bwMode="auto">
-            <a:xfrm>
-              <a:off x="6019800" y="5638800"/>
-              <a:ext cx="2743200" cy="762000"/>
-            </a:xfrm>
-            <a:prstGeom prst="rect">
-              <a:avLst/>
-            </a:prstGeom>
-            <a:solidFill>
-              <a:schemeClr val="bg1"/>
-            </a:solidFill>
-            <a:ln w="9525" cap="flat" cmpd="sng" algn="ctr">
-              <a:solidFill>
-                <a:schemeClr val="tx1"/>
-              </a:solidFill>
-              <a:prstDash val="solid"/>
-              <a:round/>
-              <a:headEnd type="none" w="med" len="med"/>
-              <a:tailEnd type="none" w="med" len="med"/>
-            </a:ln>
-            <a:effectLst/>
-          </p:spPr>
-          <p:txBody>
-            <a:bodyPr vert="horz" wrap="square" lIns="91440" tIns="45720" rIns="91440" bIns="45720" numCol="1" rtlCol="0" anchor="t" anchorCtr="0" compatLnSpc="1">
-              <a:prstTxWarp prst="textNoShape">
-                <a:avLst/>
-              </a:prstTxWarp>
-            </a:bodyPr>
-            <a:lstStyle/>
-            <a:p>
-              <a:pPr marL="0" marR="0" indent="0" algn="l" defTabSz="914400" rtl="0" eaLnBrk="0" fontAlgn="base" latinLnBrk="0" hangingPunct="0">
-                <a:lnSpc>
-                  <a:spcPct val="100000"/>
-                </a:lnSpc>
-                <a:spcBef>
-                  <a:spcPct val="0"/>
-                </a:spcBef>
-                <a:spcAft>
-                  <a:spcPct val="0"/>
-                </a:spcAft>
-                <a:buClrTx/>
-                <a:buSzTx/>
-                <a:buFontTx/>
-                <a:buNone/>
-                <a:tabLst/>
-              </a:pPr>
-              <a:endParaRPr kumimoji="0" lang="en-US" sz="1800" b="0" i="0" u="none" strike="noStrike" cap="none" normalizeH="0" baseline="0" smtClean="0">
-                <a:ln>
-                  <a:noFill/>
-                </a:ln>
-                <a:solidFill>
-                  <a:schemeClr val="tx1"/>
-                </a:solidFill>
-                <a:effectLst/>
-                <a:latin typeface="Arial" pitchFamily="34" charset="0"/>
-              </a:endParaRPr>
-            </a:p>
-          </p:txBody>
-        </p:sp>
-        <p:sp>
-          <p:nvSpPr>
-            <p:cNvPr id="30" name="Rectangle 29"/>
-            <p:cNvSpPr/>
-            <p:nvPr/>
-          </p:nvSpPr>
-          <p:spPr bwMode="auto">
-            <a:xfrm>
-              <a:off x="6096000" y="5715000"/>
-              <a:ext cx="152400" cy="152400"/>
-            </a:xfrm>
-            <a:prstGeom prst="rect">
-              <a:avLst/>
-            </a:prstGeom>
-            <a:solidFill>
-              <a:srgbClr val="0070C0"/>
-            </a:solidFill>
-            <a:ln w="9525" cap="flat" cmpd="sng" algn="ctr">
-              <a:solidFill>
-                <a:schemeClr val="tx1"/>
-              </a:solidFill>
-              <a:prstDash val="solid"/>
-              <a:round/>
-              <a:headEnd type="none" w="med" len="med"/>
-              <a:tailEnd type="none" w="med" len="med"/>
-            </a:ln>
-            <a:effectLst/>
-          </p:spPr>
-          <p:txBody>
-            <a:bodyPr vert="horz" wrap="square" lIns="91440" tIns="45720" rIns="91440" bIns="45720" numCol="1" rtlCol="0" anchor="t" anchorCtr="0" compatLnSpc="1">
-              <a:prstTxWarp prst="textNoShape">
-                <a:avLst/>
-              </a:prstTxWarp>
-            </a:bodyPr>
-            <a:lstStyle/>
-            <a:p>
-              <a:pPr marL="0" marR="0" indent="0" algn="l" defTabSz="914400" rtl="0" eaLnBrk="0" fontAlgn="base" latinLnBrk="0" hangingPunct="0">
-                <a:lnSpc>
-                  <a:spcPct val="100000"/>
-                </a:lnSpc>
-                <a:spcBef>
-                  <a:spcPct val="0"/>
-                </a:spcBef>
-                <a:spcAft>
-                  <a:spcPct val="0"/>
-                </a:spcAft>
-                <a:buClrTx/>
-                <a:buSzTx/>
-                <a:buFontTx/>
-                <a:buNone/>
-                <a:tabLst/>
-              </a:pPr>
-              <a:endParaRPr kumimoji="0" lang="en-US" sz="1800" b="0" i="0" u="none" strike="noStrike" cap="none" normalizeH="0" baseline="0" smtClean="0">
-                <a:ln>
-                  <a:noFill/>
-                </a:ln>
-                <a:solidFill>
-                  <a:schemeClr val="tx1"/>
-                </a:solidFill>
-                <a:effectLst/>
-                <a:latin typeface="Arial" pitchFamily="34" charset="0"/>
-              </a:endParaRPr>
-            </a:p>
-          </p:txBody>
-        </p:sp>
-        <p:sp>
-          <p:nvSpPr>
-            <p:cNvPr id="31" name="Rectangle 30"/>
-            <p:cNvSpPr/>
-            <p:nvPr/>
-          </p:nvSpPr>
-          <p:spPr bwMode="auto">
-            <a:xfrm>
-              <a:off x="6096000" y="5943600"/>
-              <a:ext cx="152400" cy="152400"/>
-            </a:xfrm>
-            <a:prstGeom prst="rect">
-              <a:avLst/>
-            </a:prstGeom>
-            <a:solidFill>
-              <a:srgbClr val="FF0000"/>
-            </a:solidFill>
-            <a:ln w="9525" cap="flat" cmpd="sng" algn="ctr">
-              <a:solidFill>
-                <a:schemeClr val="tx1"/>
-              </a:solidFill>
-              <a:prstDash val="solid"/>
-              <a:round/>
-              <a:headEnd type="none" w="med" len="med"/>
-              <a:tailEnd type="none" w="med" len="med"/>
-            </a:ln>
-            <a:effectLst/>
-          </p:spPr>
-          <p:txBody>
-            <a:bodyPr vert="horz" wrap="square" lIns="91440" tIns="45720" rIns="91440" bIns="45720" numCol="1" rtlCol="0" anchor="t" anchorCtr="0" compatLnSpc="1">
-              <a:prstTxWarp prst="textNoShape">
-                <a:avLst/>
-              </a:prstTxWarp>
-            </a:bodyPr>
-            <a:lstStyle/>
-            <a:p>
-              <a:pPr marL="0" marR="0" indent="0" algn="l" defTabSz="914400" rtl="0" eaLnBrk="0" fontAlgn="base" latinLnBrk="0" hangingPunct="0">
-                <a:lnSpc>
-                  <a:spcPct val="100000"/>
-                </a:lnSpc>
-                <a:spcBef>
-                  <a:spcPct val="0"/>
-                </a:spcBef>
-                <a:spcAft>
-                  <a:spcPct val="0"/>
-                </a:spcAft>
-                <a:buClrTx/>
-                <a:buSzTx/>
-                <a:buFontTx/>
-                <a:buNone/>
-                <a:tabLst/>
-              </a:pPr>
-              <a:endParaRPr kumimoji="0" lang="en-US" sz="1800" b="0" i="0" u="none" strike="noStrike" cap="none" normalizeH="0" baseline="0" smtClean="0">
-                <a:ln>
-                  <a:noFill/>
-                </a:ln>
-                <a:solidFill>
-                  <a:schemeClr val="tx1"/>
-                </a:solidFill>
-                <a:effectLst/>
-                <a:latin typeface="Arial" pitchFamily="34" charset="0"/>
-              </a:endParaRPr>
-            </a:p>
-          </p:txBody>
-        </p:sp>
-        <p:sp>
-          <p:nvSpPr>
-            <p:cNvPr id="32" name="Rectangle 31"/>
-            <p:cNvSpPr/>
-            <p:nvPr/>
-          </p:nvSpPr>
-          <p:spPr bwMode="auto">
-            <a:xfrm>
-              <a:off x="6096000" y="6172200"/>
-              <a:ext cx="152400" cy="152400"/>
-            </a:xfrm>
-            <a:prstGeom prst="rect">
-              <a:avLst/>
-            </a:prstGeom>
-            <a:solidFill>
-              <a:schemeClr val="accent4">
-                <a:lumMod val="50000"/>
-                <a:lumOff val="50000"/>
-              </a:schemeClr>
-            </a:solidFill>
-            <a:ln w="9525" cap="flat" cmpd="sng" algn="ctr">
-              <a:solidFill>
-                <a:schemeClr val="tx1"/>
-              </a:solidFill>
-              <a:prstDash val="solid"/>
-              <a:round/>
-              <a:headEnd type="none" w="med" len="med"/>
-              <a:tailEnd type="none" w="med" len="med"/>
-            </a:ln>
-            <a:effectLst/>
-          </p:spPr>
-          <p:txBody>
-            <a:bodyPr vert="horz" wrap="square" lIns="91440" tIns="45720" rIns="91440" bIns="45720" numCol="1" rtlCol="0" anchor="t" anchorCtr="0" compatLnSpc="1">
-              <a:prstTxWarp prst="textNoShape">
-                <a:avLst/>
-              </a:prstTxWarp>
-            </a:bodyPr>
-            <a:lstStyle/>
-            <a:p>
-              <a:pPr marL="0" marR="0" indent="0" algn="l" defTabSz="914400" rtl="0" eaLnBrk="0" fontAlgn="base" latinLnBrk="0" hangingPunct="0">
-                <a:lnSpc>
-                  <a:spcPct val="100000"/>
-                </a:lnSpc>
-                <a:spcBef>
-                  <a:spcPct val="0"/>
-                </a:spcBef>
-                <a:spcAft>
-                  <a:spcPct val="0"/>
-                </a:spcAft>
-                <a:buClrTx/>
-                <a:buSzTx/>
-                <a:buFontTx/>
-                <a:buNone/>
-                <a:tabLst/>
-              </a:pPr>
-              <a:endParaRPr kumimoji="0" lang="en-US" sz="1800" b="0" i="0" u="none" strike="noStrike" cap="none" normalizeH="0" baseline="0" smtClean="0">
-                <a:ln>
-                  <a:noFill/>
-                </a:ln>
-                <a:solidFill>
-                  <a:schemeClr val="tx1"/>
-                </a:solidFill>
-                <a:effectLst/>
-                <a:latin typeface="Arial" pitchFamily="34" charset="0"/>
-              </a:endParaRPr>
-            </a:p>
-          </p:txBody>
-        </p:sp>
-        <p:sp>
-          <p:nvSpPr>
-            <p:cNvPr id="33" name="TextBox 32"/>
-            <p:cNvSpPr txBox="1"/>
-            <p:nvPr/>
-          </p:nvSpPr>
-          <p:spPr>
-            <a:xfrm>
-              <a:off x="6324600" y="5638800"/>
-              <a:ext cx="2362200" cy="738664"/>
-            </a:xfrm>
-            <a:prstGeom prst="rect">
-              <a:avLst/>
-            </a:prstGeom>
-            <a:noFill/>
-          </p:spPr>
-          <p:txBody>
-            <a:bodyPr wrap="square" rtlCol="0">
-              <a:spAutoFit/>
-            </a:bodyPr>
-            <a:lstStyle/>
-            <a:p>
-              <a:pPr>
-                <a:buFont typeface="Calibri" pitchFamily="34" charset="0"/>
-                <a:buChar char="—"/>
-              </a:pPr>
-              <a:r>
-                <a:rPr lang="en-US" sz="1400" dirty="0" smtClean="0"/>
-                <a:t>Application Calls API</a:t>
-              </a:r>
-            </a:p>
-            <a:p>
-              <a:pPr>
-                <a:buFont typeface="Calibri" pitchFamily="34" charset="0"/>
-                <a:buChar char="—"/>
-              </a:pPr>
-              <a:r>
-                <a:rPr lang="en-US" sz="1400" dirty="0" smtClean="0"/>
-                <a:t>Configuration Only</a:t>
-              </a:r>
-            </a:p>
-            <a:p>
-              <a:pPr>
-                <a:buFont typeface="Calibri" pitchFamily="34" charset="0"/>
-                <a:buChar char="—"/>
-              </a:pPr>
-              <a:r>
-                <a:rPr lang="en-US" sz="1400" dirty="0" smtClean="0"/>
-                <a:t>No Configuration Necessary</a:t>
-              </a:r>
-              <a:endParaRPr lang="en-US" sz="1200" dirty="0"/>
-            </a:p>
-          </p:txBody>
-        </p:sp>
-      </p:grpSp>
-      <p:sp>
-        <p:nvSpPr>
-          <p:cNvPr id="34" name="Rectangle 33"/>
-          <p:cNvSpPr/>
-          <p:nvPr/>
-        </p:nvSpPr>
-        <p:spPr bwMode="auto">
-          <a:xfrm>
-            <a:off x="457200" y="3886200"/>
-            <a:ext cx="8153400" cy="533400"/>
-          </a:xfrm>
-          <a:prstGeom prst="rect">
-            <a:avLst/>
-          </a:prstGeom>
-          <a:solidFill>
-            <a:schemeClr val="bg1">
-              <a:lumMod val="85000"/>
-              <a:alpha val="50000"/>
-            </a:schemeClr>
-          </a:solidFill>
-          <a:ln w="9525" cap="flat" cmpd="sng" algn="ctr">
-            <a:solidFill>
-              <a:schemeClr val="tx1"/>
-            </a:solidFill>
-            <a:prstDash val="solid"/>
-            <a:round/>
-            <a:headEnd type="none" w="med" len="med"/>
-            <a:tailEnd type="none" w="med" len="med"/>
-          </a:ln>
-          <a:effectLst/>
-        </p:spPr>
-        <p:txBody>
-          <a:bodyPr vert="horz" wrap="square" lIns="91440" tIns="45720" rIns="91440" bIns="45720" numCol="1" rtlCol="0" anchor="t" anchorCtr="0" compatLnSpc="1">
-            <a:prstTxWarp prst="textNoShape">
-              <a:avLst/>
-            </a:prstTxWarp>
-          </a:bodyPr>
-          <a:lstStyle/>
-          <a:p>
-            <a:r>
-              <a:rPr lang="en-US" sz="1050" dirty="0">
-                <a:solidFill>
-                  <a:srgbClr val="00B050"/>
-                </a:solidFill>
-                <a:latin typeface="Courier New" pitchFamily="49" charset="0"/>
-                <a:cs typeface="Courier New" pitchFamily="49" charset="0"/>
-              </a:rPr>
-              <a:t>/* </a:t>
-            </a:r>
-            <a:r>
-              <a:rPr lang="en-US" sz="1050" dirty="0" smtClean="0">
-                <a:solidFill>
-                  <a:srgbClr val="00B050"/>
-                </a:solidFill>
-                <a:latin typeface="Courier New" pitchFamily="49" charset="0"/>
-                <a:cs typeface="Courier New" pitchFamily="49" charset="0"/>
-              </a:rPr>
-              <a:t>Send </a:t>
-            </a:r>
-            <a:r>
-              <a:rPr lang="en-US" sz="1050" dirty="0">
-                <a:solidFill>
-                  <a:srgbClr val="00B050"/>
-                </a:solidFill>
-                <a:latin typeface="Courier New" pitchFamily="49" charset="0"/>
-                <a:cs typeface="Courier New" pitchFamily="49" charset="0"/>
-              </a:rPr>
-              <a:t>the message to the remote processor */</a:t>
-            </a:r>
-          </a:p>
-          <a:p>
-            <a:r>
-              <a:rPr lang="en-US" sz="1050" b="1" dirty="0">
-                <a:latin typeface="Courier New" pitchFamily="49" charset="0"/>
-                <a:cs typeface="Courier New" pitchFamily="49" charset="0"/>
-              </a:rPr>
-              <a:t>            status = </a:t>
-            </a:r>
-            <a:r>
-              <a:rPr lang="en-US" sz="1050" b="1" dirty="0" err="1">
-                <a:solidFill>
-                  <a:srgbClr val="7030A0"/>
-                </a:solidFill>
-                <a:latin typeface="Courier New" pitchFamily="49" charset="0"/>
-                <a:cs typeface="Courier New" pitchFamily="49" charset="0"/>
-              </a:rPr>
-              <a:t>MessageQ_put</a:t>
-            </a:r>
-            <a:r>
-              <a:rPr lang="en-US" sz="1050" b="1" dirty="0">
-                <a:latin typeface="Courier New" pitchFamily="49" charset="0"/>
-                <a:cs typeface="Courier New" pitchFamily="49" charset="0"/>
-              </a:rPr>
-              <a:t>(</a:t>
-            </a:r>
-            <a:r>
-              <a:rPr lang="en-US" sz="1050" b="1" dirty="0" err="1">
-                <a:latin typeface="Courier New" pitchFamily="49" charset="0"/>
-                <a:cs typeface="Courier New" pitchFamily="49" charset="0"/>
-              </a:rPr>
-              <a:t>remoteQueueId</a:t>
-            </a:r>
-            <a:r>
-              <a:rPr lang="en-US" sz="1050" b="1" dirty="0">
-                <a:latin typeface="Courier New" pitchFamily="49" charset="0"/>
-                <a:cs typeface="Courier New" pitchFamily="49" charset="0"/>
-              </a:rPr>
-              <a:t>, </a:t>
-            </a:r>
-            <a:r>
-              <a:rPr lang="en-US" sz="1050" b="1" dirty="0" err="1">
-                <a:latin typeface="Courier New" pitchFamily="49" charset="0"/>
-                <a:cs typeface="Courier New" pitchFamily="49" charset="0"/>
-              </a:rPr>
-              <a:t>msg</a:t>
-            </a:r>
-            <a:r>
-              <a:rPr lang="en-US" sz="1050" b="1" dirty="0">
-                <a:latin typeface="Courier New" pitchFamily="49" charset="0"/>
-                <a:cs typeface="Courier New" pitchFamily="49" charset="0"/>
-              </a:rPr>
-              <a:t>);</a:t>
-            </a:r>
-            <a:endParaRPr kumimoji="0" lang="en-US" sz="1050" b="1" i="0" u="none" strike="noStrike" cap="none" normalizeH="0" baseline="0" dirty="0" smtClean="0">
-              <a:ln>
-                <a:noFill/>
-              </a:ln>
-              <a:solidFill>
-                <a:schemeClr val="tx1"/>
-              </a:solidFill>
-              <a:effectLst/>
-              <a:latin typeface="Courier New" pitchFamily="49" charset="0"/>
-              <a:cs typeface="Courier New" pitchFamily="49" charset="0"/>
-            </a:endParaRPr>
-          </a:p>
-        </p:txBody>
-      </p:sp>
-      <p:sp>
-        <p:nvSpPr>
-          <p:cNvPr id="35" name="Rectangle 34"/>
-          <p:cNvSpPr/>
-          <p:nvPr/>
-        </p:nvSpPr>
-        <p:spPr bwMode="auto">
-          <a:xfrm>
-            <a:off x="457200" y="4572000"/>
-            <a:ext cx="8153400" cy="533400"/>
-          </a:xfrm>
-          <a:prstGeom prst="rect">
-            <a:avLst/>
-          </a:prstGeom>
-          <a:solidFill>
-            <a:schemeClr val="bg1">
-              <a:lumMod val="85000"/>
-              <a:alpha val="50000"/>
-            </a:schemeClr>
-          </a:solidFill>
-          <a:ln w="9525" cap="flat" cmpd="sng" algn="ctr">
-            <a:solidFill>
-              <a:schemeClr val="tx1"/>
-            </a:solidFill>
-            <a:prstDash val="solid"/>
-            <a:round/>
-            <a:headEnd type="none" w="med" len="med"/>
-            <a:tailEnd type="none" w="med" len="med"/>
-          </a:ln>
-          <a:effectLst/>
-        </p:spPr>
-        <p:txBody>
-          <a:bodyPr vert="horz" wrap="square" lIns="91440" tIns="45720" rIns="91440" bIns="45720" numCol="1" rtlCol="0" anchor="t" anchorCtr="0" compatLnSpc="1">
-            <a:prstTxWarp prst="textNoShape">
-              <a:avLst/>
-            </a:prstTxWarp>
-          </a:bodyPr>
-          <a:lstStyle/>
-          <a:p>
-            <a:r>
-              <a:rPr lang="en-US" sz="1050" dirty="0">
-                <a:solidFill>
-                  <a:srgbClr val="00B050"/>
-                </a:solidFill>
-                <a:latin typeface="Courier New" pitchFamily="49" charset="0"/>
-                <a:cs typeface="Courier New" pitchFamily="49" charset="0"/>
-              </a:rPr>
-              <a:t>/* Get a message */</a:t>
-            </a:r>
-          </a:p>
-          <a:p>
-            <a:r>
-              <a:rPr lang="en-US" sz="1050" b="1" dirty="0">
-                <a:latin typeface="Courier New" pitchFamily="49" charset="0"/>
-                <a:cs typeface="Courier New" pitchFamily="49" charset="0"/>
-              </a:rPr>
-              <a:t>            status = </a:t>
-            </a:r>
-            <a:r>
-              <a:rPr lang="en-US" sz="1050" b="1" dirty="0" err="1">
-                <a:solidFill>
-                  <a:srgbClr val="7030A0"/>
-                </a:solidFill>
-                <a:latin typeface="Courier New" pitchFamily="49" charset="0"/>
-                <a:cs typeface="Courier New" pitchFamily="49" charset="0"/>
-              </a:rPr>
-              <a:t>MessageQ_get</a:t>
-            </a:r>
-            <a:r>
-              <a:rPr lang="en-US" sz="1050" b="1" dirty="0">
-                <a:latin typeface="Courier New" pitchFamily="49" charset="0"/>
-                <a:cs typeface="Courier New" pitchFamily="49" charset="0"/>
-              </a:rPr>
-              <a:t>(</a:t>
-            </a:r>
-            <a:r>
-              <a:rPr lang="en-US" sz="1050" b="1" dirty="0" err="1">
-                <a:latin typeface="Courier New" pitchFamily="49" charset="0"/>
-                <a:cs typeface="Courier New" pitchFamily="49" charset="0"/>
-              </a:rPr>
-              <a:t>messageQ</a:t>
-            </a:r>
-            <a:r>
-              <a:rPr lang="en-US" sz="1050" b="1" dirty="0">
-                <a:latin typeface="Courier New" pitchFamily="49" charset="0"/>
-                <a:cs typeface="Courier New" pitchFamily="49" charset="0"/>
-              </a:rPr>
-              <a:t>, &amp;</a:t>
-            </a:r>
-            <a:r>
-              <a:rPr lang="en-US" sz="1050" b="1" dirty="0" err="1">
-                <a:latin typeface="Courier New" pitchFamily="49" charset="0"/>
-                <a:cs typeface="Courier New" pitchFamily="49" charset="0"/>
-              </a:rPr>
-              <a:t>msg</a:t>
-            </a:r>
-            <a:r>
-              <a:rPr lang="en-US" sz="1050" b="1" dirty="0">
-                <a:latin typeface="Courier New" pitchFamily="49" charset="0"/>
-                <a:cs typeface="Courier New" pitchFamily="49" charset="0"/>
-              </a:rPr>
-              <a:t>, </a:t>
-            </a:r>
-            <a:r>
-              <a:rPr lang="en-US" sz="1050" b="1" dirty="0" err="1">
-                <a:latin typeface="Courier New" pitchFamily="49" charset="0"/>
-                <a:cs typeface="Courier New" pitchFamily="49" charset="0"/>
-              </a:rPr>
-              <a:t>MessageQ_FOREVER</a:t>
-            </a:r>
-            <a:r>
-              <a:rPr lang="en-US" sz="1050" b="1" dirty="0">
-                <a:latin typeface="Courier New" pitchFamily="49" charset="0"/>
-                <a:cs typeface="Courier New" pitchFamily="49" charset="0"/>
-              </a:rPr>
-              <a:t>);</a:t>
-            </a:r>
-            <a:endParaRPr kumimoji="0" lang="en-US" sz="1050" b="1" i="0" strike="noStrike" cap="none" normalizeH="0" baseline="0" dirty="0" smtClean="0">
-              <a:ln>
-                <a:noFill/>
-              </a:ln>
-              <a:solidFill>
-                <a:schemeClr val="tx1"/>
-              </a:solidFill>
-              <a:effectLst/>
-              <a:latin typeface="Courier New" pitchFamily="49" charset="0"/>
-              <a:cs typeface="Courier New" pitchFamily="49" charset="0"/>
-            </a:endParaRPr>
-          </a:p>
-        </p:txBody>
-      </p:sp>
     </p:spTree>
   </p:cSld>
   <p:clrMapOvr>

--- a/trunk/slides/Intro to IPC.pptx
+++ b/trunk/slides/Intro to IPC.pptx
@@ -214,7 +214,7 @@
             <a:fld id="{DD03D637-1F05-4DC2-8008-DF616AF082EC}" type="datetimeFigureOut">
               <a:rPr lang="en-US" smtClean="0"/>
               <a:pPr/>
-              <a:t>3/7/2012</a:t>
+              <a:t>3/27/2012</a:t>
             </a:fld>
             <a:endParaRPr lang="en-US"/>
           </a:p>
@@ -2599,7 +2599,7 @@
             <a:fld id="{D84747ED-4B7F-4D02-BE0F-92B5443F39A6}" type="datetimeFigureOut">
               <a:rPr lang="en-US" smtClean="0"/>
               <a:pPr/>
-              <a:t>3/7/2012</a:t>
+              <a:t>3/27/2012</a:t>
             </a:fld>
             <a:endParaRPr lang="en-US"/>
           </a:p>
@@ -11216,72 +11216,35 @@
           <a:lstStyle/>
           <a:p>
             <a:r>
-              <a:rPr lang="en-US" dirty="0" smtClean="0"/>
+              <a:rPr lang="en-US" sz="4000" dirty="0" smtClean="0"/>
               <a:t>IPC Can natively be used to communicate with:</a:t>
             </a:r>
           </a:p>
           <a:p>
             <a:pPr lvl="1"/>
             <a:r>
-              <a:rPr lang="en-US" dirty="0" smtClean="0"/>
+              <a:rPr lang="en-US" sz="3600" dirty="0" smtClean="0"/>
               <a:t>Other threads on the same processor</a:t>
             </a:r>
           </a:p>
           <a:p>
             <a:pPr lvl="1"/>
             <a:r>
-              <a:rPr lang="en-US" dirty="0" smtClean="0"/>
+              <a:rPr lang="en-US" sz="3600" dirty="0" smtClean="0"/>
               <a:t>Threads on other processors running SYS/Bios</a:t>
             </a:r>
           </a:p>
           <a:p>
             <a:pPr lvl="1"/>
             <a:r>
-              <a:rPr lang="en-US" dirty="0" smtClean="0"/>
-              <a:t>Threads on General Purpose processors running SYS/Link</a:t>
-            </a:r>
-          </a:p>
-          <a:p>
-            <a:r>
-              <a:rPr lang="en-US" dirty="0" smtClean="0"/>
-              <a:t>Supported Operating Systems</a:t>
-            </a:r>
-          </a:p>
-          <a:p>
-            <a:pPr lvl="1"/>
-            <a:r>
-              <a:rPr lang="en-US" dirty="0" smtClean="0"/>
-              <a:t>Windows XP (SP 2, SP3)</a:t>
-            </a:r>
-          </a:p>
-          <a:p>
-            <a:pPr lvl="1"/>
-            <a:r>
-              <a:rPr lang="en-US" dirty="0" smtClean="0"/>
-              <a:t>Windows Vista</a:t>
-            </a:r>
-          </a:p>
-          <a:p>
-            <a:pPr lvl="1"/>
-            <a:r>
-              <a:rPr lang="en-US" dirty="0" smtClean="0"/>
-              <a:t>Windows 7</a:t>
-            </a:r>
-          </a:p>
-          <a:p>
-            <a:pPr lvl="1"/>
-            <a:r>
-              <a:rPr lang="en-US" dirty="0" err="1" smtClean="0"/>
-              <a:t>Redhat</a:t>
-            </a:r>
-            <a:r>
-              <a:rPr lang="en-US" dirty="0" smtClean="0"/>
-              <a:t> Linux (4, 5)</a:t>
-            </a:r>
-          </a:p>
-          <a:p>
-            <a:pPr lvl="1"/>
-            <a:endParaRPr lang="en-US" dirty="0"/>
+              <a:rPr lang="en-US" sz="3600" dirty="0" smtClean="0"/>
+              <a:t>Threads on General Purpose processors running </a:t>
+            </a:r>
+            <a:r>
+              <a:rPr lang="en-US" sz="3600" dirty="0" smtClean="0"/>
+              <a:t>SYS/Link</a:t>
+            </a:r>
+            <a:endParaRPr lang="en-US" sz="3600" dirty="0" smtClean="0"/>
           </a:p>
         </p:txBody>
       </p:sp>
